--- a/Presentation/Wine Analysis.pptx
+++ b/Presentation/Wine Analysis.pptx
@@ -30,9 +30,6 @@
     <p:sldId id="275" r:id="rId25"/>
     <p:sldId id="276" r:id="rId26"/>
     <p:sldId id="277" r:id="rId27"/>
-    <p:sldId id="278" r:id="rId28"/>
-    <p:sldId id="279" r:id="rId29"/>
-    <p:sldId id="280" r:id="rId30"/>
   </p:sldIdLst>
   <p:sldSz cy="5143500" cx="9144000"/>
   <p:notesSz cx="6858000" cy="9144000"/>
@@ -814,7 +811,7 @@
   <p:cSld>
     <p:spTree>
       <p:nvGrpSpPr>
-        <p:cNvPr id="119" name="Shape 119"/>
+        <p:cNvPr id="122" name="Shape 122"/>
         <p:cNvGrpSpPr/>
         <p:nvPr/>
       </p:nvGrpSpPr>
@@ -828,7 +825,7 @@
       </p:grpSpPr>
       <p:sp>
         <p:nvSpPr>
-          <p:cNvPr id="120" name="Google Shape;120;g1de321d6b26_1_87:notes"/>
+          <p:cNvPr id="123" name="Google Shape;123;g1ddb874eeb6_0_29:notes"/>
           <p:cNvSpPr/>
           <p:nvPr>
             <p:ph idx="2" type="sldImg"/>
@@ -863,7 +860,7 @@
       </p:sp>
       <p:sp>
         <p:nvSpPr>
-          <p:cNvPr id="121" name="Google Shape;121;g1de321d6b26_1_87:notes"/>
+          <p:cNvPr id="124" name="Google Shape;124;g1ddb874eeb6_0_29:notes"/>
           <p:cNvSpPr txBox="1"/>
           <p:nvPr>
             <p:ph idx="1" type="body"/>
@@ -913,7 +910,7 @@
   <p:cSld>
     <p:spTree>
       <p:nvGrpSpPr>
-        <p:cNvPr id="127" name="Shape 127"/>
+        <p:cNvPr id="132" name="Shape 132"/>
         <p:cNvGrpSpPr/>
         <p:nvPr/>
       </p:nvGrpSpPr>
@@ -927,7 +924,7 @@
       </p:grpSpPr>
       <p:sp>
         <p:nvSpPr>
-          <p:cNvPr id="128" name="Google Shape;128;g1ddb874eeb6_0_11:notes"/>
+          <p:cNvPr id="133" name="Google Shape;133;g1ddb874eeb6_0_99:notes"/>
           <p:cNvSpPr/>
           <p:nvPr>
             <p:ph idx="2" type="sldImg"/>
@@ -962,7 +959,7 @@
       </p:sp>
       <p:sp>
         <p:nvSpPr>
-          <p:cNvPr id="129" name="Google Shape;129;g1ddb874eeb6_0_11:notes"/>
+          <p:cNvPr id="134" name="Google Shape;134;g1ddb874eeb6_0_99:notes"/>
           <p:cNvSpPr txBox="1"/>
           <p:nvPr>
             <p:ph idx="1" type="body"/>
@@ -1012,7 +1009,7 @@
   <p:cSld>
     <p:spTree>
       <p:nvGrpSpPr>
-        <p:cNvPr id="133" name="Shape 133"/>
+        <p:cNvPr id="140" name="Shape 140"/>
         <p:cNvGrpSpPr/>
         <p:nvPr/>
       </p:nvGrpSpPr>
@@ -1026,7 +1023,7 @@
       </p:grpSpPr>
       <p:sp>
         <p:nvSpPr>
-          <p:cNvPr id="134" name="Google Shape;134;g1ddb874eeb6_0_29:notes"/>
+          <p:cNvPr id="141" name="Google Shape;141;g1ddb874eeb6_0_111:notes"/>
           <p:cNvSpPr/>
           <p:nvPr>
             <p:ph idx="2" type="sldImg"/>
@@ -1061,7 +1058,7 @@
       </p:sp>
       <p:sp>
         <p:nvSpPr>
-          <p:cNvPr id="135" name="Google Shape;135;g1ddb874eeb6_0_29:notes"/>
+          <p:cNvPr id="142" name="Google Shape;142;g1ddb874eeb6_0_111:notes"/>
           <p:cNvSpPr txBox="1"/>
           <p:nvPr>
             <p:ph idx="1" type="body"/>
@@ -1111,7 +1108,7 @@
   <p:cSld>
     <p:spTree>
       <p:nvGrpSpPr>
-        <p:cNvPr id="143" name="Shape 143"/>
+        <p:cNvPr id="148" name="Shape 148"/>
         <p:cNvGrpSpPr/>
         <p:nvPr/>
       </p:nvGrpSpPr>
@@ -1125,7 +1122,7 @@
       </p:grpSpPr>
       <p:sp>
         <p:nvSpPr>
-          <p:cNvPr id="144" name="Google Shape;144;g1ddb874eeb6_0_99:notes"/>
+          <p:cNvPr id="149" name="Google Shape;149;g1ddb874eeb6_0_123:notes"/>
           <p:cNvSpPr/>
           <p:nvPr>
             <p:ph idx="2" type="sldImg"/>
@@ -1160,7 +1157,7 @@
       </p:sp>
       <p:sp>
         <p:nvSpPr>
-          <p:cNvPr id="145" name="Google Shape;145;g1ddb874eeb6_0_99:notes"/>
+          <p:cNvPr id="150" name="Google Shape;150;g1ddb874eeb6_0_123:notes"/>
           <p:cNvSpPr txBox="1"/>
           <p:nvPr>
             <p:ph idx="1" type="body"/>
@@ -1210,7 +1207,7 @@
   <p:cSld>
     <p:spTree>
       <p:nvGrpSpPr>
-        <p:cNvPr id="151" name="Shape 151"/>
+        <p:cNvPr id="154" name="Shape 154"/>
         <p:cNvGrpSpPr/>
         <p:nvPr/>
       </p:nvGrpSpPr>
@@ -1224,7 +1221,7 @@
       </p:grpSpPr>
       <p:sp>
         <p:nvSpPr>
-          <p:cNvPr id="152" name="Google Shape;152;g1ddb874eeb6_0_111:notes"/>
+          <p:cNvPr id="155" name="Google Shape;155;g1ddb874eeb6_0_54:notes"/>
           <p:cNvSpPr/>
           <p:nvPr>
             <p:ph idx="2" type="sldImg"/>
@@ -1259,205 +1256,7 @@
       </p:sp>
       <p:sp>
         <p:nvSpPr>
-          <p:cNvPr id="153" name="Google Shape;153;g1ddb874eeb6_0_111:notes"/>
-          <p:cNvSpPr txBox="1"/>
-          <p:nvPr>
-            <p:ph idx="1" type="body"/>
-          </p:nvPr>
-        </p:nvSpPr>
-        <p:spPr>
-          <a:xfrm>
-            <a:off x="685800" y="4343400"/>
-            <a:ext cx="5486400" cy="4114800"/>
-          </a:xfrm>
-          <a:prstGeom prst="rect">
-            <a:avLst/>
-          </a:prstGeom>
-        </p:spPr>
-        <p:txBody>
-          <a:bodyPr anchorCtr="0" anchor="t" bIns="91425" lIns="91425" spcFirstLastPara="1" rIns="91425" wrap="square" tIns="91425">
-            <a:noAutofit/>
-          </a:bodyPr>
-          <a:lstStyle/>
-          <a:p>
-            <a:pPr indent="0" lvl="0" marL="0" rtl="0" algn="l">
-              <a:spcBef>
-                <a:spcPts val="0"/>
-              </a:spcBef>
-              <a:spcAft>
-                <a:spcPts val="0"/>
-              </a:spcAft>
-              <a:buNone/>
-            </a:pPr>
-            <a:r>
-              <a:t/>
-            </a:r>
-            <a:endParaRPr/>
-          </a:p>
-        </p:txBody>
-      </p:sp>
-    </p:spTree>
-  </p:cSld>
-  <p:clrMapOvr>
-    <a:masterClrMapping/>
-  </p:clrMapOvr>
-</p:notes>
-</file>
-
-<file path=ppt/notesSlides/notesSlide15.xml><?xml version="1.0" encoding="utf-8"?>
-<p:notes xmlns:a="http://schemas.openxmlformats.org/drawingml/2006/main" xmlns:r="http://schemas.openxmlformats.org/officeDocument/2006/relationships" xmlns:mc="http://schemas.openxmlformats.org/markup-compatibility/2006" xmlns:mv="urn:schemas-microsoft-com:mac:vml" xmlns:p="http://schemas.openxmlformats.org/presentationml/2006/main" xmlns:c="http://schemas.openxmlformats.org/drawingml/2006/chart" xmlns:dgm="http://schemas.openxmlformats.org/drawingml/2006/diagram" xmlns:o="urn:schemas-microsoft-com:office:office" xmlns:v="urn:schemas-microsoft-com:vml" xmlns:pvml="urn:schemas-microsoft-com:office:powerpoint" xmlns:com="http://schemas.openxmlformats.org/drawingml/2006/compatibility" xmlns:p14="http://schemas.microsoft.com/office/powerpoint/2010/main" xmlns:p15="http://schemas.microsoft.com/office/powerpoint/2012/main" xmlns:ahyp="http://schemas.microsoft.com/office/drawing/2018/hyperlinkcolor" showMasterPhAnim="0" showMasterSp="0">
-  <p:cSld>
-    <p:spTree>
-      <p:nvGrpSpPr>
-        <p:cNvPr id="159" name="Shape 159"/>
-        <p:cNvGrpSpPr/>
-        <p:nvPr/>
-      </p:nvGrpSpPr>
-      <p:grpSpPr>
-        <a:xfrm>
-          <a:off x="0" y="0"/>
-          <a:ext cx="0" cy="0"/>
-          <a:chOff x="0" y="0"/>
-          <a:chExt cx="0" cy="0"/>
-        </a:xfrm>
-      </p:grpSpPr>
-      <p:sp>
-        <p:nvSpPr>
-          <p:cNvPr id="160" name="Google Shape;160;g1ddb874eeb6_0_123:notes"/>
-          <p:cNvSpPr/>
-          <p:nvPr>
-            <p:ph idx="2" type="sldImg"/>
-          </p:nvPr>
-        </p:nvSpPr>
-        <p:spPr>
-          <a:xfrm>
-            <a:off x="381300" y="685800"/>
-            <a:ext cx="6096000" cy="3429000"/>
-          </a:xfrm>
-          <a:custGeom>
-            <a:rect b="b" l="l" r="r" t="t"/>
-            <a:pathLst>
-              <a:path extrusionOk="0" h="120000" w="120000">
-                <a:moveTo>
-                  <a:pt x="0" y="0"/>
-                </a:moveTo>
-                <a:lnTo>
-                  <a:pt x="120000" y="0"/>
-                </a:lnTo>
-                <a:lnTo>
-                  <a:pt x="120000" y="120000"/>
-                </a:lnTo>
-                <a:lnTo>
-                  <a:pt x="0" y="120000"/>
-                </a:lnTo>
-                <a:close/>
-              </a:path>
-            </a:pathLst>
-          </a:custGeom>
-        </p:spPr>
-      </p:sp>
-      <p:sp>
-        <p:nvSpPr>
-          <p:cNvPr id="161" name="Google Shape;161;g1ddb874eeb6_0_123:notes"/>
-          <p:cNvSpPr txBox="1"/>
-          <p:nvPr>
-            <p:ph idx="1" type="body"/>
-          </p:nvPr>
-        </p:nvSpPr>
-        <p:spPr>
-          <a:xfrm>
-            <a:off x="685800" y="4343400"/>
-            <a:ext cx="5486400" cy="4114800"/>
-          </a:xfrm>
-          <a:prstGeom prst="rect">
-            <a:avLst/>
-          </a:prstGeom>
-        </p:spPr>
-        <p:txBody>
-          <a:bodyPr anchorCtr="0" anchor="t" bIns="91425" lIns="91425" spcFirstLastPara="1" rIns="91425" wrap="square" tIns="91425">
-            <a:noAutofit/>
-          </a:bodyPr>
-          <a:lstStyle/>
-          <a:p>
-            <a:pPr indent="0" lvl="0" marL="0" rtl="0" algn="l">
-              <a:spcBef>
-                <a:spcPts val="0"/>
-              </a:spcBef>
-              <a:spcAft>
-                <a:spcPts val="0"/>
-              </a:spcAft>
-              <a:buNone/>
-            </a:pPr>
-            <a:r>
-              <a:t/>
-            </a:r>
-            <a:endParaRPr/>
-          </a:p>
-        </p:txBody>
-      </p:sp>
-    </p:spTree>
-  </p:cSld>
-  <p:clrMapOvr>
-    <a:masterClrMapping/>
-  </p:clrMapOvr>
-</p:notes>
-</file>
-
-<file path=ppt/notesSlides/notesSlide16.xml><?xml version="1.0" encoding="utf-8"?>
-<p:notes xmlns:a="http://schemas.openxmlformats.org/drawingml/2006/main" xmlns:r="http://schemas.openxmlformats.org/officeDocument/2006/relationships" xmlns:mc="http://schemas.openxmlformats.org/markup-compatibility/2006" xmlns:mv="urn:schemas-microsoft-com:mac:vml" xmlns:p="http://schemas.openxmlformats.org/presentationml/2006/main" xmlns:c="http://schemas.openxmlformats.org/drawingml/2006/chart" xmlns:dgm="http://schemas.openxmlformats.org/drawingml/2006/diagram" xmlns:o="urn:schemas-microsoft-com:office:office" xmlns:v="urn:schemas-microsoft-com:vml" xmlns:pvml="urn:schemas-microsoft-com:office:powerpoint" xmlns:com="http://schemas.openxmlformats.org/drawingml/2006/compatibility" xmlns:p14="http://schemas.microsoft.com/office/powerpoint/2010/main" xmlns:p15="http://schemas.microsoft.com/office/powerpoint/2012/main" xmlns:ahyp="http://schemas.microsoft.com/office/drawing/2018/hyperlinkcolor" showMasterPhAnim="0" showMasterSp="0">
-  <p:cSld>
-    <p:spTree>
-      <p:nvGrpSpPr>
-        <p:cNvPr id="165" name="Shape 165"/>
-        <p:cNvGrpSpPr/>
-        <p:nvPr/>
-      </p:nvGrpSpPr>
-      <p:grpSpPr>
-        <a:xfrm>
-          <a:off x="0" y="0"/>
-          <a:ext cx="0" cy="0"/>
-          <a:chOff x="0" y="0"/>
-          <a:chExt cx="0" cy="0"/>
-        </a:xfrm>
-      </p:grpSpPr>
-      <p:sp>
-        <p:nvSpPr>
-          <p:cNvPr id="166" name="Google Shape;166;g1ddb874eeb6_0_54:notes"/>
-          <p:cNvSpPr/>
-          <p:nvPr>
-            <p:ph idx="2" type="sldImg"/>
-          </p:nvPr>
-        </p:nvSpPr>
-        <p:spPr>
-          <a:xfrm>
-            <a:off x="381300" y="685800"/>
-            <a:ext cx="6096000" cy="3429000"/>
-          </a:xfrm>
-          <a:custGeom>
-            <a:rect b="b" l="l" r="r" t="t"/>
-            <a:pathLst>
-              <a:path extrusionOk="0" h="120000" w="120000">
-                <a:moveTo>
-                  <a:pt x="0" y="0"/>
-                </a:moveTo>
-                <a:lnTo>
-                  <a:pt x="120000" y="0"/>
-                </a:lnTo>
-                <a:lnTo>
-                  <a:pt x="120000" y="120000"/>
-                </a:lnTo>
-                <a:lnTo>
-                  <a:pt x="0" y="120000"/>
-                </a:lnTo>
-                <a:close/>
-              </a:path>
-            </a:pathLst>
-          </a:custGeom>
-        </p:spPr>
-      </p:sp>
-      <p:sp>
-        <p:nvSpPr>
-          <p:cNvPr id="167" name="Google Shape;167;g1ddb874eeb6_0_54:notes"/>
+          <p:cNvPr id="156" name="Google Shape;156;g1ddb874eeb6_0_54:notes"/>
           <p:cNvSpPr txBox="1"/>
           <p:nvPr>
             <p:ph idx="1" type="body"/>
@@ -1533,12 +1332,12 @@
 </p:notes>
 </file>
 
-<file path=ppt/notesSlides/notesSlide17.xml><?xml version="1.0" encoding="utf-8"?>
+<file path=ppt/notesSlides/notesSlide15.xml><?xml version="1.0" encoding="utf-8"?>
 <p:notes xmlns:a="http://schemas.openxmlformats.org/drawingml/2006/main" xmlns:r="http://schemas.openxmlformats.org/officeDocument/2006/relationships" xmlns:mc="http://schemas.openxmlformats.org/markup-compatibility/2006" xmlns:mv="urn:schemas-microsoft-com:mac:vml" xmlns:p="http://schemas.openxmlformats.org/presentationml/2006/main" xmlns:c="http://schemas.openxmlformats.org/drawingml/2006/chart" xmlns:dgm="http://schemas.openxmlformats.org/drawingml/2006/diagram" xmlns:o="urn:schemas-microsoft-com:office:office" xmlns:v="urn:schemas-microsoft-com:vml" xmlns:pvml="urn:schemas-microsoft-com:office:powerpoint" xmlns:com="http://schemas.openxmlformats.org/drawingml/2006/compatibility" xmlns:p14="http://schemas.microsoft.com/office/powerpoint/2010/main" xmlns:p15="http://schemas.microsoft.com/office/powerpoint/2012/main" xmlns:ahyp="http://schemas.microsoft.com/office/drawing/2018/hyperlinkcolor" showMasterPhAnim="0" showMasterSp="0">
   <p:cSld>
     <p:spTree>
       <p:nvGrpSpPr>
-        <p:cNvPr id="173" name="Shape 173"/>
+        <p:cNvPr id="162" name="Shape 162"/>
         <p:cNvGrpSpPr/>
         <p:nvPr/>
       </p:nvGrpSpPr>
@@ -1552,7 +1351,7 @@
       </p:grpSpPr>
       <p:sp>
         <p:nvSpPr>
-          <p:cNvPr id="174" name="Google Shape;174;g217048dcdc0_1_0:notes"/>
+          <p:cNvPr id="163" name="Google Shape;163;g217048dcdc0_1_0:notes"/>
           <p:cNvSpPr/>
           <p:nvPr>
             <p:ph idx="2" type="sldImg"/>
@@ -1587,7 +1386,7 @@
       </p:sp>
       <p:sp>
         <p:nvSpPr>
-          <p:cNvPr id="175" name="Google Shape;175;g217048dcdc0_1_0:notes"/>
+          <p:cNvPr id="164" name="Google Shape;164;g217048dcdc0_1_0:notes"/>
           <p:cNvSpPr txBox="1"/>
           <p:nvPr>
             <p:ph idx="1" type="body"/>
@@ -1632,12 +1431,12 @@
 </p:notes>
 </file>
 
-<file path=ppt/notesSlides/notesSlide18.xml><?xml version="1.0" encoding="utf-8"?>
+<file path=ppt/notesSlides/notesSlide16.xml><?xml version="1.0" encoding="utf-8"?>
 <p:notes xmlns:a="http://schemas.openxmlformats.org/drawingml/2006/main" xmlns:r="http://schemas.openxmlformats.org/officeDocument/2006/relationships" xmlns:mc="http://schemas.openxmlformats.org/markup-compatibility/2006" xmlns:mv="urn:schemas-microsoft-com:mac:vml" xmlns:p="http://schemas.openxmlformats.org/presentationml/2006/main" xmlns:c="http://schemas.openxmlformats.org/drawingml/2006/chart" xmlns:dgm="http://schemas.openxmlformats.org/drawingml/2006/diagram" xmlns:o="urn:schemas-microsoft-com:office:office" xmlns:v="urn:schemas-microsoft-com:vml" xmlns:pvml="urn:schemas-microsoft-com:office:powerpoint" xmlns:com="http://schemas.openxmlformats.org/drawingml/2006/compatibility" xmlns:p14="http://schemas.microsoft.com/office/powerpoint/2010/main" xmlns:p15="http://schemas.microsoft.com/office/powerpoint/2012/main" xmlns:ahyp="http://schemas.microsoft.com/office/drawing/2018/hyperlinkcolor" showMasterPhAnim="0" showMasterSp="0">
   <p:cSld>
     <p:spTree>
       <p:nvGrpSpPr>
-        <p:cNvPr id="183" name="Shape 183"/>
+        <p:cNvPr id="172" name="Shape 172"/>
         <p:cNvGrpSpPr/>
         <p:nvPr/>
       </p:nvGrpSpPr>
@@ -1651,7 +1450,7 @@
       </p:grpSpPr>
       <p:sp>
         <p:nvSpPr>
-          <p:cNvPr id="184" name="Google Shape;184;g217048dcdc0_1_10:notes"/>
+          <p:cNvPr id="173" name="Google Shape;173;g217048dcdc0_1_10:notes"/>
           <p:cNvSpPr/>
           <p:nvPr>
             <p:ph idx="2" type="sldImg"/>
@@ -1686,7 +1485,7 @@
       </p:sp>
       <p:sp>
         <p:nvSpPr>
-          <p:cNvPr id="185" name="Google Shape;185;g217048dcdc0_1_10:notes"/>
+          <p:cNvPr id="174" name="Google Shape;174;g217048dcdc0_1_10:notes"/>
           <p:cNvSpPr txBox="1"/>
           <p:nvPr>
             <p:ph idx="1" type="body"/>
@@ -1731,12 +1530,12 @@
 </p:notes>
 </file>
 
-<file path=ppt/notesSlides/notesSlide19.xml><?xml version="1.0" encoding="utf-8"?>
+<file path=ppt/notesSlides/notesSlide17.xml><?xml version="1.0" encoding="utf-8"?>
 <p:notes xmlns:a="http://schemas.openxmlformats.org/drawingml/2006/main" xmlns:r="http://schemas.openxmlformats.org/officeDocument/2006/relationships" xmlns:mc="http://schemas.openxmlformats.org/markup-compatibility/2006" xmlns:mv="urn:schemas-microsoft-com:mac:vml" xmlns:p="http://schemas.openxmlformats.org/presentationml/2006/main" xmlns:c="http://schemas.openxmlformats.org/drawingml/2006/chart" xmlns:dgm="http://schemas.openxmlformats.org/drawingml/2006/diagram" xmlns:o="urn:schemas-microsoft-com:office:office" xmlns:v="urn:schemas-microsoft-com:vml" xmlns:pvml="urn:schemas-microsoft-com:office:powerpoint" xmlns:com="http://schemas.openxmlformats.org/drawingml/2006/compatibility" xmlns:p14="http://schemas.microsoft.com/office/powerpoint/2010/main" xmlns:p15="http://schemas.microsoft.com/office/powerpoint/2012/main" xmlns:ahyp="http://schemas.microsoft.com/office/drawing/2018/hyperlinkcolor" showMasterPhAnim="0" showMasterSp="0">
   <p:cSld>
     <p:spTree>
       <p:nvGrpSpPr>
-        <p:cNvPr id="191" name="Shape 191"/>
+        <p:cNvPr id="180" name="Shape 180"/>
         <p:cNvGrpSpPr/>
         <p:nvPr/>
       </p:nvGrpSpPr>
@@ -1750,7 +1549,7 @@
       </p:grpSpPr>
       <p:sp>
         <p:nvSpPr>
-          <p:cNvPr id="192" name="Google Shape;192;g1ddb874eeb6_0_72:notes"/>
+          <p:cNvPr id="181" name="Google Shape;181;g1ddb874eeb6_0_72:notes"/>
           <p:cNvSpPr/>
           <p:nvPr>
             <p:ph idx="2" type="sldImg"/>
@@ -1785,7 +1584,205 @@
       </p:sp>
       <p:sp>
         <p:nvSpPr>
-          <p:cNvPr id="193" name="Google Shape;193;g1ddb874eeb6_0_72:notes"/>
+          <p:cNvPr id="182" name="Google Shape;182;g1ddb874eeb6_0_72:notes"/>
+          <p:cNvSpPr txBox="1"/>
+          <p:nvPr>
+            <p:ph idx="1" type="body"/>
+          </p:nvPr>
+        </p:nvSpPr>
+        <p:spPr>
+          <a:xfrm>
+            <a:off x="685800" y="4343400"/>
+            <a:ext cx="5486400" cy="4114800"/>
+          </a:xfrm>
+          <a:prstGeom prst="rect">
+            <a:avLst/>
+          </a:prstGeom>
+        </p:spPr>
+        <p:txBody>
+          <a:bodyPr anchorCtr="0" anchor="t" bIns="91425" lIns="91425" spcFirstLastPara="1" rIns="91425" wrap="square" tIns="91425">
+            <a:noAutofit/>
+          </a:bodyPr>
+          <a:lstStyle/>
+          <a:p>
+            <a:pPr indent="0" lvl="0" marL="0" rtl="0" algn="l">
+              <a:spcBef>
+                <a:spcPts val="0"/>
+              </a:spcBef>
+              <a:spcAft>
+                <a:spcPts val="0"/>
+              </a:spcAft>
+              <a:buNone/>
+            </a:pPr>
+            <a:r>
+              <a:t/>
+            </a:r>
+            <a:endParaRPr/>
+          </a:p>
+        </p:txBody>
+      </p:sp>
+    </p:spTree>
+  </p:cSld>
+  <p:clrMapOvr>
+    <a:masterClrMapping/>
+  </p:clrMapOvr>
+</p:notes>
+</file>
+
+<file path=ppt/notesSlides/notesSlide18.xml><?xml version="1.0" encoding="utf-8"?>
+<p:notes xmlns:a="http://schemas.openxmlformats.org/drawingml/2006/main" xmlns:r="http://schemas.openxmlformats.org/officeDocument/2006/relationships" xmlns:mc="http://schemas.openxmlformats.org/markup-compatibility/2006" xmlns:mv="urn:schemas-microsoft-com:mac:vml" xmlns:p="http://schemas.openxmlformats.org/presentationml/2006/main" xmlns:c="http://schemas.openxmlformats.org/drawingml/2006/chart" xmlns:dgm="http://schemas.openxmlformats.org/drawingml/2006/diagram" xmlns:o="urn:schemas-microsoft-com:office:office" xmlns:v="urn:schemas-microsoft-com:vml" xmlns:pvml="urn:schemas-microsoft-com:office:powerpoint" xmlns:com="http://schemas.openxmlformats.org/drawingml/2006/compatibility" xmlns:p14="http://schemas.microsoft.com/office/powerpoint/2010/main" xmlns:p15="http://schemas.microsoft.com/office/powerpoint/2012/main" xmlns:ahyp="http://schemas.microsoft.com/office/drawing/2018/hyperlinkcolor" showMasterPhAnim="0" showMasterSp="0">
+  <p:cSld>
+    <p:spTree>
+      <p:nvGrpSpPr>
+        <p:cNvPr id="189" name="Shape 189"/>
+        <p:cNvGrpSpPr/>
+        <p:nvPr/>
+      </p:nvGrpSpPr>
+      <p:grpSpPr>
+        <a:xfrm>
+          <a:off x="0" y="0"/>
+          <a:ext cx="0" cy="0"/>
+          <a:chOff x="0" y="0"/>
+          <a:chExt cx="0" cy="0"/>
+        </a:xfrm>
+      </p:grpSpPr>
+      <p:sp>
+        <p:nvSpPr>
+          <p:cNvPr id="190" name="Google Shape;190;g1ddb874eeb6_0_77:notes"/>
+          <p:cNvSpPr/>
+          <p:nvPr>
+            <p:ph idx="2" type="sldImg"/>
+          </p:nvPr>
+        </p:nvSpPr>
+        <p:spPr>
+          <a:xfrm>
+            <a:off x="381300" y="685800"/>
+            <a:ext cx="6096000" cy="3429000"/>
+          </a:xfrm>
+          <a:custGeom>
+            <a:rect b="b" l="l" r="r" t="t"/>
+            <a:pathLst>
+              <a:path extrusionOk="0" h="120000" w="120000">
+                <a:moveTo>
+                  <a:pt x="0" y="0"/>
+                </a:moveTo>
+                <a:lnTo>
+                  <a:pt x="120000" y="0"/>
+                </a:lnTo>
+                <a:lnTo>
+                  <a:pt x="120000" y="120000"/>
+                </a:lnTo>
+                <a:lnTo>
+                  <a:pt x="0" y="120000"/>
+                </a:lnTo>
+                <a:close/>
+              </a:path>
+            </a:pathLst>
+          </a:custGeom>
+        </p:spPr>
+      </p:sp>
+      <p:sp>
+        <p:nvSpPr>
+          <p:cNvPr id="191" name="Google Shape;191;g1ddb874eeb6_0_77:notes"/>
+          <p:cNvSpPr txBox="1"/>
+          <p:nvPr>
+            <p:ph idx="1" type="body"/>
+          </p:nvPr>
+        </p:nvSpPr>
+        <p:spPr>
+          <a:xfrm>
+            <a:off x="685800" y="4343400"/>
+            <a:ext cx="5486400" cy="4114800"/>
+          </a:xfrm>
+          <a:prstGeom prst="rect">
+            <a:avLst/>
+          </a:prstGeom>
+        </p:spPr>
+        <p:txBody>
+          <a:bodyPr anchorCtr="0" anchor="t" bIns="91425" lIns="91425" spcFirstLastPara="1" rIns="91425" wrap="square" tIns="91425">
+            <a:noAutofit/>
+          </a:bodyPr>
+          <a:lstStyle/>
+          <a:p>
+            <a:pPr indent="0" lvl="0" marL="0" rtl="0" algn="l">
+              <a:spcBef>
+                <a:spcPts val="0"/>
+              </a:spcBef>
+              <a:spcAft>
+                <a:spcPts val="0"/>
+              </a:spcAft>
+              <a:buNone/>
+            </a:pPr>
+            <a:r>
+              <a:t/>
+            </a:r>
+            <a:endParaRPr/>
+          </a:p>
+        </p:txBody>
+      </p:sp>
+    </p:spTree>
+  </p:cSld>
+  <p:clrMapOvr>
+    <a:masterClrMapping/>
+  </p:clrMapOvr>
+</p:notes>
+</file>
+
+<file path=ppt/notesSlides/notesSlide19.xml><?xml version="1.0" encoding="utf-8"?>
+<p:notes xmlns:a="http://schemas.openxmlformats.org/drawingml/2006/main" xmlns:r="http://schemas.openxmlformats.org/officeDocument/2006/relationships" xmlns:mc="http://schemas.openxmlformats.org/markup-compatibility/2006" xmlns:mv="urn:schemas-microsoft-com:mac:vml" xmlns:p="http://schemas.openxmlformats.org/presentationml/2006/main" xmlns:c="http://schemas.openxmlformats.org/drawingml/2006/chart" xmlns:dgm="http://schemas.openxmlformats.org/drawingml/2006/diagram" xmlns:o="urn:schemas-microsoft-com:office:office" xmlns:v="urn:schemas-microsoft-com:vml" xmlns:pvml="urn:schemas-microsoft-com:office:powerpoint" xmlns:com="http://schemas.openxmlformats.org/drawingml/2006/compatibility" xmlns:p14="http://schemas.microsoft.com/office/powerpoint/2010/main" xmlns:p15="http://schemas.microsoft.com/office/powerpoint/2012/main" xmlns:ahyp="http://schemas.microsoft.com/office/drawing/2018/hyperlinkcolor" showMasterPhAnim="0" showMasterSp="0">
+  <p:cSld>
+    <p:spTree>
+      <p:nvGrpSpPr>
+        <p:cNvPr id="197" name="Shape 197"/>
+        <p:cNvGrpSpPr/>
+        <p:nvPr/>
+      </p:nvGrpSpPr>
+      <p:grpSpPr>
+        <a:xfrm>
+          <a:off x="0" y="0"/>
+          <a:ext cx="0" cy="0"/>
+          <a:chOff x="0" y="0"/>
+          <a:chExt cx="0" cy="0"/>
+        </a:xfrm>
+      </p:grpSpPr>
+      <p:sp>
+        <p:nvSpPr>
+          <p:cNvPr id="198" name="Google Shape;198;g1de321d6b26_1_5:notes"/>
+          <p:cNvSpPr/>
+          <p:nvPr>
+            <p:ph idx="2" type="sldImg"/>
+          </p:nvPr>
+        </p:nvSpPr>
+        <p:spPr>
+          <a:xfrm>
+            <a:off x="381300" y="685800"/>
+            <a:ext cx="6096000" cy="3429000"/>
+          </a:xfrm>
+          <a:custGeom>
+            <a:rect b="b" l="l" r="r" t="t"/>
+            <a:pathLst>
+              <a:path extrusionOk="0" h="120000" w="120000">
+                <a:moveTo>
+                  <a:pt x="0" y="0"/>
+                </a:moveTo>
+                <a:lnTo>
+                  <a:pt x="120000" y="0"/>
+                </a:lnTo>
+                <a:lnTo>
+                  <a:pt x="120000" y="120000"/>
+                </a:lnTo>
+                <a:lnTo>
+                  <a:pt x="0" y="120000"/>
+                </a:lnTo>
+                <a:close/>
+              </a:path>
+            </a:pathLst>
+          </a:custGeom>
+        </p:spPr>
+      </p:sp>
+      <p:sp>
+        <p:nvSpPr>
+          <p:cNvPr id="199" name="Google Shape;199;g1de321d6b26_1_5:notes"/>
           <p:cNvSpPr txBox="1"/>
           <p:nvPr>
             <p:ph idx="1" type="body"/>
@@ -1934,7 +1931,7 @@
   <p:cSld>
     <p:spTree>
       <p:nvGrpSpPr>
-        <p:cNvPr id="200" name="Shape 200"/>
+        <p:cNvPr id="204" name="Shape 204"/>
         <p:cNvGrpSpPr/>
         <p:nvPr/>
       </p:nvGrpSpPr>
@@ -1948,7 +1945,7 @@
       </p:grpSpPr>
       <p:sp>
         <p:nvSpPr>
-          <p:cNvPr id="201" name="Google Shape;201;g1ddb874eeb6_0_77:notes"/>
+          <p:cNvPr id="205" name="Google Shape;205;g1de321d6b26_1_11:notes"/>
           <p:cNvSpPr/>
           <p:nvPr>
             <p:ph idx="2" type="sldImg"/>
@@ -1983,7 +1980,7 @@
       </p:sp>
       <p:sp>
         <p:nvSpPr>
-          <p:cNvPr id="202" name="Google Shape;202;g1ddb874eeb6_0_77:notes"/>
+          <p:cNvPr id="206" name="Google Shape;206;g1de321d6b26_1_11:notes"/>
           <p:cNvSpPr txBox="1"/>
           <p:nvPr>
             <p:ph idx="1" type="body"/>
@@ -2033,7 +2030,7 @@
   <p:cSld>
     <p:spTree>
       <p:nvGrpSpPr>
-        <p:cNvPr id="208" name="Shape 208"/>
+        <p:cNvPr id="209" name="Shape 209"/>
         <p:cNvGrpSpPr/>
         <p:nvPr/>
       </p:nvGrpSpPr>
@@ -2047,7 +2044,7 @@
       </p:grpSpPr>
       <p:sp>
         <p:nvSpPr>
-          <p:cNvPr id="209" name="Google Shape;209;g1de321d6b26_1_5:notes"/>
+          <p:cNvPr id="210" name="Google Shape;210;g1de321d6b26_1_21:notes"/>
           <p:cNvSpPr/>
           <p:nvPr>
             <p:ph idx="2" type="sldImg"/>
@@ -2082,7 +2079,7 @@
       </p:sp>
       <p:sp>
         <p:nvSpPr>
-          <p:cNvPr id="210" name="Google Shape;210;g1de321d6b26_1_5:notes"/>
+          <p:cNvPr id="211" name="Google Shape;211;g1de321d6b26_1_21:notes"/>
           <p:cNvSpPr txBox="1"/>
           <p:nvPr>
             <p:ph idx="1" type="body"/>
@@ -2132,7 +2129,7 @@
   <p:cSld>
     <p:spTree>
       <p:nvGrpSpPr>
-        <p:cNvPr id="215" name="Shape 215"/>
+        <p:cNvPr id="214" name="Shape 214"/>
         <p:cNvGrpSpPr/>
         <p:nvPr/>
       </p:nvGrpSpPr>
@@ -2146,7 +2143,7 @@
       </p:grpSpPr>
       <p:sp>
         <p:nvSpPr>
-          <p:cNvPr id="216" name="Google Shape;216;g1de321d6b26_1_11:notes"/>
+          <p:cNvPr id="215" name="Google Shape;215;g1de5761bf00_6_5:notes"/>
           <p:cNvSpPr/>
           <p:nvPr>
             <p:ph idx="2" type="sldImg"/>
@@ -2181,304 +2178,7 @@
       </p:sp>
       <p:sp>
         <p:nvSpPr>
-          <p:cNvPr id="217" name="Google Shape;217;g1de321d6b26_1_11:notes"/>
-          <p:cNvSpPr txBox="1"/>
-          <p:nvPr>
-            <p:ph idx="1" type="body"/>
-          </p:nvPr>
-        </p:nvSpPr>
-        <p:spPr>
-          <a:xfrm>
-            <a:off x="685800" y="4343400"/>
-            <a:ext cx="5486400" cy="4114800"/>
-          </a:xfrm>
-          <a:prstGeom prst="rect">
-            <a:avLst/>
-          </a:prstGeom>
-        </p:spPr>
-        <p:txBody>
-          <a:bodyPr anchorCtr="0" anchor="t" bIns="91425" lIns="91425" spcFirstLastPara="1" rIns="91425" wrap="square" tIns="91425">
-            <a:noAutofit/>
-          </a:bodyPr>
-          <a:lstStyle/>
-          <a:p>
-            <a:pPr indent="0" lvl="0" marL="0" rtl="0" algn="l">
-              <a:spcBef>
-                <a:spcPts val="0"/>
-              </a:spcBef>
-              <a:spcAft>
-                <a:spcPts val="0"/>
-              </a:spcAft>
-              <a:buNone/>
-            </a:pPr>
-            <a:r>
-              <a:t/>
-            </a:r>
-            <a:endParaRPr/>
-          </a:p>
-        </p:txBody>
-      </p:sp>
-    </p:spTree>
-  </p:cSld>
-  <p:clrMapOvr>
-    <a:masterClrMapping/>
-  </p:clrMapOvr>
-</p:notes>
-</file>
-
-<file path=ppt/notesSlides/notesSlide23.xml><?xml version="1.0" encoding="utf-8"?>
-<p:notes xmlns:a="http://schemas.openxmlformats.org/drawingml/2006/main" xmlns:r="http://schemas.openxmlformats.org/officeDocument/2006/relationships" xmlns:mc="http://schemas.openxmlformats.org/markup-compatibility/2006" xmlns:mv="urn:schemas-microsoft-com:mac:vml" xmlns:p="http://schemas.openxmlformats.org/presentationml/2006/main" xmlns:c="http://schemas.openxmlformats.org/drawingml/2006/chart" xmlns:dgm="http://schemas.openxmlformats.org/drawingml/2006/diagram" xmlns:o="urn:schemas-microsoft-com:office:office" xmlns:v="urn:schemas-microsoft-com:vml" xmlns:pvml="urn:schemas-microsoft-com:office:powerpoint" xmlns:com="http://schemas.openxmlformats.org/drawingml/2006/compatibility" xmlns:p14="http://schemas.microsoft.com/office/powerpoint/2010/main" xmlns:p15="http://schemas.microsoft.com/office/powerpoint/2012/main" xmlns:ahyp="http://schemas.microsoft.com/office/drawing/2018/hyperlinkcolor" showMasterPhAnim="0" showMasterSp="0">
-  <p:cSld>
-    <p:spTree>
-      <p:nvGrpSpPr>
-        <p:cNvPr id="220" name="Shape 220"/>
-        <p:cNvGrpSpPr/>
-        <p:nvPr/>
-      </p:nvGrpSpPr>
-      <p:grpSpPr>
-        <a:xfrm>
-          <a:off x="0" y="0"/>
-          <a:ext cx="0" cy="0"/>
-          <a:chOff x="0" y="0"/>
-          <a:chExt cx="0" cy="0"/>
-        </a:xfrm>
-      </p:grpSpPr>
-      <p:sp>
-        <p:nvSpPr>
-          <p:cNvPr id="221" name="Google Shape;221;g1de321d6b26_1_21:notes"/>
-          <p:cNvSpPr/>
-          <p:nvPr>
-            <p:ph idx="2" type="sldImg"/>
-          </p:nvPr>
-        </p:nvSpPr>
-        <p:spPr>
-          <a:xfrm>
-            <a:off x="381300" y="685800"/>
-            <a:ext cx="6096000" cy="3429000"/>
-          </a:xfrm>
-          <a:custGeom>
-            <a:rect b="b" l="l" r="r" t="t"/>
-            <a:pathLst>
-              <a:path extrusionOk="0" h="120000" w="120000">
-                <a:moveTo>
-                  <a:pt x="0" y="0"/>
-                </a:moveTo>
-                <a:lnTo>
-                  <a:pt x="120000" y="0"/>
-                </a:lnTo>
-                <a:lnTo>
-                  <a:pt x="120000" y="120000"/>
-                </a:lnTo>
-                <a:lnTo>
-                  <a:pt x="0" y="120000"/>
-                </a:lnTo>
-                <a:close/>
-              </a:path>
-            </a:pathLst>
-          </a:custGeom>
-        </p:spPr>
-      </p:sp>
-      <p:sp>
-        <p:nvSpPr>
-          <p:cNvPr id="222" name="Google Shape;222;g1de321d6b26_1_21:notes"/>
-          <p:cNvSpPr txBox="1"/>
-          <p:nvPr>
-            <p:ph idx="1" type="body"/>
-          </p:nvPr>
-        </p:nvSpPr>
-        <p:spPr>
-          <a:xfrm>
-            <a:off x="685800" y="4343400"/>
-            <a:ext cx="5486400" cy="4114800"/>
-          </a:xfrm>
-          <a:prstGeom prst="rect">
-            <a:avLst/>
-          </a:prstGeom>
-        </p:spPr>
-        <p:txBody>
-          <a:bodyPr anchorCtr="0" anchor="t" bIns="91425" lIns="91425" spcFirstLastPara="1" rIns="91425" wrap="square" tIns="91425">
-            <a:noAutofit/>
-          </a:bodyPr>
-          <a:lstStyle/>
-          <a:p>
-            <a:pPr indent="0" lvl="0" marL="0" rtl="0" algn="l">
-              <a:spcBef>
-                <a:spcPts val="0"/>
-              </a:spcBef>
-              <a:spcAft>
-                <a:spcPts val="0"/>
-              </a:spcAft>
-              <a:buNone/>
-            </a:pPr>
-            <a:r>
-              <a:t/>
-            </a:r>
-            <a:endParaRPr/>
-          </a:p>
-        </p:txBody>
-      </p:sp>
-    </p:spTree>
-  </p:cSld>
-  <p:clrMapOvr>
-    <a:masterClrMapping/>
-  </p:clrMapOvr>
-</p:notes>
-</file>
-
-<file path=ppt/notesSlides/notesSlide24.xml><?xml version="1.0" encoding="utf-8"?>
-<p:notes xmlns:a="http://schemas.openxmlformats.org/drawingml/2006/main" xmlns:r="http://schemas.openxmlformats.org/officeDocument/2006/relationships" xmlns:mc="http://schemas.openxmlformats.org/markup-compatibility/2006" xmlns:mv="urn:schemas-microsoft-com:mac:vml" xmlns:p="http://schemas.openxmlformats.org/presentationml/2006/main" xmlns:c="http://schemas.openxmlformats.org/drawingml/2006/chart" xmlns:dgm="http://schemas.openxmlformats.org/drawingml/2006/diagram" xmlns:o="urn:schemas-microsoft-com:office:office" xmlns:v="urn:schemas-microsoft-com:vml" xmlns:pvml="urn:schemas-microsoft-com:office:powerpoint" xmlns:com="http://schemas.openxmlformats.org/drawingml/2006/compatibility" xmlns:p14="http://schemas.microsoft.com/office/powerpoint/2010/main" xmlns:p15="http://schemas.microsoft.com/office/powerpoint/2012/main" xmlns:ahyp="http://schemas.microsoft.com/office/drawing/2018/hyperlinkcolor" showMasterPhAnim="0" showMasterSp="0">
-  <p:cSld>
-    <p:spTree>
-      <p:nvGrpSpPr>
-        <p:cNvPr id="225" name="Shape 225"/>
-        <p:cNvGrpSpPr/>
-        <p:nvPr/>
-      </p:nvGrpSpPr>
-      <p:grpSpPr>
-        <a:xfrm>
-          <a:off x="0" y="0"/>
-          <a:ext cx="0" cy="0"/>
-          <a:chOff x="0" y="0"/>
-          <a:chExt cx="0" cy="0"/>
-        </a:xfrm>
-      </p:grpSpPr>
-      <p:sp>
-        <p:nvSpPr>
-          <p:cNvPr id="226" name="Google Shape;226;g1de321d6b26_1_26:notes"/>
-          <p:cNvSpPr/>
-          <p:nvPr>
-            <p:ph idx="2" type="sldImg"/>
-          </p:nvPr>
-        </p:nvSpPr>
-        <p:spPr>
-          <a:xfrm>
-            <a:off x="381300" y="685800"/>
-            <a:ext cx="6096000" cy="3429000"/>
-          </a:xfrm>
-          <a:custGeom>
-            <a:rect b="b" l="l" r="r" t="t"/>
-            <a:pathLst>
-              <a:path extrusionOk="0" h="120000" w="120000">
-                <a:moveTo>
-                  <a:pt x="0" y="0"/>
-                </a:moveTo>
-                <a:lnTo>
-                  <a:pt x="120000" y="0"/>
-                </a:lnTo>
-                <a:lnTo>
-                  <a:pt x="120000" y="120000"/>
-                </a:lnTo>
-                <a:lnTo>
-                  <a:pt x="0" y="120000"/>
-                </a:lnTo>
-                <a:close/>
-              </a:path>
-            </a:pathLst>
-          </a:custGeom>
-        </p:spPr>
-      </p:sp>
-      <p:sp>
-        <p:nvSpPr>
-          <p:cNvPr id="227" name="Google Shape;227;g1de321d6b26_1_26:notes"/>
-          <p:cNvSpPr txBox="1"/>
-          <p:nvPr>
-            <p:ph idx="1" type="body"/>
-          </p:nvPr>
-        </p:nvSpPr>
-        <p:spPr>
-          <a:xfrm>
-            <a:off x="685800" y="4343400"/>
-            <a:ext cx="5486400" cy="4114800"/>
-          </a:xfrm>
-          <a:prstGeom prst="rect">
-            <a:avLst/>
-          </a:prstGeom>
-        </p:spPr>
-        <p:txBody>
-          <a:bodyPr anchorCtr="0" anchor="t" bIns="91425" lIns="91425" spcFirstLastPara="1" rIns="91425" wrap="square" tIns="91425">
-            <a:noAutofit/>
-          </a:bodyPr>
-          <a:lstStyle/>
-          <a:p>
-            <a:pPr indent="0" lvl="0" marL="0" rtl="0" algn="l">
-              <a:spcBef>
-                <a:spcPts val="0"/>
-              </a:spcBef>
-              <a:spcAft>
-                <a:spcPts val="0"/>
-              </a:spcAft>
-              <a:buNone/>
-            </a:pPr>
-            <a:r>
-              <a:t/>
-            </a:r>
-            <a:endParaRPr/>
-          </a:p>
-        </p:txBody>
-      </p:sp>
-    </p:spTree>
-  </p:cSld>
-  <p:clrMapOvr>
-    <a:masterClrMapping/>
-  </p:clrMapOvr>
-</p:notes>
-</file>
-
-<file path=ppt/notesSlides/notesSlide25.xml><?xml version="1.0" encoding="utf-8"?>
-<p:notes xmlns:a="http://schemas.openxmlformats.org/drawingml/2006/main" xmlns:r="http://schemas.openxmlformats.org/officeDocument/2006/relationships" xmlns:mc="http://schemas.openxmlformats.org/markup-compatibility/2006" xmlns:mv="urn:schemas-microsoft-com:mac:vml" xmlns:p="http://schemas.openxmlformats.org/presentationml/2006/main" xmlns:c="http://schemas.openxmlformats.org/drawingml/2006/chart" xmlns:dgm="http://schemas.openxmlformats.org/drawingml/2006/diagram" xmlns:o="urn:schemas-microsoft-com:office:office" xmlns:v="urn:schemas-microsoft-com:vml" xmlns:pvml="urn:schemas-microsoft-com:office:powerpoint" xmlns:com="http://schemas.openxmlformats.org/drawingml/2006/compatibility" xmlns:p14="http://schemas.microsoft.com/office/powerpoint/2010/main" xmlns:p15="http://schemas.microsoft.com/office/powerpoint/2012/main" xmlns:ahyp="http://schemas.microsoft.com/office/drawing/2018/hyperlinkcolor" showMasterPhAnim="0" showMasterSp="0">
-  <p:cSld>
-    <p:spTree>
-      <p:nvGrpSpPr>
-        <p:cNvPr id="230" name="Shape 230"/>
-        <p:cNvGrpSpPr/>
-        <p:nvPr/>
-      </p:nvGrpSpPr>
-      <p:grpSpPr>
-        <a:xfrm>
-          <a:off x="0" y="0"/>
-          <a:ext cx="0" cy="0"/>
-          <a:chOff x="0" y="0"/>
-          <a:chExt cx="0" cy="0"/>
-        </a:xfrm>
-      </p:grpSpPr>
-      <p:sp>
-        <p:nvSpPr>
-          <p:cNvPr id="231" name="Google Shape;231;g1de5761bf00_6_5:notes"/>
-          <p:cNvSpPr/>
-          <p:nvPr>
-            <p:ph idx="2" type="sldImg"/>
-          </p:nvPr>
-        </p:nvSpPr>
-        <p:spPr>
-          <a:xfrm>
-            <a:off x="381300" y="685800"/>
-            <a:ext cx="6096000" cy="3429000"/>
-          </a:xfrm>
-          <a:custGeom>
-            <a:rect b="b" l="l" r="r" t="t"/>
-            <a:pathLst>
-              <a:path extrusionOk="0" h="120000" w="120000">
-                <a:moveTo>
-                  <a:pt x="0" y="0"/>
-                </a:moveTo>
-                <a:lnTo>
-                  <a:pt x="120000" y="0"/>
-                </a:lnTo>
-                <a:lnTo>
-                  <a:pt x="120000" y="120000"/>
-                </a:lnTo>
-                <a:lnTo>
-                  <a:pt x="0" y="120000"/>
-                </a:lnTo>
-                <a:close/>
-              </a:path>
-            </a:pathLst>
-          </a:custGeom>
-        </p:spPr>
-      </p:sp>
-      <p:sp>
-        <p:nvSpPr>
-          <p:cNvPr id="232" name="Google Shape;232;g1de5761bf00_6_5:notes"/>
+          <p:cNvPr id="216" name="Google Shape;216;g1de5761bf00_6_5:notes"/>
           <p:cNvSpPr txBox="1"/>
           <p:nvPr>
             <p:ph idx="1" type="body"/>
@@ -2542,7 +2242,7 @@
       </p:grpSpPr>
       <p:sp>
         <p:nvSpPr>
-          <p:cNvPr id="64" name="Google Shape;64;g1ddb874eeb6_0_34:notes"/>
+          <p:cNvPr id="64" name="Google Shape;64;g1ddb874eeb6_0_88:notes"/>
           <p:cNvSpPr/>
           <p:nvPr>
             <p:ph idx="2" type="sldImg"/>
@@ -2577,7 +2277,7 @@
       </p:sp>
       <p:sp>
         <p:nvSpPr>
-          <p:cNvPr id="65" name="Google Shape;65;g1ddb874eeb6_0_34:notes"/>
+          <p:cNvPr id="65" name="Google Shape;65;g1ddb874eeb6_0_88:notes"/>
           <p:cNvSpPr txBox="1"/>
           <p:nvPr>
             <p:ph idx="1" type="body"/>
@@ -2641,7 +2341,7 @@
       </p:grpSpPr>
       <p:sp>
         <p:nvSpPr>
-          <p:cNvPr id="72" name="Google Shape;72;g1ddb874eeb6_0_88:notes"/>
+          <p:cNvPr id="72" name="Google Shape;72;g1de321d6b26_1_42:notes"/>
           <p:cNvSpPr/>
           <p:nvPr>
             <p:ph idx="2" type="sldImg"/>
@@ -2676,7 +2376,7 @@
       </p:sp>
       <p:sp>
         <p:nvSpPr>
-          <p:cNvPr id="73" name="Google Shape;73;g1ddb874eeb6_0_88:notes"/>
+          <p:cNvPr id="73" name="Google Shape;73;g1de321d6b26_1_42:notes"/>
           <p:cNvSpPr txBox="1"/>
           <p:nvPr>
             <p:ph idx="1" type="body"/>
@@ -2726,7 +2426,7 @@
   <p:cSld>
     <p:spTree>
       <p:nvGrpSpPr>
-        <p:cNvPr id="79" name="Shape 79"/>
+        <p:cNvPr id="80" name="Shape 80"/>
         <p:cNvGrpSpPr/>
         <p:nvPr/>
       </p:nvGrpSpPr>
@@ -2740,7 +2440,7 @@
       </p:grpSpPr>
       <p:sp>
         <p:nvSpPr>
-          <p:cNvPr id="80" name="Google Shape;80;g1de321d6b26_1_42:notes"/>
+          <p:cNvPr id="81" name="Google Shape;81;g1de321d6b26_1_63:notes"/>
           <p:cNvSpPr/>
           <p:nvPr>
             <p:ph idx="2" type="sldImg"/>
@@ -2775,7 +2475,7 @@
       </p:sp>
       <p:sp>
         <p:nvSpPr>
-          <p:cNvPr id="81" name="Google Shape;81;g1de321d6b26_1_42:notes"/>
+          <p:cNvPr id="82" name="Google Shape;82;g1de321d6b26_1_63:notes"/>
           <p:cNvSpPr txBox="1"/>
           <p:nvPr>
             <p:ph idx="1" type="body"/>
@@ -2825,7 +2525,7 @@
   <p:cSld>
     <p:spTree>
       <p:nvGrpSpPr>
-        <p:cNvPr id="87" name="Shape 87"/>
+        <p:cNvPr id="89" name="Shape 89"/>
         <p:cNvGrpSpPr/>
         <p:nvPr/>
       </p:nvGrpSpPr>
@@ -2839,7 +2539,7 @@
       </p:grpSpPr>
       <p:sp>
         <p:nvSpPr>
-          <p:cNvPr id="88" name="Google Shape;88;g1de321d6b26_1_63:notes"/>
+          <p:cNvPr id="90" name="Google Shape;90;g1de321d6b26_1_69:notes"/>
           <p:cNvSpPr/>
           <p:nvPr>
             <p:ph idx="2" type="sldImg"/>
@@ -2874,7 +2574,7 @@
       </p:sp>
       <p:sp>
         <p:nvSpPr>
-          <p:cNvPr id="89" name="Google Shape;89;g1de321d6b26_1_63:notes"/>
+          <p:cNvPr id="91" name="Google Shape;91;g1de321d6b26_1_69:notes"/>
           <p:cNvSpPr txBox="1"/>
           <p:nvPr>
             <p:ph idx="1" type="body"/>
@@ -2924,7 +2624,7 @@
   <p:cSld>
     <p:spTree>
       <p:nvGrpSpPr>
-        <p:cNvPr id="95" name="Shape 95"/>
+        <p:cNvPr id="98" name="Shape 98"/>
         <p:cNvGrpSpPr/>
         <p:nvPr/>
       </p:nvGrpSpPr>
@@ -2938,7 +2638,7 @@
       </p:grpSpPr>
       <p:sp>
         <p:nvSpPr>
-          <p:cNvPr id="96" name="Google Shape;96;g1de321d6b26_1_69:notes"/>
+          <p:cNvPr id="99" name="Google Shape;99;g1de321d6b26_1_81:notes"/>
           <p:cNvSpPr/>
           <p:nvPr>
             <p:ph idx="2" type="sldImg"/>
@@ -2973,7 +2673,7 @@
       </p:sp>
       <p:sp>
         <p:nvSpPr>
-          <p:cNvPr id="97" name="Google Shape;97;g1de321d6b26_1_69:notes"/>
+          <p:cNvPr id="100" name="Google Shape;100;g1de321d6b26_1_81:notes"/>
           <p:cNvSpPr txBox="1"/>
           <p:nvPr>
             <p:ph idx="1" type="body"/>
@@ -3023,7 +2723,7 @@
   <p:cSld>
     <p:spTree>
       <p:nvGrpSpPr>
-        <p:cNvPr id="103" name="Shape 103"/>
+        <p:cNvPr id="107" name="Shape 107"/>
         <p:cNvGrpSpPr/>
         <p:nvPr/>
       </p:nvGrpSpPr>
@@ -3037,7 +2737,7 @@
       </p:grpSpPr>
       <p:sp>
         <p:nvSpPr>
-          <p:cNvPr id="104" name="Google Shape;104;g1de321d6b26_1_75:notes"/>
+          <p:cNvPr id="108" name="Google Shape;108;g1de321d6b26_1_87:notes"/>
           <p:cNvSpPr/>
           <p:nvPr>
             <p:ph idx="2" type="sldImg"/>
@@ -3072,7 +2772,7 @@
       </p:sp>
       <p:sp>
         <p:nvSpPr>
-          <p:cNvPr id="105" name="Google Shape;105;g1de321d6b26_1_75:notes"/>
+          <p:cNvPr id="109" name="Google Shape;109;g1de321d6b26_1_87:notes"/>
           <p:cNvSpPr txBox="1"/>
           <p:nvPr>
             <p:ph idx="1" type="body"/>
@@ -3122,7 +2822,7 @@
   <p:cSld>
     <p:spTree>
       <p:nvGrpSpPr>
-        <p:cNvPr id="111" name="Shape 111"/>
+        <p:cNvPr id="116" name="Shape 116"/>
         <p:cNvGrpSpPr/>
         <p:nvPr/>
       </p:nvGrpSpPr>
@@ -3136,7 +2836,7 @@
       </p:grpSpPr>
       <p:sp>
         <p:nvSpPr>
-          <p:cNvPr id="112" name="Google Shape;112;g1de321d6b26_1_81:notes"/>
+          <p:cNvPr id="117" name="Google Shape;117;g1ddb874eeb6_0_11:notes"/>
           <p:cNvSpPr/>
           <p:nvPr>
             <p:ph idx="2" type="sldImg"/>
@@ -3171,7 +2871,7 @@
       </p:sp>
       <p:sp>
         <p:nvSpPr>
-          <p:cNvPr id="113" name="Google Shape;113;g1de321d6b26_1_81:notes"/>
+          <p:cNvPr id="118" name="Google Shape;118;g1ddb874eeb6_0_11:notes"/>
           <p:cNvSpPr txBox="1"/>
           <p:nvPr>
             <p:ph idx="1" type="body"/>
@@ -7934,19 +7634,14 @@
   <p:cSld>
     <p:bg>
       <p:bgPr>
-        <a:blipFill>
-          <a:blip r:embed="rId3">
-            <a:alphaModFix/>
-          </a:blip>
-          <a:stretch>
-            <a:fillRect/>
-          </a:stretch>
-        </a:blipFill>
+        <a:solidFill>
+          <a:srgbClr val="9841A6"/>
+        </a:solidFill>
       </p:bgPr>
     </p:bg>
     <p:spTree>
       <p:nvGrpSpPr>
-        <p:cNvPr id="122" name="Shape 122"/>
+        <p:cNvPr id="125" name="Shape 125"/>
         <p:cNvGrpSpPr/>
         <p:nvPr/>
       </p:nvGrpSpPr>
@@ -7960,412 +7655,7 @@
       </p:grpSpPr>
       <p:sp>
         <p:nvSpPr>
-          <p:cNvPr id="123" name="Google Shape;123;p22"/>
-          <p:cNvSpPr txBox="1"/>
-          <p:nvPr>
-            <p:ph type="ctrTitle"/>
-          </p:nvPr>
-        </p:nvSpPr>
-        <p:spPr>
-          <a:xfrm>
-            <a:off x="450950" y="584975"/>
-            <a:ext cx="5309700" cy="1041900"/>
-          </a:xfrm>
-          <a:prstGeom prst="rect">
-            <a:avLst/>
-          </a:prstGeom>
-        </p:spPr>
-        <p:txBody>
-          <a:bodyPr anchorCtr="0" anchor="ctr" bIns="91425" lIns="91425" spcFirstLastPara="1" rIns="91425" wrap="square" tIns="91425">
-            <a:noAutofit/>
-          </a:bodyPr>
-          <a:lstStyle/>
-          <a:p>
-            <a:pPr indent="0" lvl="0" marL="0" rtl="0" algn="ctr">
-              <a:spcBef>
-                <a:spcPts val="0"/>
-              </a:spcBef>
-              <a:spcAft>
-                <a:spcPts val="0"/>
-              </a:spcAft>
-              <a:buSzPts val="990"/>
-              <a:buNone/>
-            </a:pPr>
-            <a:r>
-              <a:rPr lang="en" sz="5480">
-                <a:solidFill>
-                  <a:srgbClr val="9840A6"/>
-                </a:solidFill>
-                <a:latin typeface="Impact"/>
-                <a:ea typeface="Impact"/>
-                <a:cs typeface="Impact"/>
-                <a:sym typeface="Impact"/>
-              </a:rPr>
-              <a:t>Wine by Variety</a:t>
-            </a:r>
-            <a:endParaRPr sz="5480">
-              <a:solidFill>
-                <a:srgbClr val="9840A6"/>
-              </a:solidFill>
-              <a:latin typeface="Impact"/>
-              <a:ea typeface="Impact"/>
-              <a:cs typeface="Impact"/>
-              <a:sym typeface="Impact"/>
-            </a:endParaRPr>
-          </a:p>
-        </p:txBody>
-      </p:sp>
-      <p:sp>
-        <p:nvSpPr>
-          <p:cNvPr id="124" name="Google Shape;124;p22"/>
-          <p:cNvSpPr txBox="1"/>
-          <p:nvPr/>
-        </p:nvSpPr>
-        <p:spPr>
-          <a:xfrm>
-            <a:off x="4549525" y="2540150"/>
-            <a:ext cx="1301700" cy="400200"/>
-          </a:xfrm>
-          <a:prstGeom prst="rect">
-            <a:avLst/>
-          </a:prstGeom>
-          <a:noFill/>
-          <a:ln>
-            <a:noFill/>
-          </a:ln>
-        </p:spPr>
-        <p:txBody>
-          <a:bodyPr anchorCtr="0" anchor="t" bIns="91425" lIns="91425" spcFirstLastPara="1" rIns="91425" wrap="square" tIns="91425">
-            <a:spAutoFit/>
-          </a:bodyPr>
-          <a:lstStyle/>
-          <a:p>
-            <a:pPr indent="0" lvl="0" marL="0" rtl="0" algn="l">
-              <a:spcBef>
-                <a:spcPts val="0"/>
-              </a:spcBef>
-              <a:spcAft>
-                <a:spcPts val="0"/>
-              </a:spcAft>
-              <a:buNone/>
-            </a:pPr>
-            <a:r>
-              <a:t/>
-            </a:r>
-            <a:endParaRPr/>
-          </a:p>
-        </p:txBody>
-      </p:sp>
-      <p:sp>
-        <p:nvSpPr>
-          <p:cNvPr id="125" name="Google Shape;125;p22"/>
-          <p:cNvSpPr txBox="1"/>
-          <p:nvPr/>
-        </p:nvSpPr>
-        <p:spPr>
-          <a:xfrm>
-            <a:off x="3343275" y="2107400"/>
-            <a:ext cx="4114800" cy="400200"/>
-          </a:xfrm>
-          <a:prstGeom prst="rect">
-            <a:avLst/>
-          </a:prstGeom>
-          <a:noFill/>
-          <a:ln>
-            <a:noFill/>
-          </a:ln>
-        </p:spPr>
-        <p:txBody>
-          <a:bodyPr anchorCtr="0" anchor="t" bIns="91425" lIns="91425" spcFirstLastPara="1" rIns="91425" wrap="square" tIns="91425">
-            <a:spAutoFit/>
-          </a:bodyPr>
-          <a:lstStyle/>
-          <a:p>
-            <a:pPr indent="0" lvl="0" marL="0" rtl="0" algn="l">
-              <a:spcBef>
-                <a:spcPts val="0"/>
-              </a:spcBef>
-              <a:spcAft>
-                <a:spcPts val="0"/>
-              </a:spcAft>
-              <a:buNone/>
-            </a:pPr>
-            <a:r>
-              <a:t/>
-            </a:r>
-            <a:endParaRPr/>
-          </a:p>
-        </p:txBody>
-      </p:sp>
-      <p:pic>
-        <p:nvPicPr>
           <p:cNvPr id="126" name="Google Shape;126;p22"/>
-          <p:cNvPicPr preferRelativeResize="0"/>
-          <p:nvPr/>
-        </p:nvPicPr>
-        <p:blipFill>
-          <a:blip r:embed="rId4">
-            <a:alphaModFix/>
-          </a:blip>
-          <a:stretch>
-            <a:fillRect/>
-          </a:stretch>
-        </p:blipFill>
-        <p:spPr>
-          <a:xfrm>
-            <a:off x="1982275" y="1791075"/>
-            <a:ext cx="5179449" cy="1898350"/>
-          </a:xfrm>
-          <a:prstGeom prst="rect">
-            <a:avLst/>
-          </a:prstGeom>
-          <a:noFill/>
-          <a:ln>
-            <a:noFill/>
-          </a:ln>
-        </p:spPr>
-      </p:pic>
-    </p:spTree>
-  </p:cSld>
-  <p:clrMapOvr>
-    <a:masterClrMapping/>
-  </p:clrMapOvr>
-</p:sld>
-</file>
-
-<file path=ppt/slides/slide11.xml><?xml version="1.0" encoding="utf-8"?>
-<p:sld xmlns:a="http://schemas.openxmlformats.org/drawingml/2006/main" xmlns:r="http://schemas.openxmlformats.org/officeDocument/2006/relationships" xmlns:mc="http://schemas.openxmlformats.org/markup-compatibility/2006" xmlns:mv="urn:schemas-microsoft-com:mac:vml" xmlns:p="http://schemas.openxmlformats.org/presentationml/2006/main" xmlns:c="http://schemas.openxmlformats.org/drawingml/2006/chart" xmlns:dgm="http://schemas.openxmlformats.org/drawingml/2006/diagram" xmlns:o="urn:schemas-microsoft-com:office:office" xmlns:v="urn:schemas-microsoft-com:vml" xmlns:pvml="urn:schemas-microsoft-com:office:powerpoint" xmlns:com="http://schemas.openxmlformats.org/drawingml/2006/compatibility" xmlns:p14="http://schemas.microsoft.com/office/powerpoint/2010/main" xmlns:p15="http://schemas.microsoft.com/office/powerpoint/2012/main" xmlns:ahyp="http://schemas.microsoft.com/office/drawing/2018/hyperlinkcolor">
-  <p:cSld>
-    <p:bg>
-      <p:bgPr>
-        <a:solidFill>
-          <a:srgbClr val="9841A6"/>
-        </a:solidFill>
-      </p:bgPr>
-    </p:bg>
-    <p:spTree>
-      <p:nvGrpSpPr>
-        <p:cNvPr id="130" name="Shape 130"/>
-        <p:cNvGrpSpPr/>
-        <p:nvPr/>
-      </p:nvGrpSpPr>
-      <p:grpSpPr>
-        <a:xfrm>
-          <a:off x="0" y="0"/>
-          <a:ext cx="0" cy="0"/>
-          <a:chOff x="0" y="0"/>
-          <a:chExt cx="0" cy="0"/>
-        </a:xfrm>
-      </p:grpSpPr>
-      <p:sp>
-        <p:nvSpPr>
-          <p:cNvPr id="131" name="Google Shape;131;p23"/>
-          <p:cNvSpPr txBox="1"/>
-          <p:nvPr>
-            <p:ph idx="4294967295" type="ctrTitle"/>
-          </p:nvPr>
-        </p:nvSpPr>
-        <p:spPr>
-          <a:xfrm>
-            <a:off x="853600" y="1330200"/>
-            <a:ext cx="3857700" cy="875700"/>
-          </a:xfrm>
-          <a:prstGeom prst="rect">
-            <a:avLst/>
-          </a:prstGeom>
-        </p:spPr>
-        <p:txBody>
-          <a:bodyPr anchorCtr="0" anchor="t" bIns="91425" lIns="91425" spcFirstLastPara="1" rIns="91425" wrap="square" tIns="91425">
-            <a:noAutofit/>
-          </a:bodyPr>
-          <a:lstStyle/>
-          <a:p>
-            <a:pPr indent="0" lvl="0" marL="0" rtl="0" algn="l">
-              <a:spcBef>
-                <a:spcPts val="0"/>
-              </a:spcBef>
-              <a:spcAft>
-                <a:spcPts val="0"/>
-              </a:spcAft>
-              <a:buSzPts val="990"/>
-              <a:buNone/>
-            </a:pPr>
-            <a:r>
-              <a:rPr lang="en" sz="5680">
-                <a:solidFill>
-                  <a:schemeClr val="lt1"/>
-                </a:solidFill>
-                <a:latin typeface="Impact"/>
-                <a:ea typeface="Impact"/>
-                <a:cs typeface="Impact"/>
-                <a:sym typeface="Impact"/>
-              </a:rPr>
-              <a:t>Questions</a:t>
-            </a:r>
-            <a:endParaRPr sz="5680">
-              <a:solidFill>
-                <a:schemeClr val="lt1"/>
-              </a:solidFill>
-              <a:latin typeface="Impact"/>
-              <a:ea typeface="Impact"/>
-              <a:cs typeface="Impact"/>
-              <a:sym typeface="Impact"/>
-            </a:endParaRPr>
-          </a:p>
-        </p:txBody>
-      </p:sp>
-      <p:sp>
-        <p:nvSpPr>
-          <p:cNvPr id="132" name="Google Shape;132;p23"/>
-          <p:cNvSpPr txBox="1"/>
-          <p:nvPr>
-            <p:ph idx="4294967295" type="subTitle"/>
-          </p:nvPr>
-        </p:nvSpPr>
-        <p:spPr>
-          <a:xfrm>
-            <a:off x="1298450" y="2438775"/>
-            <a:ext cx="7126200" cy="1241400"/>
-          </a:xfrm>
-          <a:prstGeom prst="rect">
-            <a:avLst/>
-          </a:prstGeom>
-        </p:spPr>
-        <p:txBody>
-          <a:bodyPr anchorCtr="0" anchor="ctr" bIns="91425" lIns="91425" spcFirstLastPara="1" rIns="91425" wrap="square" tIns="91425">
-            <a:normAutofit/>
-          </a:bodyPr>
-          <a:lstStyle/>
-          <a:p>
-            <a:pPr indent="-304800" lvl="0" marL="457200" rtl="0" algn="l">
-              <a:lnSpc>
-                <a:spcPct val="115000"/>
-              </a:lnSpc>
-              <a:spcBef>
-                <a:spcPts val="0"/>
-              </a:spcBef>
-              <a:spcAft>
-                <a:spcPts val="0"/>
-              </a:spcAft>
-              <a:buClr>
-                <a:schemeClr val="lt1"/>
-              </a:buClr>
-              <a:buSzPts val="1200"/>
-              <a:buAutoNum type="arabicPeriod"/>
-            </a:pPr>
-            <a:r>
-              <a:rPr b="1" lang="en" sz="1200">
-                <a:solidFill>
-                  <a:schemeClr val="lt1"/>
-                </a:solidFill>
-              </a:rPr>
-              <a:t>Which variant of wine should we choose to produce more of based on the reviews of our consumers?</a:t>
-            </a:r>
-            <a:endParaRPr b="1" sz="1200">
-              <a:solidFill>
-                <a:schemeClr val="lt1"/>
-              </a:solidFill>
-            </a:endParaRPr>
-          </a:p>
-          <a:p>
-            <a:pPr indent="-304800" lvl="0" marL="457200" rtl="0" algn="l">
-              <a:lnSpc>
-                <a:spcPct val="115000"/>
-              </a:lnSpc>
-              <a:spcBef>
-                <a:spcPts val="0"/>
-              </a:spcBef>
-              <a:spcAft>
-                <a:spcPts val="0"/>
-              </a:spcAft>
-              <a:buClr>
-                <a:schemeClr val="lt1"/>
-              </a:buClr>
-              <a:buSzPts val="1200"/>
-              <a:buAutoNum type="arabicPeriod"/>
-            </a:pPr>
-            <a:r>
-              <a:rPr b="1" lang="en" sz="1200">
-                <a:solidFill>
-                  <a:schemeClr val="lt1"/>
-                </a:solidFill>
-              </a:rPr>
-              <a:t>Which winery should we choose to work with based on the variety we select and the reviews provided?</a:t>
-            </a:r>
-            <a:endParaRPr b="1" sz="1200">
-              <a:solidFill>
-                <a:schemeClr val="lt1"/>
-              </a:solidFill>
-            </a:endParaRPr>
-          </a:p>
-          <a:p>
-            <a:pPr indent="-304800" lvl="0" marL="457200" rtl="0" algn="l">
-              <a:lnSpc>
-                <a:spcPct val="115000"/>
-              </a:lnSpc>
-              <a:spcBef>
-                <a:spcPts val="0"/>
-              </a:spcBef>
-              <a:spcAft>
-                <a:spcPts val="0"/>
-              </a:spcAft>
-              <a:buClr>
-                <a:schemeClr val="lt1"/>
-              </a:buClr>
-              <a:buSzPts val="1200"/>
-              <a:buAutoNum type="arabicPeriod"/>
-            </a:pPr>
-            <a:r>
-              <a:rPr b="1" lang="en" sz="1200">
-                <a:solidFill>
-                  <a:schemeClr val="lt1"/>
-                </a:solidFill>
-              </a:rPr>
-              <a:t>What is the average price of wine receiving above average reviews?</a:t>
-            </a:r>
-            <a:endParaRPr sz="1200">
-              <a:solidFill>
-                <a:schemeClr val="lt1"/>
-              </a:solidFill>
-            </a:endParaRPr>
-          </a:p>
-        </p:txBody>
-      </p:sp>
-    </p:spTree>
-  </p:cSld>
-  <p:clrMapOvr>
-    <a:masterClrMapping/>
-  </p:clrMapOvr>
-</p:sld>
-</file>
-
-<file path=ppt/slides/slide12.xml><?xml version="1.0" encoding="utf-8"?>
-<p:sld xmlns:a="http://schemas.openxmlformats.org/drawingml/2006/main" xmlns:r="http://schemas.openxmlformats.org/officeDocument/2006/relationships" xmlns:mc="http://schemas.openxmlformats.org/markup-compatibility/2006" xmlns:mv="urn:schemas-microsoft-com:mac:vml" xmlns:p="http://schemas.openxmlformats.org/presentationml/2006/main" xmlns:c="http://schemas.openxmlformats.org/drawingml/2006/chart" xmlns:dgm="http://schemas.openxmlformats.org/drawingml/2006/diagram" xmlns:o="urn:schemas-microsoft-com:office:office" xmlns:v="urn:schemas-microsoft-com:vml" xmlns:pvml="urn:schemas-microsoft-com:office:powerpoint" xmlns:com="http://schemas.openxmlformats.org/drawingml/2006/compatibility" xmlns:p14="http://schemas.microsoft.com/office/powerpoint/2010/main" xmlns:p15="http://schemas.microsoft.com/office/powerpoint/2012/main" xmlns:ahyp="http://schemas.microsoft.com/office/drawing/2018/hyperlinkcolor">
-  <p:cSld>
-    <p:bg>
-      <p:bgPr>
-        <a:solidFill>
-          <a:srgbClr val="9841A6"/>
-        </a:solidFill>
-      </p:bgPr>
-    </p:bg>
-    <p:spTree>
-      <p:nvGrpSpPr>
-        <p:cNvPr id="136" name="Shape 136"/>
-        <p:cNvGrpSpPr/>
-        <p:nvPr/>
-      </p:nvGrpSpPr>
-      <p:grpSpPr>
-        <a:xfrm>
-          <a:off x="0" y="0"/>
-          <a:ext cx="0" cy="0"/>
-          <a:chOff x="0" y="0"/>
-          <a:chExt cx="0" cy="0"/>
-        </a:xfrm>
-      </p:grpSpPr>
-      <p:sp>
-        <p:nvSpPr>
-          <p:cNvPr id="137" name="Google Shape;137;p24"/>
           <p:cNvSpPr txBox="1"/>
           <p:nvPr>
             <p:ph idx="4294967295" type="ctrTitle"/>
@@ -8421,7 +7711,7 @@
       </p:sp>
       <p:sp>
         <p:nvSpPr>
-          <p:cNvPr id="138" name="Google Shape;138;p24"/>
+          <p:cNvPr id="127" name="Google Shape;127;p22"/>
           <p:cNvSpPr txBox="1"/>
           <p:nvPr>
             <p:ph idx="4294967295" type="ctrTitle"/>
@@ -8470,7 +7760,7 @@
       </p:sp>
       <p:pic>
         <p:nvPicPr>
-          <p:cNvPr id="139" name="Google Shape;139;p24"/>
+          <p:cNvPr id="128" name="Google Shape;128;p22"/>
           <p:cNvPicPr preferRelativeResize="0"/>
           <p:nvPr/>
         </p:nvPicPr>
@@ -8498,7 +7788,7 @@
       </p:pic>
       <p:sp>
         <p:nvSpPr>
-          <p:cNvPr id="140" name="Google Shape;140;p24"/>
+          <p:cNvPr id="129" name="Google Shape;129;p22"/>
           <p:cNvSpPr txBox="1"/>
           <p:nvPr/>
         </p:nvSpPr>
@@ -8539,7 +7829,7 @@
       </p:sp>
       <p:pic>
         <p:nvPicPr>
-          <p:cNvPr id="141" name="Google Shape;141;p24"/>
+          <p:cNvPr id="130" name="Google Shape;130;p22"/>
           <p:cNvPicPr preferRelativeResize="0"/>
           <p:nvPr/>
         </p:nvPicPr>
@@ -8566,7 +7856,7 @@
       </p:pic>
       <p:sp>
         <p:nvSpPr>
-          <p:cNvPr id="142" name="Google Shape;142;p24"/>
+          <p:cNvPr id="131" name="Google Shape;131;p22"/>
           <p:cNvSpPr txBox="1"/>
           <p:nvPr/>
         </p:nvSpPr>
@@ -8613,7 +7903,7 @@
 </p:sld>
 </file>
 
-<file path=ppt/slides/slide13.xml><?xml version="1.0" encoding="utf-8"?>
+<file path=ppt/slides/slide11.xml><?xml version="1.0" encoding="utf-8"?>
 <p:sld xmlns:a="http://schemas.openxmlformats.org/drawingml/2006/main" xmlns:r="http://schemas.openxmlformats.org/officeDocument/2006/relationships" xmlns:mc="http://schemas.openxmlformats.org/markup-compatibility/2006" xmlns:mv="urn:schemas-microsoft-com:mac:vml" xmlns:p="http://schemas.openxmlformats.org/presentationml/2006/main" xmlns:c="http://schemas.openxmlformats.org/drawingml/2006/chart" xmlns:dgm="http://schemas.openxmlformats.org/drawingml/2006/diagram" xmlns:o="urn:schemas-microsoft-com:office:office" xmlns:v="urn:schemas-microsoft-com:vml" xmlns:pvml="urn:schemas-microsoft-com:office:powerpoint" xmlns:com="http://schemas.openxmlformats.org/drawingml/2006/compatibility" xmlns:p14="http://schemas.microsoft.com/office/powerpoint/2010/main" xmlns:p15="http://schemas.microsoft.com/office/powerpoint/2012/main" xmlns:ahyp="http://schemas.microsoft.com/office/drawing/2018/hyperlinkcolor">
   <p:cSld>
     <p:bg>
@@ -8625,7 +7915,7 @@
     </p:bg>
     <p:spTree>
       <p:nvGrpSpPr>
-        <p:cNvPr id="146" name="Shape 146"/>
+        <p:cNvPr id="135" name="Shape 135"/>
         <p:cNvGrpSpPr/>
         <p:nvPr/>
       </p:nvGrpSpPr>
@@ -8639,7 +7929,7 @@
       </p:grpSpPr>
       <p:sp>
         <p:nvSpPr>
-          <p:cNvPr id="147" name="Google Shape;147;p25"/>
+          <p:cNvPr id="136" name="Google Shape;136;p23"/>
           <p:cNvSpPr txBox="1"/>
           <p:nvPr>
             <p:ph idx="4294967295" type="ctrTitle"/>
@@ -8695,7 +7985,7 @@
       </p:sp>
       <p:pic>
         <p:nvPicPr>
-          <p:cNvPr id="148" name="Google Shape;148;p25"/>
+          <p:cNvPr id="137" name="Google Shape;137;p23"/>
           <p:cNvPicPr preferRelativeResize="0"/>
           <p:nvPr/>
         </p:nvPicPr>
@@ -8723,7 +8013,7 @@
       </p:pic>
       <p:pic>
         <p:nvPicPr>
-          <p:cNvPr id="149" name="Google Shape;149;p25"/>
+          <p:cNvPr id="138" name="Google Shape;138;p23"/>
           <p:cNvPicPr preferRelativeResize="0"/>
           <p:nvPr/>
         </p:nvPicPr>
@@ -8750,7 +8040,7 @@
       </p:pic>
       <p:sp>
         <p:nvSpPr>
-          <p:cNvPr id="150" name="Google Shape;150;p25"/>
+          <p:cNvPr id="139" name="Google Shape;139;p23"/>
           <p:cNvSpPr txBox="1"/>
           <p:nvPr/>
         </p:nvSpPr>
@@ -8803,7 +8093,7 @@
 </p:sld>
 </file>
 
-<file path=ppt/slides/slide14.xml><?xml version="1.0" encoding="utf-8"?>
+<file path=ppt/slides/slide12.xml><?xml version="1.0" encoding="utf-8"?>
 <p:sld xmlns:a="http://schemas.openxmlformats.org/drawingml/2006/main" xmlns:r="http://schemas.openxmlformats.org/officeDocument/2006/relationships" xmlns:mc="http://schemas.openxmlformats.org/markup-compatibility/2006" xmlns:mv="urn:schemas-microsoft-com:mac:vml" xmlns:p="http://schemas.openxmlformats.org/presentationml/2006/main" xmlns:c="http://schemas.openxmlformats.org/drawingml/2006/chart" xmlns:dgm="http://schemas.openxmlformats.org/drawingml/2006/diagram" xmlns:o="urn:schemas-microsoft-com:office:office" xmlns:v="urn:schemas-microsoft-com:vml" xmlns:pvml="urn:schemas-microsoft-com:office:powerpoint" xmlns:com="http://schemas.openxmlformats.org/drawingml/2006/compatibility" xmlns:p14="http://schemas.microsoft.com/office/powerpoint/2010/main" xmlns:p15="http://schemas.microsoft.com/office/powerpoint/2012/main" xmlns:ahyp="http://schemas.microsoft.com/office/drawing/2018/hyperlinkcolor">
   <p:cSld>
     <p:bg>
@@ -8815,7 +8105,7 @@
     </p:bg>
     <p:spTree>
       <p:nvGrpSpPr>
-        <p:cNvPr id="154" name="Shape 154"/>
+        <p:cNvPr id="143" name="Shape 143"/>
         <p:cNvGrpSpPr/>
         <p:nvPr/>
       </p:nvGrpSpPr>
@@ -8829,7 +8119,7 @@
       </p:grpSpPr>
       <p:sp>
         <p:nvSpPr>
-          <p:cNvPr id="155" name="Google Shape;155;p26"/>
+          <p:cNvPr id="144" name="Google Shape;144;p24"/>
           <p:cNvSpPr txBox="1"/>
           <p:nvPr>
             <p:ph idx="4294967295" type="ctrTitle"/>
@@ -8885,7 +8175,7 @@
       </p:sp>
       <p:pic>
         <p:nvPicPr>
-          <p:cNvPr id="156" name="Google Shape;156;p26"/>
+          <p:cNvPr id="145" name="Google Shape;145;p24"/>
           <p:cNvPicPr preferRelativeResize="0"/>
           <p:nvPr/>
         </p:nvPicPr>
@@ -8913,7 +8203,7 @@
       </p:pic>
       <p:sp>
         <p:nvSpPr>
-          <p:cNvPr id="157" name="Google Shape;157;p26"/>
+          <p:cNvPr id="146" name="Google Shape;146;p24"/>
           <p:cNvSpPr txBox="1"/>
           <p:nvPr/>
         </p:nvSpPr>
@@ -8954,7 +8244,7 @@
       </p:sp>
       <p:pic>
         <p:nvPicPr>
-          <p:cNvPr id="158" name="Google Shape;158;p26"/>
+          <p:cNvPr id="147" name="Google Shape;147;p24"/>
           <p:cNvPicPr preferRelativeResize="0"/>
           <p:nvPr/>
         </p:nvPicPr>
@@ -8988,7 +8278,7 @@
 </p:sld>
 </file>
 
-<file path=ppt/slides/slide15.xml><?xml version="1.0" encoding="utf-8"?>
+<file path=ppt/slides/slide13.xml><?xml version="1.0" encoding="utf-8"?>
 <p:sld xmlns:a="http://schemas.openxmlformats.org/drawingml/2006/main" xmlns:r="http://schemas.openxmlformats.org/officeDocument/2006/relationships" xmlns:mc="http://schemas.openxmlformats.org/markup-compatibility/2006" xmlns:mv="urn:schemas-microsoft-com:mac:vml" xmlns:p="http://schemas.openxmlformats.org/presentationml/2006/main" xmlns:c="http://schemas.openxmlformats.org/drawingml/2006/chart" xmlns:dgm="http://schemas.openxmlformats.org/drawingml/2006/diagram" xmlns:o="urn:schemas-microsoft-com:office:office" xmlns:v="urn:schemas-microsoft-com:vml" xmlns:pvml="urn:schemas-microsoft-com:office:powerpoint" xmlns:com="http://schemas.openxmlformats.org/drawingml/2006/compatibility" xmlns:p14="http://schemas.microsoft.com/office/powerpoint/2010/main" xmlns:p15="http://schemas.microsoft.com/office/powerpoint/2012/main" xmlns:ahyp="http://schemas.microsoft.com/office/drawing/2018/hyperlinkcolor">
   <p:cSld>
     <p:bg>
@@ -9000,7 +8290,7 @@
     </p:bg>
     <p:spTree>
       <p:nvGrpSpPr>
-        <p:cNvPr id="162" name="Shape 162"/>
+        <p:cNvPr id="151" name="Shape 151"/>
         <p:cNvGrpSpPr/>
         <p:nvPr/>
       </p:nvGrpSpPr>
@@ -9014,7 +8304,7 @@
       </p:grpSpPr>
       <p:sp>
         <p:nvSpPr>
-          <p:cNvPr id="163" name="Google Shape;163;p27"/>
+          <p:cNvPr id="152" name="Google Shape;152;p25"/>
           <p:cNvSpPr txBox="1"/>
           <p:nvPr>
             <p:ph idx="4294967295" type="ctrTitle"/>
@@ -9070,7 +8360,7 @@
       </p:sp>
       <p:pic>
         <p:nvPicPr>
-          <p:cNvPr id="164" name="Google Shape;164;p27"/>
+          <p:cNvPr id="153" name="Google Shape;153;p25"/>
           <p:cNvPicPr preferRelativeResize="0"/>
           <p:nvPr/>
         </p:nvPicPr>
@@ -9086,6 +8376,513 @@
           <a:xfrm>
             <a:off x="1063100" y="1993963"/>
             <a:ext cx="7017799" cy="1155575"/>
+          </a:xfrm>
+          <a:prstGeom prst="rect">
+            <a:avLst/>
+          </a:prstGeom>
+          <a:noFill/>
+          <a:ln>
+            <a:noFill/>
+          </a:ln>
+        </p:spPr>
+      </p:pic>
+    </p:spTree>
+  </p:cSld>
+  <p:clrMapOvr>
+    <a:masterClrMapping/>
+  </p:clrMapOvr>
+</p:sld>
+</file>
+
+<file path=ppt/slides/slide14.xml><?xml version="1.0" encoding="utf-8"?>
+<p:sld xmlns:a="http://schemas.openxmlformats.org/drawingml/2006/main" xmlns:r="http://schemas.openxmlformats.org/officeDocument/2006/relationships" xmlns:mc="http://schemas.openxmlformats.org/markup-compatibility/2006" xmlns:mv="urn:schemas-microsoft-com:mac:vml" xmlns:p="http://schemas.openxmlformats.org/presentationml/2006/main" xmlns:c="http://schemas.openxmlformats.org/drawingml/2006/chart" xmlns:dgm="http://schemas.openxmlformats.org/drawingml/2006/diagram" xmlns:o="urn:schemas-microsoft-com:office:office" xmlns:v="urn:schemas-microsoft-com:vml" xmlns:pvml="urn:schemas-microsoft-com:office:powerpoint" xmlns:com="http://schemas.openxmlformats.org/drawingml/2006/compatibility" xmlns:p14="http://schemas.microsoft.com/office/powerpoint/2010/main" xmlns:p15="http://schemas.microsoft.com/office/powerpoint/2012/main" xmlns:ahyp="http://schemas.microsoft.com/office/drawing/2018/hyperlinkcolor">
+  <p:cSld>
+    <p:bg>
+      <p:bgPr>
+        <a:blipFill>
+          <a:blip r:embed="rId3">
+            <a:alphaModFix/>
+          </a:blip>
+          <a:stretch>
+            <a:fillRect/>
+          </a:stretch>
+        </a:blipFill>
+      </p:bgPr>
+    </p:bg>
+    <p:spTree>
+      <p:nvGrpSpPr>
+        <p:cNvPr id="157" name="Shape 157"/>
+        <p:cNvGrpSpPr/>
+        <p:nvPr/>
+      </p:nvGrpSpPr>
+      <p:grpSpPr>
+        <a:xfrm>
+          <a:off x="0" y="0"/>
+          <a:ext cx="0" cy="0"/>
+          <a:chOff x="0" y="0"/>
+          <a:chExt cx="0" cy="0"/>
+        </a:xfrm>
+      </p:grpSpPr>
+      <p:sp>
+        <p:nvSpPr>
+          <p:cNvPr id="158" name="Google Shape;158;p26"/>
+          <p:cNvSpPr txBox="1"/>
+          <p:nvPr/>
+        </p:nvSpPr>
+        <p:spPr>
+          <a:xfrm>
+            <a:off x="4549525" y="2540150"/>
+            <a:ext cx="1301700" cy="400200"/>
+          </a:xfrm>
+          <a:prstGeom prst="rect">
+            <a:avLst/>
+          </a:prstGeom>
+          <a:noFill/>
+          <a:ln>
+            <a:noFill/>
+          </a:ln>
+        </p:spPr>
+        <p:txBody>
+          <a:bodyPr anchorCtr="0" anchor="t" bIns="91425" lIns="91425" spcFirstLastPara="1" rIns="91425" wrap="square" tIns="91425">
+            <a:spAutoFit/>
+          </a:bodyPr>
+          <a:lstStyle/>
+          <a:p>
+            <a:pPr indent="0" lvl="0" marL="0" rtl="0" algn="l">
+              <a:spcBef>
+                <a:spcPts val="0"/>
+              </a:spcBef>
+              <a:spcAft>
+                <a:spcPts val="0"/>
+              </a:spcAft>
+              <a:buNone/>
+            </a:pPr>
+            <a:r>
+              <a:t/>
+            </a:r>
+            <a:endParaRPr/>
+          </a:p>
+        </p:txBody>
+      </p:sp>
+      <p:sp>
+        <p:nvSpPr>
+          <p:cNvPr id="159" name="Google Shape;159;p26"/>
+          <p:cNvSpPr txBox="1"/>
+          <p:nvPr/>
+        </p:nvSpPr>
+        <p:spPr>
+          <a:xfrm>
+            <a:off x="4549525" y="2540150"/>
+            <a:ext cx="1301700" cy="400200"/>
+          </a:xfrm>
+          <a:prstGeom prst="rect">
+            <a:avLst/>
+          </a:prstGeom>
+          <a:noFill/>
+          <a:ln>
+            <a:noFill/>
+          </a:ln>
+        </p:spPr>
+        <p:txBody>
+          <a:bodyPr anchorCtr="0" anchor="t" bIns="91425" lIns="91425" spcFirstLastPara="1" rIns="91425" wrap="square" tIns="91425">
+            <a:spAutoFit/>
+          </a:bodyPr>
+          <a:lstStyle/>
+          <a:p>
+            <a:pPr indent="0" lvl="0" marL="0" rtl="0" algn="l">
+              <a:spcBef>
+                <a:spcPts val="0"/>
+              </a:spcBef>
+              <a:spcAft>
+                <a:spcPts val="0"/>
+              </a:spcAft>
+              <a:buNone/>
+            </a:pPr>
+            <a:r>
+              <a:t/>
+            </a:r>
+            <a:endParaRPr/>
+          </a:p>
+        </p:txBody>
+      </p:sp>
+      <p:sp>
+        <p:nvSpPr>
+          <p:cNvPr id="160" name="Google Shape;160;p26"/>
+          <p:cNvSpPr txBox="1"/>
+          <p:nvPr/>
+        </p:nvSpPr>
+        <p:spPr>
+          <a:xfrm>
+            <a:off x="1885975" y="2451450"/>
+            <a:ext cx="6628800" cy="581700"/>
+          </a:xfrm>
+          <a:prstGeom prst="rect">
+            <a:avLst/>
+          </a:prstGeom>
+          <a:noFill/>
+          <a:ln>
+            <a:noFill/>
+          </a:ln>
+        </p:spPr>
+        <p:txBody>
+          <a:bodyPr anchorCtr="0" anchor="t" bIns="91425" lIns="91425" spcFirstLastPara="1" rIns="91425" wrap="square" tIns="91425">
+            <a:spAutoFit/>
+          </a:bodyPr>
+          <a:lstStyle/>
+          <a:p>
+            <a:pPr indent="-304800" lvl="0" marL="457200" rtl="0" algn="l">
+              <a:lnSpc>
+                <a:spcPct val="115000"/>
+              </a:lnSpc>
+              <a:spcBef>
+                <a:spcPts val="300"/>
+              </a:spcBef>
+              <a:spcAft>
+                <a:spcPts val="0"/>
+              </a:spcAft>
+              <a:buClr>
+                <a:srgbClr val="9840A6"/>
+              </a:buClr>
+              <a:buSzPts val="1200"/>
+              <a:buAutoNum type="arabicPeriod"/>
+            </a:pPr>
+            <a:r>
+              <a:rPr lang="en" sz="1200">
+                <a:solidFill>
+                  <a:srgbClr val="9840A6"/>
+                </a:solidFill>
+              </a:rPr>
+              <a:t>Can we predict the scores of future wine tastings based on previous ones?</a:t>
+            </a:r>
+            <a:endParaRPr sz="1200">
+              <a:solidFill>
+                <a:srgbClr val="9840A6"/>
+              </a:solidFill>
+            </a:endParaRPr>
+          </a:p>
+          <a:p>
+            <a:pPr indent="-304800" lvl="0" marL="457200" rtl="0" algn="l">
+              <a:lnSpc>
+                <a:spcPct val="115000"/>
+              </a:lnSpc>
+              <a:spcBef>
+                <a:spcPts val="0"/>
+              </a:spcBef>
+              <a:spcAft>
+                <a:spcPts val="0"/>
+              </a:spcAft>
+              <a:buClr>
+                <a:srgbClr val="9840A6"/>
+              </a:buClr>
+              <a:buSzPts val="1200"/>
+              <a:buAutoNum type="arabicPeriod"/>
+            </a:pPr>
+            <a:r>
+              <a:rPr lang="en" sz="1200">
+                <a:solidFill>
+                  <a:srgbClr val="9840A6"/>
+                </a:solidFill>
+              </a:rPr>
+              <a:t>Does the description of the wines lead to a higher reviews/points?</a:t>
+            </a:r>
+            <a:endParaRPr/>
+          </a:p>
+        </p:txBody>
+      </p:sp>
+      <p:sp>
+        <p:nvSpPr>
+          <p:cNvPr id="161" name="Google Shape;161;p26"/>
+          <p:cNvSpPr txBox="1"/>
+          <p:nvPr>
+            <p:ph type="ctrTitle"/>
+          </p:nvPr>
+        </p:nvSpPr>
+        <p:spPr>
+          <a:xfrm>
+            <a:off x="1173225" y="1651625"/>
+            <a:ext cx="5488800" cy="720600"/>
+          </a:xfrm>
+          <a:prstGeom prst="rect">
+            <a:avLst/>
+          </a:prstGeom>
+        </p:spPr>
+        <p:txBody>
+          <a:bodyPr anchorCtr="0" anchor="b" bIns="91425" lIns="91425" spcFirstLastPara="1" rIns="91425" wrap="square" tIns="91425">
+            <a:noAutofit/>
+          </a:bodyPr>
+          <a:lstStyle/>
+          <a:p>
+            <a:pPr indent="0" lvl="0" marL="0" rtl="0" algn="l">
+              <a:spcBef>
+                <a:spcPts val="0"/>
+              </a:spcBef>
+              <a:spcAft>
+                <a:spcPts val="0"/>
+              </a:spcAft>
+              <a:buSzPts val="990"/>
+              <a:buNone/>
+            </a:pPr>
+            <a:r>
+              <a:rPr lang="en" sz="5580">
+                <a:solidFill>
+                  <a:srgbClr val="9840A6"/>
+                </a:solidFill>
+                <a:latin typeface="Impact"/>
+                <a:ea typeface="Impact"/>
+                <a:cs typeface="Impact"/>
+                <a:sym typeface="Impact"/>
+              </a:rPr>
+              <a:t>Predictions</a:t>
+            </a:r>
+            <a:endParaRPr sz="5580">
+              <a:solidFill>
+                <a:srgbClr val="9840A6"/>
+              </a:solidFill>
+              <a:latin typeface="Impact"/>
+              <a:ea typeface="Impact"/>
+              <a:cs typeface="Impact"/>
+              <a:sym typeface="Impact"/>
+            </a:endParaRPr>
+          </a:p>
+        </p:txBody>
+      </p:sp>
+    </p:spTree>
+  </p:cSld>
+  <p:clrMapOvr>
+    <a:masterClrMapping/>
+  </p:clrMapOvr>
+</p:sld>
+</file>
+
+<file path=ppt/slides/slide15.xml><?xml version="1.0" encoding="utf-8"?>
+<p:sld xmlns:a="http://schemas.openxmlformats.org/drawingml/2006/main" xmlns:r="http://schemas.openxmlformats.org/officeDocument/2006/relationships" xmlns:mc="http://schemas.openxmlformats.org/markup-compatibility/2006" xmlns:mv="urn:schemas-microsoft-com:mac:vml" xmlns:p="http://schemas.openxmlformats.org/presentationml/2006/main" xmlns:c="http://schemas.openxmlformats.org/drawingml/2006/chart" xmlns:dgm="http://schemas.openxmlformats.org/drawingml/2006/diagram" xmlns:o="urn:schemas-microsoft-com:office:office" xmlns:v="urn:schemas-microsoft-com:vml" xmlns:pvml="urn:schemas-microsoft-com:office:powerpoint" xmlns:com="http://schemas.openxmlformats.org/drawingml/2006/compatibility" xmlns:p14="http://schemas.microsoft.com/office/powerpoint/2010/main" xmlns:p15="http://schemas.microsoft.com/office/powerpoint/2012/main" xmlns:ahyp="http://schemas.microsoft.com/office/drawing/2018/hyperlinkcolor">
+  <p:cSld>
+    <p:bg>
+      <p:bgPr>
+        <a:blipFill>
+          <a:blip r:embed="rId3">
+            <a:alphaModFix/>
+          </a:blip>
+          <a:stretch>
+            <a:fillRect/>
+          </a:stretch>
+        </a:blipFill>
+      </p:bgPr>
+    </p:bg>
+    <p:spTree>
+      <p:nvGrpSpPr>
+        <p:cNvPr id="165" name="Shape 165"/>
+        <p:cNvGrpSpPr/>
+        <p:nvPr/>
+      </p:nvGrpSpPr>
+      <p:grpSpPr>
+        <a:xfrm>
+          <a:off x="0" y="0"/>
+          <a:ext cx="0" cy="0"/>
+          <a:chOff x="0" y="0"/>
+          <a:chExt cx="0" cy="0"/>
+        </a:xfrm>
+      </p:grpSpPr>
+      <p:sp>
+        <p:nvSpPr>
+          <p:cNvPr id="166" name="Google Shape;166;p27"/>
+          <p:cNvSpPr txBox="1"/>
+          <p:nvPr>
+            <p:ph type="ctrTitle"/>
+          </p:nvPr>
+        </p:nvSpPr>
+        <p:spPr>
+          <a:xfrm>
+            <a:off x="342900" y="114300"/>
+            <a:ext cx="6629400" cy="923400"/>
+          </a:xfrm>
+          <a:prstGeom prst="rect">
+            <a:avLst/>
+          </a:prstGeom>
+        </p:spPr>
+        <p:txBody>
+          <a:bodyPr anchorCtr="0" anchor="b" bIns="91425" lIns="91425" spcFirstLastPara="1" rIns="91425" wrap="square" tIns="91425">
+            <a:noAutofit/>
+          </a:bodyPr>
+          <a:lstStyle/>
+          <a:p>
+            <a:pPr indent="0" lvl="0" marL="0" rtl="0" algn="l">
+              <a:spcBef>
+                <a:spcPts val="0"/>
+              </a:spcBef>
+              <a:spcAft>
+                <a:spcPts val="0"/>
+              </a:spcAft>
+              <a:buSzPts val="990"/>
+              <a:buNone/>
+            </a:pPr>
+            <a:r>
+              <a:rPr lang="en" sz="3600">
+                <a:solidFill>
+                  <a:srgbClr val="9840A6"/>
+                </a:solidFill>
+                <a:latin typeface="Impact"/>
+                <a:ea typeface="Impact"/>
+                <a:cs typeface="Impact"/>
+                <a:sym typeface="Impact"/>
+              </a:rPr>
+              <a:t>Machine Learning: Data Cleaning</a:t>
+            </a:r>
+            <a:endParaRPr sz="3600">
+              <a:solidFill>
+                <a:srgbClr val="9840A6"/>
+              </a:solidFill>
+              <a:latin typeface="Impact"/>
+              <a:ea typeface="Impact"/>
+              <a:cs typeface="Impact"/>
+              <a:sym typeface="Impact"/>
+            </a:endParaRPr>
+          </a:p>
+        </p:txBody>
+      </p:sp>
+      <p:sp>
+        <p:nvSpPr>
+          <p:cNvPr id="167" name="Google Shape;167;p27"/>
+          <p:cNvSpPr txBox="1"/>
+          <p:nvPr/>
+        </p:nvSpPr>
+        <p:spPr>
+          <a:xfrm>
+            <a:off x="4549525" y="2540150"/>
+            <a:ext cx="1301700" cy="400200"/>
+          </a:xfrm>
+          <a:prstGeom prst="rect">
+            <a:avLst/>
+          </a:prstGeom>
+          <a:noFill/>
+          <a:ln>
+            <a:noFill/>
+          </a:ln>
+        </p:spPr>
+        <p:txBody>
+          <a:bodyPr anchorCtr="0" anchor="t" bIns="91425" lIns="91425" spcFirstLastPara="1" rIns="91425" wrap="square" tIns="91425">
+            <a:spAutoFit/>
+          </a:bodyPr>
+          <a:lstStyle/>
+          <a:p>
+            <a:pPr indent="0" lvl="0" marL="0" rtl="0" algn="l">
+              <a:spcBef>
+                <a:spcPts val="0"/>
+              </a:spcBef>
+              <a:spcAft>
+                <a:spcPts val="0"/>
+              </a:spcAft>
+              <a:buNone/>
+            </a:pPr>
+            <a:r>
+              <a:t/>
+            </a:r>
+            <a:endParaRPr/>
+          </a:p>
+        </p:txBody>
+      </p:sp>
+      <p:pic>
+        <p:nvPicPr>
+          <p:cNvPr descr="Screenshot 2023-02-23 at 10 13 40 PM" id="168" name="Google Shape;168;p27"/>
+          <p:cNvPicPr preferRelativeResize="0"/>
+          <p:nvPr/>
+        </p:nvPicPr>
+        <p:blipFill>
+          <a:blip r:embed="rId4">
+            <a:alphaModFix/>
+          </a:blip>
+          <a:stretch>
+            <a:fillRect/>
+          </a:stretch>
+        </p:blipFill>
+        <p:spPr>
+          <a:xfrm>
+            <a:off x="1026700" y="1210325"/>
+            <a:ext cx="2733696" cy="1329825"/>
+          </a:xfrm>
+          <a:prstGeom prst="rect">
+            <a:avLst/>
+          </a:prstGeom>
+          <a:noFill/>
+          <a:ln>
+            <a:noFill/>
+          </a:ln>
+        </p:spPr>
+      </p:pic>
+      <p:pic>
+        <p:nvPicPr>
+          <p:cNvPr id="169" name="Google Shape;169;p27"/>
+          <p:cNvPicPr preferRelativeResize="0"/>
+          <p:nvPr/>
+        </p:nvPicPr>
+        <p:blipFill>
+          <a:blip r:embed="rId5">
+            <a:alphaModFix/>
+          </a:blip>
+          <a:stretch>
+            <a:fillRect/>
+          </a:stretch>
+        </p:blipFill>
+        <p:spPr>
+          <a:xfrm>
+            <a:off x="4360650" y="1124013"/>
+            <a:ext cx="2987975" cy="1502449"/>
+          </a:xfrm>
+          <a:prstGeom prst="rect">
+            <a:avLst/>
+          </a:prstGeom>
+          <a:noFill/>
+          <a:ln>
+            <a:noFill/>
+          </a:ln>
+        </p:spPr>
+      </p:pic>
+      <p:pic>
+        <p:nvPicPr>
+          <p:cNvPr id="170" name="Google Shape;170;p27"/>
+          <p:cNvPicPr preferRelativeResize="0"/>
+          <p:nvPr/>
+        </p:nvPicPr>
+        <p:blipFill>
+          <a:blip r:embed="rId6">
+            <a:alphaModFix/>
+          </a:blip>
+          <a:stretch>
+            <a:fillRect/>
+          </a:stretch>
+        </p:blipFill>
+        <p:spPr>
+          <a:xfrm>
+            <a:off x="1541525" y="2940350"/>
+            <a:ext cx="5479526" cy="1206675"/>
+          </a:xfrm>
+          <a:prstGeom prst="rect">
+            <a:avLst/>
+          </a:prstGeom>
+          <a:noFill/>
+          <a:ln>
+            <a:noFill/>
+          </a:ln>
+        </p:spPr>
+      </p:pic>
+      <p:pic>
+        <p:nvPicPr>
+          <p:cNvPr id="171" name="Google Shape;171;p27"/>
+          <p:cNvPicPr preferRelativeResize="0"/>
+          <p:nvPr/>
+        </p:nvPicPr>
+        <p:blipFill>
+          <a:blip r:embed="rId7">
+            <a:alphaModFix/>
+          </a:blip>
+          <a:stretch>
+            <a:fillRect/>
+          </a:stretch>
+        </p:blipFill>
+        <p:spPr>
+          <a:xfrm>
+            <a:off x="1213946" y="4277624"/>
+            <a:ext cx="6134682" cy="775825"/>
           </a:xfrm>
           <a:prstGeom prst="rect">
             <a:avLst/>
@@ -9121,7 +8918,7 @@
     </p:bg>
     <p:spTree>
       <p:nvGrpSpPr>
-        <p:cNvPr id="168" name="Shape 168"/>
+        <p:cNvPr id="175" name="Shape 175"/>
         <p:cNvGrpSpPr/>
         <p:nvPr/>
       </p:nvGrpSpPr>
@@ -9135,173 +8932,7 @@
       </p:grpSpPr>
       <p:sp>
         <p:nvSpPr>
-          <p:cNvPr id="169" name="Google Shape;169;p28"/>
-          <p:cNvSpPr txBox="1"/>
-          <p:nvPr/>
-        </p:nvSpPr>
-        <p:spPr>
-          <a:xfrm>
-            <a:off x="4549525" y="2540150"/>
-            <a:ext cx="1301700" cy="400200"/>
-          </a:xfrm>
-          <a:prstGeom prst="rect">
-            <a:avLst/>
-          </a:prstGeom>
-          <a:noFill/>
-          <a:ln>
-            <a:noFill/>
-          </a:ln>
-        </p:spPr>
-        <p:txBody>
-          <a:bodyPr anchorCtr="0" anchor="t" bIns="91425" lIns="91425" spcFirstLastPara="1" rIns="91425" wrap="square" tIns="91425">
-            <a:spAutoFit/>
-          </a:bodyPr>
-          <a:lstStyle/>
-          <a:p>
-            <a:pPr indent="0" lvl="0" marL="0" rtl="0" algn="l">
-              <a:spcBef>
-                <a:spcPts val="0"/>
-              </a:spcBef>
-              <a:spcAft>
-                <a:spcPts val="0"/>
-              </a:spcAft>
-              <a:buNone/>
-            </a:pPr>
-            <a:r>
-              <a:t/>
-            </a:r>
-            <a:endParaRPr/>
-          </a:p>
-        </p:txBody>
-      </p:sp>
-      <p:sp>
-        <p:nvSpPr>
-          <p:cNvPr id="170" name="Google Shape;170;p28"/>
-          <p:cNvSpPr txBox="1"/>
-          <p:nvPr/>
-        </p:nvSpPr>
-        <p:spPr>
-          <a:xfrm>
-            <a:off x="4549525" y="2540150"/>
-            <a:ext cx="1301700" cy="400200"/>
-          </a:xfrm>
-          <a:prstGeom prst="rect">
-            <a:avLst/>
-          </a:prstGeom>
-          <a:noFill/>
-          <a:ln>
-            <a:noFill/>
-          </a:ln>
-        </p:spPr>
-        <p:txBody>
-          <a:bodyPr anchorCtr="0" anchor="t" bIns="91425" lIns="91425" spcFirstLastPara="1" rIns="91425" wrap="square" tIns="91425">
-            <a:spAutoFit/>
-          </a:bodyPr>
-          <a:lstStyle/>
-          <a:p>
-            <a:pPr indent="0" lvl="0" marL="0" rtl="0" algn="l">
-              <a:spcBef>
-                <a:spcPts val="0"/>
-              </a:spcBef>
-              <a:spcAft>
-                <a:spcPts val="0"/>
-              </a:spcAft>
-              <a:buNone/>
-            </a:pPr>
-            <a:r>
-              <a:t/>
-            </a:r>
-            <a:endParaRPr/>
-          </a:p>
-        </p:txBody>
-      </p:sp>
-      <p:sp>
-        <p:nvSpPr>
-          <p:cNvPr id="171" name="Google Shape;171;p28"/>
-          <p:cNvSpPr txBox="1"/>
-          <p:nvPr/>
-        </p:nvSpPr>
-        <p:spPr>
-          <a:xfrm>
-            <a:off x="1885975" y="2451450"/>
-            <a:ext cx="6628800" cy="581700"/>
-          </a:xfrm>
-          <a:prstGeom prst="rect">
-            <a:avLst/>
-          </a:prstGeom>
-          <a:noFill/>
-          <a:ln>
-            <a:noFill/>
-          </a:ln>
-        </p:spPr>
-        <p:txBody>
-          <a:bodyPr anchorCtr="0" anchor="t" bIns="91425" lIns="91425" spcFirstLastPara="1" rIns="91425" wrap="square" tIns="91425">
-            <a:spAutoFit/>
-          </a:bodyPr>
-          <a:lstStyle/>
-          <a:p>
-            <a:pPr indent="-304800" lvl="0" marL="457200" rtl="0" algn="l">
-              <a:lnSpc>
-                <a:spcPct val="115000"/>
-              </a:lnSpc>
-              <a:spcBef>
-                <a:spcPts val="300"/>
-              </a:spcBef>
-              <a:spcAft>
-                <a:spcPts val="0"/>
-              </a:spcAft>
-              <a:buClr>
-                <a:srgbClr val="9840A6"/>
-              </a:buClr>
-              <a:buSzPts val="1200"/>
-              <a:buAutoNum type="arabicPeriod"/>
-            </a:pPr>
-            <a:r>
-              <a:rPr lang="en" sz="1200">
-                <a:solidFill>
-                  <a:srgbClr val="9840A6"/>
-                </a:solidFill>
-              </a:rPr>
-              <a:t>Can we predict the scores of future wine tastings based on previous ones?</a:t>
-            </a:r>
-            <a:endParaRPr sz="1200">
-              <a:solidFill>
-                <a:srgbClr val="9840A6"/>
-              </a:solidFill>
-            </a:endParaRPr>
-          </a:p>
-          <a:p>
-            <a:pPr indent="-304800" lvl="0" marL="457200" rtl="0" algn="l">
-              <a:lnSpc>
-                <a:spcPct val="115000"/>
-              </a:lnSpc>
-              <a:spcBef>
-                <a:spcPts val="0"/>
-              </a:spcBef>
-              <a:spcAft>
-                <a:spcPts val="0"/>
-              </a:spcAft>
-              <a:buClr>
-                <a:srgbClr val="9840A6"/>
-              </a:buClr>
-              <a:buSzPts val="1200"/>
-              <a:buAutoNum type="arabicPeriod"/>
-            </a:pPr>
-            <a:r>
-              <a:rPr lang="en" sz="1200">
-                <a:solidFill>
-                  <a:srgbClr val="9840A6"/>
-                </a:solidFill>
-              </a:rPr>
-              <a:t>Does the description of the wines lead to a higher reviews/points?</a:t>
-            </a:r>
-            <a:endParaRPr/>
-          </a:p>
-        </p:txBody>
-      </p:sp>
-      <p:sp>
-        <p:nvSpPr>
-          <p:cNvPr id="172" name="Google Shape;172;p28"/>
+          <p:cNvPr id="176" name="Google Shape;176;p28"/>
           <p:cNvSpPr txBox="1"/>
           <p:nvPr>
             <p:ph type="ctrTitle"/>
@@ -9309,8 +8940,8 @@
         </p:nvSpPr>
         <p:spPr>
           <a:xfrm>
-            <a:off x="1173225" y="1651625"/>
-            <a:ext cx="5488800" cy="720600"/>
+            <a:off x="386750" y="306350"/>
+            <a:ext cx="6595500" cy="827100"/>
           </a:xfrm>
           <a:prstGeom prst="rect">
             <a:avLst/>
@@ -9333,7 +8964,7 @@
               <a:buNone/>
             </a:pPr>
             <a:r>
-              <a:rPr lang="en" sz="5580">
+              <a:rPr lang="en" sz="3600">
                 <a:solidFill>
                   <a:srgbClr val="9840A6"/>
                 </a:solidFill>
@@ -9342,9 +8973,9 @@
                 <a:cs typeface="Impact"/>
                 <a:sym typeface="Impact"/>
               </a:rPr>
-              <a:t>Predictions</a:t>
+              <a:t>Machine Learning: Creating The Model</a:t>
             </a:r>
-            <a:endParaRPr sz="5580">
+            <a:endParaRPr sz="3600">
               <a:solidFill>
                 <a:srgbClr val="9840A6"/>
               </a:solidFill>
@@ -9356,6 +8987,103 @@
           </a:p>
         </p:txBody>
       </p:sp>
+      <p:sp>
+        <p:nvSpPr>
+          <p:cNvPr id="177" name="Google Shape;177;p28"/>
+          <p:cNvSpPr txBox="1"/>
+          <p:nvPr/>
+        </p:nvSpPr>
+        <p:spPr>
+          <a:xfrm>
+            <a:off x="4549525" y="2540150"/>
+            <a:ext cx="1301700" cy="400200"/>
+          </a:xfrm>
+          <a:prstGeom prst="rect">
+            <a:avLst/>
+          </a:prstGeom>
+          <a:noFill/>
+          <a:ln>
+            <a:noFill/>
+          </a:ln>
+        </p:spPr>
+        <p:txBody>
+          <a:bodyPr anchorCtr="0" anchor="t" bIns="91425" lIns="91425" spcFirstLastPara="1" rIns="91425" wrap="square" tIns="91425">
+            <a:spAutoFit/>
+          </a:bodyPr>
+          <a:lstStyle/>
+          <a:p>
+            <a:pPr indent="0" lvl="0" marL="0" rtl="0" algn="l">
+              <a:spcBef>
+                <a:spcPts val="0"/>
+              </a:spcBef>
+              <a:spcAft>
+                <a:spcPts val="0"/>
+              </a:spcAft>
+              <a:buNone/>
+            </a:pPr>
+            <a:r>
+              <a:t/>
+            </a:r>
+            <a:endParaRPr/>
+          </a:p>
+        </p:txBody>
+      </p:sp>
+      <p:pic>
+        <p:nvPicPr>
+          <p:cNvPr id="178" name="Google Shape;178;p28"/>
+          <p:cNvPicPr preferRelativeResize="0"/>
+          <p:nvPr/>
+        </p:nvPicPr>
+        <p:blipFill>
+          <a:blip r:embed="rId4">
+            <a:alphaModFix/>
+          </a:blip>
+          <a:stretch>
+            <a:fillRect/>
+          </a:stretch>
+        </p:blipFill>
+        <p:spPr>
+          <a:xfrm>
+            <a:off x="3485775" y="3059050"/>
+            <a:ext cx="5415603" cy="1829882"/>
+          </a:xfrm>
+          <a:prstGeom prst="rect">
+            <a:avLst/>
+          </a:prstGeom>
+          <a:noFill/>
+          <a:ln>
+            <a:noFill/>
+          </a:ln>
+        </p:spPr>
+      </p:pic>
+      <p:pic>
+        <p:nvPicPr>
+          <p:cNvPr id="179" name="Google Shape;179;p28"/>
+          <p:cNvPicPr preferRelativeResize="0"/>
+          <p:nvPr/>
+        </p:nvPicPr>
+        <p:blipFill>
+          <a:blip r:embed="rId5">
+            <a:alphaModFix/>
+          </a:blip>
+          <a:stretch>
+            <a:fillRect/>
+          </a:stretch>
+        </p:blipFill>
+        <p:spPr>
+          <a:xfrm>
+            <a:off x="221575" y="1133438"/>
+            <a:ext cx="4079778" cy="1829874"/>
+          </a:xfrm>
+          <a:prstGeom prst="rect">
+            <a:avLst/>
+          </a:prstGeom>
+          <a:noFill/>
+          <a:ln>
+            <a:noFill/>
+          </a:ln>
+        </p:spPr>
+      </p:pic>
     </p:spTree>
   </p:cSld>
   <p:clrMapOvr>
@@ -9369,19 +9097,14 @@
   <p:cSld>
     <p:bg>
       <p:bgPr>
-        <a:blipFill>
-          <a:blip r:embed="rId3">
-            <a:alphaModFix/>
-          </a:blip>
-          <a:stretch>
-            <a:fillRect/>
-          </a:stretch>
-        </a:blipFill>
+        <a:solidFill>
+          <a:srgbClr val="9841A6"/>
+        </a:solidFill>
       </p:bgPr>
     </p:bg>
     <p:spTree>
       <p:nvGrpSpPr>
-        <p:cNvPr id="176" name="Shape 176"/>
+        <p:cNvPr id="183" name="Shape 183"/>
         <p:cNvGrpSpPr/>
         <p:nvPr/>
       </p:nvGrpSpPr>
@@ -9395,24 +9118,24 @@
       </p:grpSpPr>
       <p:sp>
         <p:nvSpPr>
-          <p:cNvPr id="177" name="Google Shape;177;p29"/>
+          <p:cNvPr id="184" name="Google Shape;184;p29"/>
           <p:cNvSpPr txBox="1"/>
           <p:nvPr>
-            <p:ph type="ctrTitle"/>
+            <p:ph idx="1" type="body"/>
           </p:nvPr>
         </p:nvSpPr>
         <p:spPr>
           <a:xfrm>
-            <a:off x="342900" y="114300"/>
-            <a:ext cx="6629400" cy="923400"/>
+            <a:off x="411475" y="1074875"/>
+            <a:ext cx="8520600" cy="3416400"/>
           </a:xfrm>
           <a:prstGeom prst="rect">
             <a:avLst/>
           </a:prstGeom>
         </p:spPr>
         <p:txBody>
-          <a:bodyPr anchorCtr="0" anchor="b" bIns="91425" lIns="91425" spcFirstLastPara="1" rIns="91425" wrap="square" tIns="91425">
-            <a:noAutofit/>
+          <a:bodyPr anchorCtr="0" anchor="t" bIns="91425" lIns="91425" spcFirstLastPara="1" rIns="91425" wrap="square" tIns="91425">
+            <a:normAutofit/>
           </a:bodyPr>
           <a:lstStyle/>
           <a:p>
@@ -9421,26 +9144,68 @@
                 <a:spcPts val="0"/>
               </a:spcBef>
               <a:spcAft>
-                <a:spcPts val="0"/>
-              </a:spcAft>
-              <a:buSzPts val="990"/>
+                <a:spcPts val="1200"/>
+              </a:spcAft>
               <a:buNone/>
             </a:pPr>
             <a:r>
-              <a:rPr lang="en" sz="3600">
+              <a:t/>
+            </a:r>
+            <a:endParaRPr>
+              <a:solidFill>
+                <a:schemeClr val="lt1"/>
+              </a:solidFill>
+            </a:endParaRPr>
+          </a:p>
+        </p:txBody>
+      </p:sp>
+      <p:sp>
+        <p:nvSpPr>
+          <p:cNvPr id="185" name="Google Shape;185;p29"/>
+          <p:cNvSpPr txBox="1"/>
+          <p:nvPr>
+            <p:ph idx="4294967295" type="ctrTitle"/>
+          </p:nvPr>
+        </p:nvSpPr>
+        <p:spPr>
+          <a:xfrm>
+            <a:off x="411475" y="399050"/>
+            <a:ext cx="3857700" cy="720600"/>
+          </a:xfrm>
+          <a:prstGeom prst="rect">
+            <a:avLst/>
+          </a:prstGeom>
+        </p:spPr>
+        <p:txBody>
+          <a:bodyPr anchorCtr="0" anchor="t" bIns="91425" lIns="91425" spcFirstLastPara="1" rIns="91425" wrap="square" tIns="91425">
+            <a:normAutofit/>
+          </a:bodyPr>
+          <a:lstStyle/>
+          <a:p>
+            <a:pPr indent="0" lvl="0" marL="0" rtl="0" algn="l">
+              <a:spcBef>
+                <a:spcPts val="0"/>
+              </a:spcBef>
+              <a:spcAft>
+                <a:spcPts val="0"/>
+              </a:spcAft>
+              <a:buNone/>
+            </a:pPr>
+            <a:r>
+              <a:rPr lang="en">
                 <a:solidFill>
-                  <a:srgbClr val="9840A6"/>
+                  <a:schemeClr val="lt1"/>
                 </a:solidFill>
                 <a:latin typeface="Impact"/>
                 <a:ea typeface="Impact"/>
                 <a:cs typeface="Impact"/>
                 <a:sym typeface="Impact"/>
               </a:rPr>
-              <a:t>Machine Learning: Data Cleaning</a:t>
+              <a:t>Findings</a:t>
             </a:r>
-            <a:endParaRPr sz="3600">
+            <a:endParaRPr>
               <a:solidFill>
-                <a:srgbClr val="9840A6"/>
+                <a:schemeClr val="lt1"/>
               </a:solidFill>
               <a:latin typeface="Impact"/>
               <a:ea typeface="Impact"/>
@@ -9450,16 +9215,24 @@
           </a:p>
         </p:txBody>
       </p:sp>
-      <p:sp>
-        <p:nvSpPr>
-          <p:cNvPr id="178" name="Google Shape;178;p29"/>
-          <p:cNvSpPr txBox="1"/>
+      <p:pic>
+        <p:nvPicPr>
+          <p:cNvPr id="186" name="Google Shape;186;p29"/>
+          <p:cNvPicPr preferRelativeResize="0"/>
           <p:nvPr/>
-        </p:nvSpPr>
-        <p:spPr>
-          <a:xfrm>
-            <a:off x="4549525" y="2540150"/>
-            <a:ext cx="1301700" cy="400200"/>
+        </p:nvPicPr>
+        <p:blipFill>
+          <a:blip r:embed="rId3">
+            <a:alphaModFix/>
+          </a:blip>
+          <a:stretch>
+            <a:fillRect/>
+          </a:stretch>
+        </p:blipFill>
+        <p:spPr>
+          <a:xfrm>
+            <a:off x="411475" y="3223625"/>
+            <a:ext cx="8409201" cy="993665"/>
           </a:xfrm>
           <a:prstGeom prst="rect">
             <a:avLst/>
@@ -9469,31 +9242,10 @@
             <a:noFill/>
           </a:ln>
         </p:spPr>
-        <p:txBody>
-          <a:bodyPr anchorCtr="0" anchor="t" bIns="91425" lIns="91425" spcFirstLastPara="1" rIns="91425" wrap="square" tIns="91425">
-            <a:spAutoFit/>
-          </a:bodyPr>
-          <a:lstStyle/>
-          <a:p>
-            <a:pPr indent="0" lvl="0" marL="0" rtl="0" algn="l">
-              <a:spcBef>
-                <a:spcPts val="0"/>
-              </a:spcBef>
-              <a:spcAft>
-                <a:spcPts val="0"/>
-              </a:spcAft>
-              <a:buNone/>
-            </a:pPr>
-            <a:r>
-              <a:t/>
-            </a:r>
-            <a:endParaRPr/>
-          </a:p>
-        </p:txBody>
-      </p:sp>
+      </p:pic>
       <p:pic>
         <p:nvPicPr>
-          <p:cNvPr descr="Screenshot 2023-02-23 at 10 13 40 PM" id="179" name="Google Shape;179;p29"/>
+          <p:cNvPr id="187" name="Google Shape;187;p29"/>
           <p:cNvPicPr preferRelativeResize="0"/>
           <p:nvPr/>
         </p:nvPicPr>
@@ -9507,8 +9259,8 @@
         </p:blipFill>
         <p:spPr>
           <a:xfrm>
-            <a:off x="1026700" y="1210325"/>
-            <a:ext cx="2733696" cy="1329825"/>
+            <a:off x="411475" y="2034400"/>
+            <a:ext cx="8409201" cy="930825"/>
           </a:xfrm>
           <a:prstGeom prst="rect">
             <a:avLst/>
@@ -9521,7 +9273,7 @@
       </p:pic>
       <p:pic>
         <p:nvPicPr>
-          <p:cNvPr id="180" name="Google Shape;180;p29"/>
+          <p:cNvPr id="188" name="Google Shape;188;p29"/>
           <p:cNvPicPr preferRelativeResize="0"/>
           <p:nvPr/>
         </p:nvPicPr>
@@ -9535,64 +9287,8 @@
         </p:blipFill>
         <p:spPr>
           <a:xfrm>
-            <a:off x="4360650" y="1124013"/>
-            <a:ext cx="2987975" cy="1502449"/>
-          </a:xfrm>
-          <a:prstGeom prst="rect">
-            <a:avLst/>
-          </a:prstGeom>
-          <a:noFill/>
-          <a:ln>
-            <a:noFill/>
-          </a:ln>
-        </p:spPr>
-      </p:pic>
-      <p:pic>
-        <p:nvPicPr>
-          <p:cNvPr id="181" name="Google Shape;181;p29"/>
-          <p:cNvPicPr preferRelativeResize="0"/>
-          <p:nvPr/>
-        </p:nvPicPr>
-        <p:blipFill>
-          <a:blip r:embed="rId6">
-            <a:alphaModFix/>
-          </a:blip>
-          <a:stretch>
-            <a:fillRect/>
-          </a:stretch>
-        </p:blipFill>
-        <p:spPr>
-          <a:xfrm>
-            <a:off x="1541525" y="2940350"/>
-            <a:ext cx="5479526" cy="1206675"/>
-          </a:xfrm>
-          <a:prstGeom prst="rect">
-            <a:avLst/>
-          </a:prstGeom>
-          <a:noFill/>
-          <a:ln>
-            <a:noFill/>
-          </a:ln>
-        </p:spPr>
-      </p:pic>
-      <p:pic>
-        <p:nvPicPr>
-          <p:cNvPr id="182" name="Google Shape;182;p29"/>
-          <p:cNvPicPr preferRelativeResize="0"/>
-          <p:nvPr/>
-        </p:nvPicPr>
-        <p:blipFill>
-          <a:blip r:embed="rId7">
-            <a:alphaModFix/>
-          </a:blip>
-          <a:stretch>
-            <a:fillRect/>
-          </a:stretch>
-        </p:blipFill>
-        <p:spPr>
-          <a:xfrm>
-            <a:off x="1213946" y="4277624"/>
-            <a:ext cx="6134682" cy="775825"/>
+            <a:off x="411475" y="1119650"/>
+            <a:ext cx="8409201" cy="656350"/>
           </a:xfrm>
           <a:prstGeom prst="rect">
             <a:avLst/>
@@ -9628,7 +9324,7 @@
     </p:bg>
     <p:spTree>
       <p:nvGrpSpPr>
-        <p:cNvPr id="186" name="Shape 186"/>
+        <p:cNvPr id="192" name="Shape 192"/>
         <p:cNvGrpSpPr/>
         <p:nvPr/>
       </p:nvGrpSpPr>
@@ -9642,7 +9338,7 @@
       </p:grpSpPr>
       <p:sp>
         <p:nvSpPr>
-          <p:cNvPr id="187" name="Google Shape;187;p30"/>
+          <p:cNvPr id="193" name="Google Shape;193;p30"/>
           <p:cNvSpPr txBox="1"/>
           <p:nvPr>
             <p:ph type="ctrTitle"/>
@@ -9650,8 +9346,8 @@
         </p:nvSpPr>
         <p:spPr>
           <a:xfrm>
-            <a:off x="386750" y="306350"/>
-            <a:ext cx="6595500" cy="827100"/>
+            <a:off x="342900" y="114300"/>
+            <a:ext cx="6629400" cy="1543200"/>
           </a:xfrm>
           <a:prstGeom prst="rect">
             <a:avLst/>
@@ -9683,7 +9379,7 @@
                 <a:cs typeface="Impact"/>
                 <a:sym typeface="Impact"/>
               </a:rPr>
-              <a:t>Machine Learning: Creating The Model</a:t>
+              <a:t>Machine Learning_Sentiment Analysis</a:t>
             </a:r>
             <a:endParaRPr sz="3600">
               <a:solidFill>
@@ -9699,7 +9395,7 @@
       </p:sp>
       <p:sp>
         <p:nvSpPr>
-          <p:cNvPr id="188" name="Google Shape;188;p30"/>
+          <p:cNvPr id="194" name="Google Shape;194;p30"/>
           <p:cNvSpPr txBox="1"/>
           <p:nvPr/>
         </p:nvSpPr>
@@ -9740,7 +9436,7 @@
       </p:sp>
       <p:pic>
         <p:nvPicPr>
-          <p:cNvPr id="189" name="Google Shape;189;p30"/>
+          <p:cNvPr id="195" name="Google Shape;195;p30"/>
           <p:cNvPicPr preferRelativeResize="0"/>
           <p:nvPr/>
         </p:nvPicPr>
@@ -9754,8 +9450,8 @@
         </p:blipFill>
         <p:spPr>
           <a:xfrm>
-            <a:off x="3485775" y="3059050"/>
-            <a:ext cx="5415603" cy="1829882"/>
+            <a:off x="1893075" y="1498350"/>
+            <a:ext cx="3733325" cy="2389700"/>
           </a:xfrm>
           <a:prstGeom prst="rect">
             <a:avLst/>
@@ -9768,7 +9464,7 @@
       </p:pic>
       <p:pic>
         <p:nvPicPr>
-          <p:cNvPr id="190" name="Google Shape;190;p30"/>
+          <p:cNvPr id="196" name="Google Shape;196;p30"/>
           <p:cNvPicPr preferRelativeResize="0"/>
           <p:nvPr/>
         </p:nvPicPr>
@@ -9782,8 +9478,8 @@
         </p:blipFill>
         <p:spPr>
           <a:xfrm>
-            <a:off x="221575" y="1133438"/>
-            <a:ext cx="4079778" cy="1829874"/>
+            <a:off x="5364950" y="2940350"/>
+            <a:ext cx="3455175" cy="1874025"/>
           </a:xfrm>
           <a:prstGeom prst="rect">
             <a:avLst/>
@@ -9807,14 +9503,19 @@
   <p:cSld>
     <p:bg>
       <p:bgPr>
-        <a:solidFill>
-          <a:srgbClr val="9841A6"/>
-        </a:solidFill>
+        <a:blipFill>
+          <a:blip r:embed="rId3">
+            <a:alphaModFix/>
+          </a:blip>
+          <a:stretch>
+            <a:fillRect/>
+          </a:stretch>
+        </a:blipFill>
       </p:bgPr>
     </p:bg>
     <p:spTree>
       <p:nvGrpSpPr>
-        <p:cNvPr id="194" name="Shape 194"/>
+        <p:cNvPr id="200" name="Shape 200"/>
         <p:cNvGrpSpPr/>
         <p:nvPr/>
       </p:nvGrpSpPr>
@@ -9828,94 +9529,52 @@
       </p:grpSpPr>
       <p:sp>
         <p:nvSpPr>
-          <p:cNvPr id="195" name="Google Shape;195;p31"/>
+          <p:cNvPr id="201" name="Google Shape;201;p31"/>
           <p:cNvSpPr txBox="1"/>
           <p:nvPr>
-            <p:ph idx="1" type="body"/>
+            <p:ph type="ctrTitle"/>
           </p:nvPr>
         </p:nvSpPr>
         <p:spPr>
           <a:xfrm>
-            <a:off x="411475" y="1074875"/>
-            <a:ext cx="8520600" cy="3416400"/>
+            <a:off x="-56250" y="922925"/>
+            <a:ext cx="7732200" cy="776700"/>
           </a:xfrm>
           <a:prstGeom prst="rect">
             <a:avLst/>
           </a:prstGeom>
         </p:spPr>
         <p:txBody>
-          <a:bodyPr anchorCtr="0" anchor="t" bIns="91425" lIns="91425" spcFirstLastPara="1" rIns="91425" wrap="square" tIns="91425">
-            <a:normAutofit/>
+          <a:bodyPr anchorCtr="0" anchor="b" bIns="91425" lIns="91425" spcFirstLastPara="1" rIns="91425" wrap="square" tIns="91425">
+            <a:noAutofit/>
           </a:bodyPr>
           <a:lstStyle/>
           <a:p>
-            <a:pPr indent="0" lvl="0" marL="0" rtl="0" algn="l">
-              <a:spcBef>
-                <a:spcPts val="0"/>
-              </a:spcBef>
-              <a:spcAft>
-                <a:spcPts val="1200"/>
-              </a:spcAft>
+            <a:pPr indent="0" lvl="0" marL="0" rtl="0" algn="ctr">
+              <a:spcBef>
+                <a:spcPts val="0"/>
+              </a:spcBef>
+              <a:spcAft>
+                <a:spcPts val="0"/>
+              </a:spcAft>
+              <a:buSzPts val="990"/>
               <a:buNone/>
             </a:pPr>
             <a:r>
-              <a:t/>
-            </a:r>
-            <a:endParaRPr>
-              <a:solidFill>
-                <a:schemeClr val="lt1"/>
-              </a:solidFill>
-            </a:endParaRPr>
-          </a:p>
-        </p:txBody>
-      </p:sp>
-      <p:sp>
-        <p:nvSpPr>
-          <p:cNvPr id="196" name="Google Shape;196;p31"/>
-          <p:cNvSpPr txBox="1"/>
-          <p:nvPr>
-            <p:ph idx="4294967295" type="ctrTitle"/>
-          </p:nvPr>
-        </p:nvSpPr>
-        <p:spPr>
-          <a:xfrm>
-            <a:off x="411475" y="399050"/>
-            <a:ext cx="3857700" cy="720600"/>
-          </a:xfrm>
-          <a:prstGeom prst="rect">
-            <a:avLst/>
-          </a:prstGeom>
-        </p:spPr>
-        <p:txBody>
-          <a:bodyPr anchorCtr="0" anchor="t" bIns="91425" lIns="91425" spcFirstLastPara="1" rIns="91425" wrap="square" tIns="91425">
-            <a:normAutofit/>
-          </a:bodyPr>
-          <a:lstStyle/>
-          <a:p>
-            <a:pPr indent="0" lvl="0" marL="0" rtl="0" algn="l">
-              <a:spcBef>
-                <a:spcPts val="0"/>
-              </a:spcBef>
-              <a:spcAft>
-                <a:spcPts val="0"/>
-              </a:spcAft>
-              <a:buNone/>
-            </a:pPr>
-            <a:r>
-              <a:rPr lang="en">
+              <a:rPr lang="en" sz="4980">
                 <a:solidFill>
-                  <a:schemeClr val="lt1"/>
+                  <a:srgbClr val="9840A6"/>
                 </a:solidFill>
                 <a:latin typeface="Impact"/>
                 <a:ea typeface="Impact"/>
                 <a:cs typeface="Impact"/>
                 <a:sym typeface="Impact"/>
               </a:rPr>
-              <a:t>Findings</a:t>
+              <a:t>Wine Selector Website</a:t>
             </a:r>
-            <a:endParaRPr>
+            <a:endParaRPr sz="4980">
               <a:solidFill>
-                <a:schemeClr val="lt1"/>
+                <a:srgbClr val="9840A6"/>
               </a:solidFill>
               <a:latin typeface="Impact"/>
               <a:ea typeface="Impact"/>
@@ -9925,24 +9584,16 @@
           </a:p>
         </p:txBody>
       </p:sp>
-      <p:pic>
-        <p:nvPicPr>
-          <p:cNvPr id="197" name="Google Shape;197;p31"/>
-          <p:cNvPicPr preferRelativeResize="0"/>
+      <p:sp>
+        <p:nvSpPr>
+          <p:cNvPr id="202" name="Google Shape;202;p31"/>
+          <p:cNvSpPr txBox="1"/>
           <p:nvPr/>
-        </p:nvPicPr>
-        <p:blipFill>
-          <a:blip r:embed="rId3">
-            <a:alphaModFix/>
-          </a:blip>
-          <a:stretch>
-            <a:fillRect/>
-          </a:stretch>
-        </p:blipFill>
-        <p:spPr>
-          <a:xfrm>
-            <a:off x="411475" y="3223625"/>
-            <a:ext cx="8409201" cy="993665"/>
+        </p:nvSpPr>
+        <p:spPr>
+          <a:xfrm>
+            <a:off x="4549525" y="2540150"/>
+            <a:ext cx="1301700" cy="400200"/>
           </a:xfrm>
           <a:prstGeom prst="rect">
             <a:avLst/>
@@ -9952,63 +9603,113 @@
             <a:noFill/>
           </a:ln>
         </p:spPr>
-      </p:pic>
-      <p:pic>
-        <p:nvPicPr>
-          <p:cNvPr id="198" name="Google Shape;198;p31"/>
-          <p:cNvPicPr preferRelativeResize="0"/>
-          <p:nvPr/>
-        </p:nvPicPr>
-        <p:blipFill>
-          <a:blip r:embed="rId4">
-            <a:alphaModFix/>
-          </a:blip>
-          <a:stretch>
-            <a:fillRect/>
-          </a:stretch>
-        </p:blipFill>
-        <p:spPr>
-          <a:xfrm>
-            <a:off x="411475" y="2034400"/>
-            <a:ext cx="8409201" cy="930825"/>
-          </a:xfrm>
-          <a:prstGeom prst="rect">
-            <a:avLst/>
-          </a:prstGeom>
-          <a:noFill/>
-          <a:ln>
-            <a:noFill/>
-          </a:ln>
-        </p:spPr>
-      </p:pic>
-      <p:pic>
-        <p:nvPicPr>
-          <p:cNvPr id="199" name="Google Shape;199;p31"/>
-          <p:cNvPicPr preferRelativeResize="0"/>
-          <p:nvPr/>
-        </p:nvPicPr>
-        <p:blipFill>
-          <a:blip r:embed="rId5">
-            <a:alphaModFix/>
-          </a:blip>
-          <a:stretch>
-            <a:fillRect/>
-          </a:stretch>
-        </p:blipFill>
-        <p:spPr>
-          <a:xfrm>
-            <a:off x="411475" y="1119650"/>
-            <a:ext cx="8409201" cy="656350"/>
-          </a:xfrm>
-          <a:prstGeom prst="rect">
-            <a:avLst/>
-          </a:prstGeom>
-          <a:noFill/>
-          <a:ln>
-            <a:noFill/>
-          </a:ln>
-        </p:spPr>
-      </p:pic>
+        <p:txBody>
+          <a:bodyPr anchorCtr="0" anchor="t" bIns="91425" lIns="91425" spcFirstLastPara="1" rIns="91425" wrap="square" tIns="91425">
+            <a:spAutoFit/>
+          </a:bodyPr>
+          <a:lstStyle/>
+          <a:p>
+            <a:pPr indent="0" lvl="0" marL="0" rtl="0" algn="l">
+              <a:spcBef>
+                <a:spcPts val="0"/>
+              </a:spcBef>
+              <a:spcAft>
+                <a:spcPts val="0"/>
+              </a:spcAft>
+              <a:buNone/>
+            </a:pPr>
+            <a:r>
+              <a:t/>
+            </a:r>
+            <a:endParaRPr/>
+          </a:p>
+        </p:txBody>
+      </p:sp>
+      <p:sp>
+        <p:nvSpPr>
+          <p:cNvPr id="203" name="Google Shape;203;p31"/>
+          <p:cNvSpPr txBox="1"/>
+          <p:nvPr>
+            <p:ph idx="1" type="subTitle"/>
+          </p:nvPr>
+        </p:nvSpPr>
+        <p:spPr>
+          <a:xfrm>
+            <a:off x="2451050" y="2317250"/>
+            <a:ext cx="5765100" cy="2582400"/>
+          </a:xfrm>
+          <a:prstGeom prst="rect">
+            <a:avLst/>
+          </a:prstGeom>
+        </p:spPr>
+        <p:txBody>
+          <a:bodyPr anchorCtr="0" anchor="t" bIns="91425" lIns="91425" spcFirstLastPara="1" rIns="91425" wrap="square" tIns="91425">
+            <a:noAutofit/>
+          </a:bodyPr>
+          <a:lstStyle/>
+          <a:p>
+            <a:pPr indent="0" lvl="0" marL="0" rtl="0" algn="l">
+              <a:lnSpc>
+                <a:spcPct val="95000"/>
+              </a:lnSpc>
+              <a:spcBef>
+                <a:spcPts val="300"/>
+              </a:spcBef>
+              <a:spcAft>
+                <a:spcPts val="0"/>
+              </a:spcAft>
+              <a:buNone/>
+            </a:pPr>
+            <a:r>
+              <a:rPr b="1" lang="en" sz="1500">
+                <a:solidFill>
+                  <a:srgbClr val="9840A6"/>
+                </a:solidFill>
+                <a:highlight>
+                  <a:srgbClr val="FFFFFF"/>
+                </a:highlight>
+              </a:rPr>
+              <a:t>An additional aspect of this project was to create a website using JavaScript and HTML that allows users to filter through the WineEnthusiast data and select a wine according to their specific tastes. You are able to select some or all of the categories and type whatever you like, and the selector tool will draw from the dataset and show you all or any of the wines that match your search.</a:t>
+            </a:r>
+            <a:r>
+              <a:rPr b="1" lang="en" sz="1510">
+                <a:solidFill>
+                  <a:srgbClr val="9840A6"/>
+                </a:solidFill>
+              </a:rPr>
+              <a:t> </a:t>
+            </a:r>
+            <a:endParaRPr b="1" sz="1510">
+              <a:solidFill>
+                <a:srgbClr val="9840A6"/>
+              </a:solidFill>
+            </a:endParaRPr>
+          </a:p>
+          <a:p>
+            <a:pPr indent="0" lvl="0" marL="0" rtl="0" algn="l">
+              <a:lnSpc>
+                <a:spcPct val="80000"/>
+              </a:lnSpc>
+              <a:spcBef>
+                <a:spcPts val="1200"/>
+              </a:spcBef>
+              <a:spcAft>
+                <a:spcPts val="0"/>
+              </a:spcAft>
+              <a:buSzPts val="1018"/>
+              <a:buNone/>
+            </a:pPr>
+            <a:r>
+              <a:t/>
+            </a:r>
+            <a:endParaRPr sz="1110">
+              <a:solidFill>
+                <a:srgbClr val="9840A6"/>
+              </a:solidFill>
+            </a:endParaRPr>
+          </a:p>
+        </p:txBody>
+      </p:sp>
     </p:spTree>
   </p:cSld>
   <p:clrMapOvr>
@@ -10248,19 +9949,14 @@
   <p:cSld>
     <p:bg>
       <p:bgPr>
-        <a:blipFill>
-          <a:blip r:embed="rId3">
-            <a:alphaModFix/>
-          </a:blip>
-          <a:stretch>
-            <a:fillRect/>
-          </a:stretch>
-        </a:blipFill>
+        <a:solidFill>
+          <a:srgbClr val="9841A6"/>
+        </a:solidFill>
       </p:bgPr>
     </p:bg>
     <p:spTree>
       <p:nvGrpSpPr>
-        <p:cNvPr id="203" name="Shape 203"/>
+        <p:cNvPr id="207" name="Shape 207"/>
         <p:cNvGrpSpPr/>
         <p:nvPr/>
       </p:nvGrpSpPr>
@@ -10272,112 +9968,14 @@
           <a:chExt cx="0" cy="0"/>
         </a:xfrm>
       </p:grpSpPr>
-      <p:sp>
-        <p:nvSpPr>
-          <p:cNvPr id="204" name="Google Shape;204;p32"/>
-          <p:cNvSpPr txBox="1"/>
-          <p:nvPr>
-            <p:ph type="ctrTitle"/>
-          </p:nvPr>
-        </p:nvSpPr>
-        <p:spPr>
-          <a:xfrm>
-            <a:off x="342900" y="114300"/>
-            <a:ext cx="6629400" cy="1543200"/>
-          </a:xfrm>
-          <a:prstGeom prst="rect">
-            <a:avLst/>
-          </a:prstGeom>
-        </p:spPr>
-        <p:txBody>
-          <a:bodyPr anchorCtr="0" anchor="b" bIns="91425" lIns="91425" spcFirstLastPara="1" rIns="91425" wrap="square" tIns="91425">
-            <a:noAutofit/>
-          </a:bodyPr>
-          <a:lstStyle/>
-          <a:p>
-            <a:pPr indent="0" lvl="0" marL="0" rtl="0" algn="l">
-              <a:spcBef>
-                <a:spcPts val="0"/>
-              </a:spcBef>
-              <a:spcAft>
-                <a:spcPts val="0"/>
-              </a:spcAft>
-              <a:buSzPts val="990"/>
-              <a:buNone/>
-            </a:pPr>
-            <a:r>
-              <a:rPr lang="en" sz="3600">
-                <a:solidFill>
-                  <a:srgbClr val="9840A6"/>
-                </a:solidFill>
-                <a:latin typeface="Impact"/>
-                <a:ea typeface="Impact"/>
-                <a:cs typeface="Impact"/>
-                <a:sym typeface="Impact"/>
-              </a:rPr>
-              <a:t>Machine Learning_Sentiment Analysis</a:t>
-            </a:r>
-            <a:endParaRPr sz="3600">
-              <a:solidFill>
-                <a:srgbClr val="9840A6"/>
-              </a:solidFill>
-              <a:latin typeface="Impact"/>
-              <a:ea typeface="Impact"/>
-              <a:cs typeface="Impact"/>
-              <a:sym typeface="Impact"/>
-            </a:endParaRPr>
-          </a:p>
-        </p:txBody>
-      </p:sp>
-      <p:sp>
-        <p:nvSpPr>
-          <p:cNvPr id="205" name="Google Shape;205;p32"/>
-          <p:cNvSpPr txBox="1"/>
-          <p:nvPr/>
-        </p:nvSpPr>
-        <p:spPr>
-          <a:xfrm>
-            <a:off x="4549525" y="2540150"/>
-            <a:ext cx="1301700" cy="400200"/>
-          </a:xfrm>
-          <a:prstGeom prst="rect">
-            <a:avLst/>
-          </a:prstGeom>
-          <a:noFill/>
-          <a:ln>
-            <a:noFill/>
-          </a:ln>
-        </p:spPr>
-        <p:txBody>
-          <a:bodyPr anchorCtr="0" anchor="t" bIns="91425" lIns="91425" spcFirstLastPara="1" rIns="91425" wrap="square" tIns="91425">
-            <a:spAutoFit/>
-          </a:bodyPr>
-          <a:lstStyle/>
-          <a:p>
-            <a:pPr indent="0" lvl="0" marL="0" rtl="0" algn="l">
-              <a:spcBef>
-                <a:spcPts val="0"/>
-              </a:spcBef>
-              <a:spcAft>
-                <a:spcPts val="0"/>
-              </a:spcAft>
-              <a:buNone/>
-            </a:pPr>
-            <a:r>
-              <a:t/>
-            </a:r>
-            <a:endParaRPr/>
-          </a:p>
-        </p:txBody>
-      </p:sp>
       <p:pic>
         <p:nvPicPr>
-          <p:cNvPr id="206" name="Google Shape;206;p32"/>
+          <p:cNvPr id="208" name="Google Shape;208;p32"/>
           <p:cNvPicPr preferRelativeResize="0"/>
           <p:nvPr/>
         </p:nvPicPr>
         <p:blipFill>
-          <a:blip r:embed="rId4">
+          <a:blip r:embed="rId3">
             <a:alphaModFix/>
           </a:blip>
           <a:stretch>
@@ -10386,36 +9984,8 @@
         </p:blipFill>
         <p:spPr>
           <a:xfrm>
-            <a:off x="1893075" y="1498350"/>
-            <a:ext cx="3733325" cy="2389700"/>
-          </a:xfrm>
-          <a:prstGeom prst="rect">
-            <a:avLst/>
-          </a:prstGeom>
-          <a:noFill/>
-          <a:ln>
-            <a:noFill/>
-          </a:ln>
-        </p:spPr>
-      </p:pic>
-      <p:pic>
-        <p:nvPicPr>
-          <p:cNvPr id="207" name="Google Shape;207;p32"/>
-          <p:cNvPicPr preferRelativeResize="0"/>
-          <p:nvPr/>
-        </p:nvPicPr>
-        <p:blipFill>
-          <a:blip r:embed="rId5">
-            <a:alphaModFix/>
-          </a:blip>
-          <a:stretch>
-            <a:fillRect/>
-          </a:stretch>
-        </p:blipFill>
-        <p:spPr>
-          <a:xfrm>
-            <a:off x="5364950" y="2940350"/>
-            <a:ext cx="3455175" cy="1874025"/>
+            <a:off x="964250" y="1067250"/>
+            <a:ext cx="7215498" cy="3209626"/>
           </a:xfrm>
           <a:prstGeom prst="rect">
             <a:avLst/>
@@ -10439,19 +10009,14 @@
   <p:cSld>
     <p:bg>
       <p:bgPr>
-        <a:blipFill>
-          <a:blip r:embed="rId3">
-            <a:alphaModFix/>
-          </a:blip>
-          <a:stretch>
-            <a:fillRect/>
-          </a:stretch>
-        </a:blipFill>
+        <a:solidFill>
+          <a:srgbClr val="9840A6"/>
+        </a:solidFill>
       </p:bgPr>
     </p:bg>
     <p:spTree>
       <p:nvGrpSpPr>
-        <p:cNvPr id="211" name="Shape 211"/>
+        <p:cNvPr id="212" name="Shape 212"/>
         <p:cNvGrpSpPr/>
         <p:nvPr/>
       </p:nvGrpSpPr>
@@ -10463,73 +10028,24 @@
           <a:chExt cx="0" cy="0"/>
         </a:xfrm>
       </p:grpSpPr>
-      <p:sp>
-        <p:nvSpPr>
-          <p:cNvPr id="212" name="Google Shape;212;p33"/>
-          <p:cNvSpPr txBox="1"/>
-          <p:nvPr>
-            <p:ph type="ctrTitle"/>
-          </p:nvPr>
-        </p:nvSpPr>
-        <p:spPr>
-          <a:xfrm>
-            <a:off x="918425" y="1285850"/>
-            <a:ext cx="4866300" cy="720600"/>
-          </a:xfrm>
-          <a:prstGeom prst="rect">
-            <a:avLst/>
-          </a:prstGeom>
-        </p:spPr>
-        <p:txBody>
-          <a:bodyPr anchorCtr="0" anchor="b" bIns="91425" lIns="91425" spcFirstLastPara="1" rIns="91425" wrap="square" tIns="91425">
-            <a:noAutofit/>
-          </a:bodyPr>
-          <a:lstStyle/>
-          <a:p>
-            <a:pPr indent="0" lvl="0" marL="0" rtl="0" algn="ctr">
-              <a:spcBef>
-                <a:spcPts val="0"/>
-              </a:spcBef>
-              <a:spcAft>
-                <a:spcPts val="0"/>
-              </a:spcAft>
-              <a:buSzPts val="990"/>
-              <a:buNone/>
-            </a:pPr>
-            <a:r>
-              <a:rPr lang="en" sz="4980">
-                <a:solidFill>
-                  <a:srgbClr val="9840A6"/>
-                </a:solidFill>
-                <a:latin typeface="Impact"/>
-                <a:ea typeface="Impact"/>
-                <a:cs typeface="Impact"/>
-                <a:sym typeface="Impact"/>
-              </a:rPr>
-              <a:t>Wine Selector Website</a:t>
-            </a:r>
-            <a:endParaRPr sz="4980">
-              <a:solidFill>
-                <a:srgbClr val="9840A6"/>
-              </a:solidFill>
-              <a:latin typeface="Impact"/>
-              <a:ea typeface="Impact"/>
-              <a:cs typeface="Impact"/>
-              <a:sym typeface="Impact"/>
-            </a:endParaRPr>
-          </a:p>
-        </p:txBody>
-      </p:sp>
-      <p:sp>
-        <p:nvSpPr>
+      <p:pic>
+        <p:nvPicPr>
           <p:cNvPr id="213" name="Google Shape;213;p33"/>
-          <p:cNvSpPr txBox="1"/>
+          <p:cNvPicPr preferRelativeResize="0"/>
           <p:nvPr/>
-        </p:nvSpPr>
-        <p:spPr>
-          <a:xfrm>
-            <a:off x="4549525" y="2540150"/>
-            <a:ext cx="1301700" cy="400200"/>
+        </p:nvPicPr>
+        <p:blipFill>
+          <a:blip r:embed="rId3">
+            <a:alphaModFix/>
+          </a:blip>
+          <a:stretch>
+            <a:fillRect/>
+          </a:stretch>
+        </p:blipFill>
+        <p:spPr>
+          <a:xfrm>
+            <a:off x="1111963" y="715150"/>
+            <a:ext cx="6920074" cy="4000674"/>
           </a:xfrm>
           <a:prstGeom prst="rect">
             <a:avLst/>
@@ -10539,113 +10055,7 @@
             <a:noFill/>
           </a:ln>
         </p:spPr>
-        <p:txBody>
-          <a:bodyPr anchorCtr="0" anchor="t" bIns="91425" lIns="91425" spcFirstLastPara="1" rIns="91425" wrap="square" tIns="91425">
-            <a:spAutoFit/>
-          </a:bodyPr>
-          <a:lstStyle/>
-          <a:p>
-            <a:pPr indent="0" lvl="0" marL="0" rtl="0" algn="l">
-              <a:spcBef>
-                <a:spcPts val="0"/>
-              </a:spcBef>
-              <a:spcAft>
-                <a:spcPts val="0"/>
-              </a:spcAft>
-              <a:buNone/>
-            </a:pPr>
-            <a:r>
-              <a:t/>
-            </a:r>
-            <a:endParaRPr/>
-          </a:p>
-        </p:txBody>
-      </p:sp>
-      <p:sp>
-        <p:nvSpPr>
-          <p:cNvPr id="214" name="Google Shape;214;p33"/>
-          <p:cNvSpPr txBox="1"/>
-          <p:nvPr>
-            <p:ph idx="1" type="subTitle"/>
-          </p:nvPr>
-        </p:nvSpPr>
-        <p:spPr>
-          <a:xfrm>
-            <a:off x="2451050" y="2317250"/>
-            <a:ext cx="5765100" cy="2582400"/>
-          </a:xfrm>
-          <a:prstGeom prst="rect">
-            <a:avLst/>
-          </a:prstGeom>
-        </p:spPr>
-        <p:txBody>
-          <a:bodyPr anchorCtr="0" anchor="t" bIns="91425" lIns="91425" spcFirstLastPara="1" rIns="91425" wrap="square" tIns="91425">
-            <a:noAutofit/>
-          </a:bodyPr>
-          <a:lstStyle/>
-          <a:p>
-            <a:pPr indent="0" lvl="0" marL="0" rtl="0" algn="l">
-              <a:lnSpc>
-                <a:spcPct val="95000"/>
-              </a:lnSpc>
-              <a:spcBef>
-                <a:spcPts val="300"/>
-              </a:spcBef>
-              <a:spcAft>
-                <a:spcPts val="0"/>
-              </a:spcAft>
-              <a:buNone/>
-            </a:pPr>
-            <a:r>
-              <a:rPr b="1" lang="en" sz="1500">
-                <a:solidFill>
-                  <a:srgbClr val="9840A6"/>
-                </a:solidFill>
-                <a:highlight>
-                  <a:srgbClr val="FFFFFF"/>
-                </a:highlight>
-              </a:rPr>
-              <a:t>An additional aspect of this project was to create a website using JavaScript and HTML that allows users to filter through the WineEnthusiast data and select a wine according to their specific tastes. You are able to select some or all of the categories and type whatever you like, and the selector tool will draw from the dataset and show you all or any of the wines that match your search.</a:t>
-            </a:r>
-            <a:r>
-              <a:rPr b="1" lang="en" sz="1510">
-                <a:solidFill>
-                  <a:srgbClr val="9840A6"/>
-                </a:solidFill>
-              </a:rPr>
-              <a:t> </a:t>
-            </a:r>
-            <a:endParaRPr b="1" sz="1510">
-              <a:solidFill>
-                <a:srgbClr val="9840A6"/>
-              </a:solidFill>
-            </a:endParaRPr>
-          </a:p>
-          <a:p>
-            <a:pPr indent="0" lvl="0" marL="0" rtl="0" algn="l">
-              <a:lnSpc>
-                <a:spcPct val="80000"/>
-              </a:lnSpc>
-              <a:spcBef>
-                <a:spcPts val="1200"/>
-              </a:spcBef>
-              <a:spcAft>
-                <a:spcPts val="0"/>
-              </a:spcAft>
-              <a:buSzPts val="1018"/>
-              <a:buNone/>
-            </a:pPr>
-            <a:r>
-              <a:t/>
-            </a:r>
-            <a:endParaRPr sz="1110">
-              <a:solidFill>
-                <a:srgbClr val="9840A6"/>
-              </a:solidFill>
-            </a:endParaRPr>
-          </a:p>
-        </p:txBody>
-      </p:sp>
+      </p:pic>
     </p:spTree>
   </p:cSld>
   <p:clrMapOvr>
@@ -10660,13 +10070,13 @@
     <p:bg>
       <p:bgPr>
         <a:solidFill>
-          <a:srgbClr val="9841A6"/>
+          <a:srgbClr val="9840A6"/>
         </a:solidFill>
       </p:bgPr>
     </p:bg>
     <p:spTree>
       <p:nvGrpSpPr>
-        <p:cNvPr id="218" name="Shape 218"/>
+        <p:cNvPr id="217" name="Shape 217"/>
         <p:cNvGrpSpPr/>
         <p:nvPr/>
       </p:nvGrpSpPr>
@@ -10678,189 +10088,9 @@
           <a:chExt cx="0" cy="0"/>
         </a:xfrm>
       </p:grpSpPr>
-      <p:pic>
-        <p:nvPicPr>
-          <p:cNvPr id="219" name="Google Shape;219;p34"/>
-          <p:cNvPicPr preferRelativeResize="0"/>
-          <p:nvPr/>
-        </p:nvPicPr>
-        <p:blipFill>
-          <a:blip r:embed="rId3">
-            <a:alphaModFix/>
-          </a:blip>
-          <a:stretch>
-            <a:fillRect/>
-          </a:stretch>
-        </p:blipFill>
-        <p:spPr>
-          <a:xfrm>
-            <a:off x="152400" y="605800"/>
-            <a:ext cx="8839204" cy="3931892"/>
-          </a:xfrm>
-          <a:prstGeom prst="rect">
-            <a:avLst/>
-          </a:prstGeom>
-          <a:noFill/>
-          <a:ln>
-            <a:noFill/>
-          </a:ln>
-        </p:spPr>
-      </p:pic>
-    </p:spTree>
-  </p:cSld>
-  <p:clrMapOvr>
-    <a:masterClrMapping/>
-  </p:clrMapOvr>
-</p:sld>
-</file>
-
-<file path=ppt/slides/slide23.xml><?xml version="1.0" encoding="utf-8"?>
-<p:sld xmlns:a="http://schemas.openxmlformats.org/drawingml/2006/main" xmlns:r="http://schemas.openxmlformats.org/officeDocument/2006/relationships" xmlns:mc="http://schemas.openxmlformats.org/markup-compatibility/2006" xmlns:mv="urn:schemas-microsoft-com:mac:vml" xmlns:p="http://schemas.openxmlformats.org/presentationml/2006/main" xmlns:c="http://schemas.openxmlformats.org/drawingml/2006/chart" xmlns:dgm="http://schemas.openxmlformats.org/drawingml/2006/diagram" xmlns:o="urn:schemas-microsoft-com:office:office" xmlns:v="urn:schemas-microsoft-com:vml" xmlns:pvml="urn:schemas-microsoft-com:office:powerpoint" xmlns:com="http://schemas.openxmlformats.org/drawingml/2006/compatibility" xmlns:p14="http://schemas.microsoft.com/office/powerpoint/2010/main" xmlns:p15="http://schemas.microsoft.com/office/powerpoint/2012/main" xmlns:ahyp="http://schemas.microsoft.com/office/drawing/2018/hyperlinkcolor">
-  <p:cSld>
-    <p:bg>
-      <p:bgPr>
-        <a:solidFill>
-          <a:srgbClr val="9840A6"/>
-        </a:solidFill>
-      </p:bgPr>
-    </p:bg>
-    <p:spTree>
-      <p:nvGrpSpPr>
-        <p:cNvPr id="223" name="Shape 223"/>
-        <p:cNvGrpSpPr/>
-        <p:nvPr/>
-      </p:nvGrpSpPr>
-      <p:grpSpPr>
-        <a:xfrm>
-          <a:off x="0" y="0"/>
-          <a:ext cx="0" cy="0"/>
-          <a:chOff x="0" y="0"/>
-          <a:chExt cx="0" cy="0"/>
-        </a:xfrm>
-      </p:grpSpPr>
-      <p:pic>
-        <p:nvPicPr>
-          <p:cNvPr id="224" name="Google Shape;224;p35"/>
-          <p:cNvPicPr preferRelativeResize="0"/>
-          <p:nvPr/>
-        </p:nvPicPr>
-        <p:blipFill>
-          <a:blip r:embed="rId3">
-            <a:alphaModFix/>
-          </a:blip>
-          <a:stretch>
-            <a:fillRect/>
-          </a:stretch>
-        </p:blipFill>
-        <p:spPr>
-          <a:xfrm>
-            <a:off x="387175" y="152400"/>
-            <a:ext cx="8369644" cy="4838700"/>
-          </a:xfrm>
-          <a:prstGeom prst="rect">
-            <a:avLst/>
-          </a:prstGeom>
-          <a:noFill/>
-          <a:ln>
-            <a:noFill/>
-          </a:ln>
-        </p:spPr>
-      </p:pic>
-    </p:spTree>
-  </p:cSld>
-  <p:clrMapOvr>
-    <a:masterClrMapping/>
-  </p:clrMapOvr>
-</p:sld>
-</file>
-
-<file path=ppt/slides/slide24.xml><?xml version="1.0" encoding="utf-8"?>
-<p:sld xmlns:a="http://schemas.openxmlformats.org/drawingml/2006/main" xmlns:r="http://schemas.openxmlformats.org/officeDocument/2006/relationships" xmlns:mc="http://schemas.openxmlformats.org/markup-compatibility/2006" xmlns:mv="urn:schemas-microsoft-com:mac:vml" xmlns:p="http://schemas.openxmlformats.org/presentationml/2006/main" xmlns:c="http://schemas.openxmlformats.org/drawingml/2006/chart" xmlns:dgm="http://schemas.openxmlformats.org/drawingml/2006/diagram" xmlns:o="urn:schemas-microsoft-com:office:office" xmlns:v="urn:schemas-microsoft-com:vml" xmlns:pvml="urn:schemas-microsoft-com:office:powerpoint" xmlns:com="http://schemas.openxmlformats.org/drawingml/2006/compatibility" xmlns:p14="http://schemas.microsoft.com/office/powerpoint/2010/main" xmlns:p15="http://schemas.microsoft.com/office/powerpoint/2012/main" xmlns:ahyp="http://schemas.microsoft.com/office/drawing/2018/hyperlinkcolor">
-  <p:cSld>
-    <p:bg>
-      <p:bgPr>
-        <a:solidFill>
-          <a:srgbClr val="9840A6"/>
-        </a:solidFill>
-      </p:bgPr>
-    </p:bg>
-    <p:spTree>
-      <p:nvGrpSpPr>
-        <p:cNvPr id="228" name="Shape 228"/>
-        <p:cNvGrpSpPr/>
-        <p:nvPr/>
-      </p:nvGrpSpPr>
-      <p:grpSpPr>
-        <a:xfrm>
-          <a:off x="0" y="0"/>
-          <a:ext cx="0" cy="0"/>
-          <a:chOff x="0" y="0"/>
-          <a:chExt cx="0" cy="0"/>
-        </a:xfrm>
-      </p:grpSpPr>
-      <p:pic>
-        <p:nvPicPr>
-          <p:cNvPr id="229" name="Google Shape;229;p36"/>
-          <p:cNvPicPr preferRelativeResize="0"/>
-          <p:nvPr/>
-        </p:nvPicPr>
-        <p:blipFill>
-          <a:blip r:embed="rId3">
-            <a:alphaModFix/>
-          </a:blip>
-          <a:stretch>
-            <a:fillRect/>
-          </a:stretch>
-        </p:blipFill>
-        <p:spPr>
-          <a:xfrm>
-            <a:off x="152400" y="152400"/>
-            <a:ext cx="8839204" cy="4764883"/>
-          </a:xfrm>
-          <a:prstGeom prst="rect">
-            <a:avLst/>
-          </a:prstGeom>
-          <a:noFill/>
-          <a:ln>
-            <a:noFill/>
-          </a:ln>
-        </p:spPr>
-      </p:pic>
-    </p:spTree>
-  </p:cSld>
-  <p:clrMapOvr>
-    <a:masterClrMapping/>
-  </p:clrMapOvr>
-</p:sld>
-</file>
-
-<file path=ppt/slides/slide25.xml><?xml version="1.0" encoding="utf-8"?>
-<p:sld xmlns:a="http://schemas.openxmlformats.org/drawingml/2006/main" xmlns:r="http://schemas.openxmlformats.org/officeDocument/2006/relationships" xmlns:mc="http://schemas.openxmlformats.org/markup-compatibility/2006" xmlns:mv="urn:schemas-microsoft-com:mac:vml" xmlns:p="http://schemas.openxmlformats.org/presentationml/2006/main" xmlns:c="http://schemas.openxmlformats.org/drawingml/2006/chart" xmlns:dgm="http://schemas.openxmlformats.org/drawingml/2006/diagram" xmlns:o="urn:schemas-microsoft-com:office:office" xmlns:v="urn:schemas-microsoft-com:vml" xmlns:pvml="urn:schemas-microsoft-com:office:powerpoint" xmlns:com="http://schemas.openxmlformats.org/drawingml/2006/compatibility" xmlns:p14="http://schemas.microsoft.com/office/powerpoint/2010/main" xmlns:p15="http://schemas.microsoft.com/office/powerpoint/2012/main" xmlns:ahyp="http://schemas.microsoft.com/office/drawing/2018/hyperlinkcolor">
-  <p:cSld>
-    <p:bg>
-      <p:bgPr>
-        <a:solidFill>
-          <a:srgbClr val="9840A6"/>
-        </a:solidFill>
-      </p:bgPr>
-    </p:bg>
-    <p:spTree>
-      <p:nvGrpSpPr>
-        <p:cNvPr id="233" name="Shape 233"/>
-        <p:cNvGrpSpPr/>
-        <p:nvPr/>
-      </p:nvGrpSpPr>
-      <p:grpSpPr>
-        <a:xfrm>
-          <a:off x="0" y="0"/>
-          <a:ext cx="0" cy="0"/>
-          <a:chOff x="0" y="0"/>
-          <a:chExt cx="0" cy="0"/>
-        </a:xfrm>
-      </p:grpSpPr>
-      <p:sp>
-        <p:nvSpPr>
-          <p:cNvPr id="234" name="Google Shape;234;p37"/>
+      <p:sp>
+        <p:nvSpPr>
+          <p:cNvPr id="218" name="Google Shape;218;p34"/>
           <p:cNvSpPr txBox="1"/>
           <p:nvPr>
             <p:ph idx="4294967295" type="ctrTitle"/>
@@ -10917,7 +10147,7 @@
       </p:sp>
       <p:sp>
         <p:nvSpPr>
-          <p:cNvPr id="235" name="Google Shape;235;p37"/>
+          <p:cNvPr id="219" name="Google Shape;219;p34"/>
           <p:cNvSpPr txBox="1"/>
           <p:nvPr>
             <p:ph idx="4294967295" type="subTitle"/>
@@ -11146,8 +10376,8 @@
         </p:nvSpPr>
         <p:spPr>
           <a:xfrm>
-            <a:off x="720500" y="576450"/>
-            <a:ext cx="3314400" cy="787200"/>
+            <a:off x="262525" y="241600"/>
+            <a:ext cx="5309700" cy="1041900"/>
           </a:xfrm>
           <a:prstGeom prst="rect">
             <a:avLst/>
@@ -11179,7 +10409,7 @@
                 <a:cs typeface="Impact"/>
                 <a:sym typeface="Impact"/>
               </a:rPr>
-              <a:t>Data</a:t>
+              <a:t>Data Mappings</a:t>
             </a:r>
             <a:endParaRPr sz="5480">
               <a:solidFill>
@@ -11197,536 +10427,6 @@
         <p:nvSpPr>
           <p:cNvPr id="68" name="Google Shape;68;p15"/>
           <p:cNvSpPr txBox="1"/>
-          <p:nvPr>
-            <p:ph idx="1" type="subTitle"/>
-          </p:nvPr>
-        </p:nvSpPr>
-        <p:spPr>
-          <a:xfrm>
-            <a:off x="1407825" y="1441250"/>
-            <a:ext cx="6672000" cy="3657900"/>
-          </a:xfrm>
-          <a:prstGeom prst="rect">
-            <a:avLst/>
-          </a:prstGeom>
-        </p:spPr>
-        <p:txBody>
-          <a:bodyPr anchorCtr="0" anchor="t" bIns="91425" lIns="91425" spcFirstLastPara="1" rIns="91425" wrap="square" tIns="91425">
-            <a:noAutofit/>
-          </a:bodyPr>
-          <a:lstStyle/>
-          <a:p>
-            <a:pPr indent="-305435" lvl="0" marL="457200" rtl="0" algn="l">
-              <a:lnSpc>
-                <a:spcPct val="95000"/>
-              </a:lnSpc>
-              <a:spcBef>
-                <a:spcPts val="0"/>
-              </a:spcBef>
-              <a:spcAft>
-                <a:spcPts val="0"/>
-              </a:spcAft>
-              <a:buClr>
-                <a:srgbClr val="9840A6"/>
-              </a:buClr>
-              <a:buSzPts val="1210"/>
-              <a:buChar char="●"/>
-            </a:pPr>
-            <a:r>
-              <a:rPr lang="en" sz="1210">
-                <a:solidFill>
-                  <a:srgbClr val="9840A6"/>
-                </a:solidFill>
-              </a:rPr>
-              <a:t>Points: the number of points WineEnthusiast rated the wine on a scale of 1-100 </a:t>
-            </a:r>
-            <a:r>
-              <a:rPr lang="en" sz="1210">
-                <a:solidFill>
-                  <a:schemeClr val="lt1"/>
-                </a:solidFill>
-              </a:rPr>
-              <a:t>(through </a:t>
-            </a:r>
-            <a:r>
-              <a:rPr lang="en" sz="1210">
-                <a:solidFill>
-                  <a:srgbClr val="9840A6"/>
-                </a:solidFill>
-              </a:rPr>
-              <a:t>they say they only post reviews for wines that score &gt;=80)</a:t>
-            </a:r>
-            <a:endParaRPr sz="1210">
-              <a:solidFill>
-                <a:srgbClr val="9840A6"/>
-              </a:solidFill>
-            </a:endParaRPr>
-          </a:p>
-          <a:p>
-            <a:pPr indent="-305435" lvl="0" marL="457200" rtl="0" algn="l">
-              <a:lnSpc>
-                <a:spcPct val="95000"/>
-              </a:lnSpc>
-              <a:spcBef>
-                <a:spcPts val="0"/>
-              </a:spcBef>
-              <a:spcAft>
-                <a:spcPts val="0"/>
-              </a:spcAft>
-              <a:buClr>
-                <a:srgbClr val="9840A6"/>
-              </a:buClr>
-              <a:buSzPts val="1210"/>
-              <a:buChar char="●"/>
-            </a:pPr>
-            <a:r>
-              <a:rPr lang="en" sz="1210">
-                <a:solidFill>
-                  <a:srgbClr val="9840A6"/>
-                </a:solidFill>
-              </a:rPr>
-              <a:t>Title: the title of the wine review, which often contains the vintage if you're interested in extracting that feature</a:t>
-            </a:r>
-            <a:endParaRPr sz="1210">
-              <a:solidFill>
-                <a:srgbClr val="9840A6"/>
-              </a:solidFill>
-            </a:endParaRPr>
-          </a:p>
-          <a:p>
-            <a:pPr indent="-305435" lvl="0" marL="457200" rtl="0" algn="l">
-              <a:lnSpc>
-                <a:spcPct val="95000"/>
-              </a:lnSpc>
-              <a:spcBef>
-                <a:spcPts val="0"/>
-              </a:spcBef>
-              <a:spcAft>
-                <a:spcPts val="0"/>
-              </a:spcAft>
-              <a:buClr>
-                <a:srgbClr val="9840A6"/>
-              </a:buClr>
-              <a:buSzPts val="1210"/>
-              <a:buChar char="●"/>
-            </a:pPr>
-            <a:r>
-              <a:rPr lang="en" sz="1210">
-                <a:solidFill>
-                  <a:srgbClr val="9840A6"/>
-                </a:solidFill>
-              </a:rPr>
-              <a:t>Variety: the type of grapes used to make the wine (ie Pinot Noir)</a:t>
-            </a:r>
-            <a:endParaRPr sz="1210">
-              <a:solidFill>
-                <a:srgbClr val="9840A6"/>
-              </a:solidFill>
-            </a:endParaRPr>
-          </a:p>
-          <a:p>
-            <a:pPr indent="-305435" lvl="0" marL="457200" rtl="0" algn="l">
-              <a:lnSpc>
-                <a:spcPct val="95000"/>
-              </a:lnSpc>
-              <a:spcBef>
-                <a:spcPts val="0"/>
-              </a:spcBef>
-              <a:spcAft>
-                <a:spcPts val="0"/>
-              </a:spcAft>
-              <a:buClr>
-                <a:srgbClr val="9840A6"/>
-              </a:buClr>
-              <a:buSzPts val="1210"/>
-              <a:buChar char="●"/>
-            </a:pPr>
-            <a:r>
-              <a:rPr lang="en" sz="1210">
-                <a:solidFill>
-                  <a:srgbClr val="9840A6"/>
-                </a:solidFill>
-              </a:rPr>
-              <a:t>Description: a few sentences from a sommelier describing the wine's taste, smell, look, feel, etc.</a:t>
-            </a:r>
-            <a:endParaRPr sz="1210">
-              <a:solidFill>
-                <a:srgbClr val="9840A6"/>
-              </a:solidFill>
-            </a:endParaRPr>
-          </a:p>
-          <a:p>
-            <a:pPr indent="-305435" lvl="0" marL="457200" rtl="0" algn="l">
-              <a:lnSpc>
-                <a:spcPct val="95000"/>
-              </a:lnSpc>
-              <a:spcBef>
-                <a:spcPts val="0"/>
-              </a:spcBef>
-              <a:spcAft>
-                <a:spcPts val="0"/>
-              </a:spcAft>
-              <a:buClr>
-                <a:srgbClr val="9840A6"/>
-              </a:buClr>
-              <a:buSzPts val="1210"/>
-              <a:buChar char="●"/>
-            </a:pPr>
-            <a:r>
-              <a:rPr lang="en" sz="1210">
-                <a:solidFill>
-                  <a:srgbClr val="9840A6"/>
-                </a:solidFill>
-              </a:rPr>
-              <a:t>Country: the country that the wine is from</a:t>
-            </a:r>
-            <a:endParaRPr sz="1210">
-              <a:solidFill>
-                <a:srgbClr val="9840A6"/>
-              </a:solidFill>
-            </a:endParaRPr>
-          </a:p>
-          <a:p>
-            <a:pPr indent="-305435" lvl="0" marL="457200" rtl="0" algn="l">
-              <a:lnSpc>
-                <a:spcPct val="95000"/>
-              </a:lnSpc>
-              <a:spcBef>
-                <a:spcPts val="0"/>
-              </a:spcBef>
-              <a:spcAft>
-                <a:spcPts val="0"/>
-              </a:spcAft>
-              <a:buClr>
-                <a:srgbClr val="9840A6"/>
-              </a:buClr>
-              <a:buSzPts val="1210"/>
-              <a:buChar char="●"/>
-            </a:pPr>
-            <a:r>
-              <a:rPr lang="en" sz="1210">
-                <a:solidFill>
-                  <a:srgbClr val="9840A6"/>
-                </a:solidFill>
-              </a:rPr>
-              <a:t>Province: the province or state that the wine is from</a:t>
-            </a:r>
-            <a:endParaRPr sz="1210">
-              <a:solidFill>
-                <a:srgbClr val="9840A6"/>
-              </a:solidFill>
-            </a:endParaRPr>
-          </a:p>
-          <a:p>
-            <a:pPr indent="-305435" lvl="0" marL="457200" rtl="0" algn="l">
-              <a:lnSpc>
-                <a:spcPct val="95000"/>
-              </a:lnSpc>
-              <a:spcBef>
-                <a:spcPts val="0"/>
-              </a:spcBef>
-              <a:spcAft>
-                <a:spcPts val="0"/>
-              </a:spcAft>
-              <a:buClr>
-                <a:srgbClr val="9840A6"/>
-              </a:buClr>
-              <a:buSzPts val="1210"/>
-              <a:buChar char="●"/>
-            </a:pPr>
-            <a:r>
-              <a:rPr lang="en" sz="1210">
-                <a:solidFill>
-                  <a:srgbClr val="9840A6"/>
-                </a:solidFill>
-              </a:rPr>
-              <a:t>Region 1: the wine growing area in a province or state (ie Napa)</a:t>
-            </a:r>
-            <a:endParaRPr sz="1210">
-              <a:solidFill>
-                <a:srgbClr val="9840A6"/>
-              </a:solidFill>
-            </a:endParaRPr>
-          </a:p>
-          <a:p>
-            <a:pPr indent="-305435" lvl="0" marL="457200" rtl="0" algn="l">
-              <a:lnSpc>
-                <a:spcPct val="95000"/>
-              </a:lnSpc>
-              <a:spcBef>
-                <a:spcPts val="0"/>
-              </a:spcBef>
-              <a:spcAft>
-                <a:spcPts val="0"/>
-              </a:spcAft>
-              <a:buClr>
-                <a:srgbClr val="9840A6"/>
-              </a:buClr>
-              <a:buSzPts val="1210"/>
-              <a:buChar char="●"/>
-            </a:pPr>
-            <a:r>
-              <a:rPr lang="en" sz="1210">
-                <a:solidFill>
-                  <a:srgbClr val="9840A6"/>
-                </a:solidFill>
-              </a:rPr>
-              <a:t>Region 2: sometimes there are more specific regions specified within a wine growing </a:t>
-            </a:r>
-            <a:r>
-              <a:rPr lang="en" sz="1210">
-                <a:solidFill>
-                  <a:schemeClr val="lt1"/>
-                </a:solidFill>
-              </a:rPr>
-              <a:t>a</a:t>
-            </a:r>
-            <a:r>
-              <a:rPr lang="en" sz="1210">
-                <a:solidFill>
-                  <a:srgbClr val="9840A6"/>
-                </a:solidFill>
-              </a:rPr>
-              <a:t>rea (ie Rutherford inside the Napa Valley), but this value can sometimes be blank</a:t>
-            </a:r>
-            <a:endParaRPr sz="1210">
-              <a:solidFill>
-                <a:srgbClr val="9840A6"/>
-              </a:solidFill>
-            </a:endParaRPr>
-          </a:p>
-          <a:p>
-            <a:pPr indent="-305435" lvl="0" marL="457200" rtl="0" algn="l">
-              <a:lnSpc>
-                <a:spcPct val="95000"/>
-              </a:lnSpc>
-              <a:spcBef>
-                <a:spcPts val="0"/>
-              </a:spcBef>
-              <a:spcAft>
-                <a:spcPts val="0"/>
-              </a:spcAft>
-              <a:buClr>
-                <a:srgbClr val="9840A6"/>
-              </a:buClr>
-              <a:buSzPts val="1210"/>
-              <a:buChar char="●"/>
-            </a:pPr>
-            <a:r>
-              <a:rPr lang="en" sz="1210">
-                <a:solidFill>
-                  <a:schemeClr val="lt1"/>
-                </a:solidFill>
-              </a:rPr>
-              <a:t>Wi</a:t>
-            </a:r>
-            <a:r>
-              <a:rPr lang="en" sz="1210">
-                <a:solidFill>
-                  <a:srgbClr val="9840A6"/>
-                </a:solidFill>
-              </a:rPr>
-              <a:t>nery: the winery that made the wine</a:t>
-            </a:r>
-            <a:endParaRPr sz="1210">
-              <a:solidFill>
-                <a:srgbClr val="9840A6"/>
-              </a:solidFill>
-            </a:endParaRPr>
-          </a:p>
-          <a:p>
-            <a:pPr indent="-305435" lvl="0" marL="457200" rtl="0" algn="l">
-              <a:lnSpc>
-                <a:spcPct val="95000"/>
-              </a:lnSpc>
-              <a:spcBef>
-                <a:spcPts val="0"/>
-              </a:spcBef>
-              <a:spcAft>
-                <a:spcPts val="0"/>
-              </a:spcAft>
-              <a:buClr>
-                <a:srgbClr val="9840A6"/>
-              </a:buClr>
-              <a:buSzPts val="1210"/>
-              <a:buChar char="●"/>
-            </a:pPr>
-            <a:r>
-              <a:rPr lang="en" sz="1210">
-                <a:solidFill>
-                  <a:schemeClr val="lt1"/>
-                </a:solidFill>
-              </a:rPr>
-              <a:t>Des</a:t>
-            </a:r>
-            <a:r>
-              <a:rPr lang="en" sz="1210">
-                <a:solidFill>
-                  <a:srgbClr val="9840A6"/>
-                </a:solidFill>
-              </a:rPr>
-              <a:t>ignation: the vineyard within the winery where the grapes that made the wine are </a:t>
-            </a:r>
-            <a:r>
-              <a:rPr lang="en" sz="1210">
-                <a:solidFill>
-                  <a:schemeClr val="lt1"/>
-                </a:solidFill>
-              </a:rPr>
-              <a:t>from</a:t>
-            </a:r>
-            <a:endParaRPr sz="1210">
-              <a:solidFill>
-                <a:schemeClr val="lt1"/>
-              </a:solidFill>
-            </a:endParaRPr>
-          </a:p>
-          <a:p>
-            <a:pPr indent="-305435" lvl="0" marL="457200" rtl="0" algn="l">
-              <a:lnSpc>
-                <a:spcPct val="95000"/>
-              </a:lnSpc>
-              <a:spcBef>
-                <a:spcPts val="0"/>
-              </a:spcBef>
-              <a:spcAft>
-                <a:spcPts val="0"/>
-              </a:spcAft>
-              <a:buClr>
-                <a:srgbClr val="9840A6"/>
-              </a:buClr>
-              <a:buSzPts val="1210"/>
-              <a:buChar char="●"/>
-            </a:pPr>
-            <a:r>
-              <a:rPr lang="en" sz="1210">
-                <a:solidFill>
-                  <a:schemeClr val="lt1"/>
-                </a:solidFill>
-              </a:rPr>
-              <a:t>Price</a:t>
-            </a:r>
-            <a:r>
-              <a:rPr lang="en" sz="1210">
-                <a:solidFill>
-                  <a:srgbClr val="9840A6"/>
-                </a:solidFill>
-              </a:rPr>
-              <a:t>: the cost for a bottle of the wine</a:t>
-            </a:r>
-            <a:endParaRPr sz="1210">
-              <a:solidFill>
-                <a:srgbClr val="9840A6"/>
-              </a:solidFill>
-            </a:endParaRPr>
-          </a:p>
-          <a:p>
-            <a:pPr indent="-305435" lvl="0" marL="457200" rtl="0" algn="l">
-              <a:lnSpc>
-                <a:spcPct val="95000"/>
-              </a:lnSpc>
-              <a:spcBef>
-                <a:spcPts val="0"/>
-              </a:spcBef>
-              <a:spcAft>
-                <a:spcPts val="0"/>
-              </a:spcAft>
-              <a:buClr>
-                <a:srgbClr val="9840A6"/>
-              </a:buClr>
-              <a:buSzPts val="1210"/>
-              <a:buChar char="●"/>
-            </a:pPr>
-            <a:r>
-              <a:rPr lang="en" sz="1210">
-                <a:solidFill>
-                  <a:schemeClr val="lt1"/>
-                </a:solidFill>
-              </a:rPr>
-              <a:t>Taster </a:t>
-            </a:r>
-            <a:r>
-              <a:rPr lang="en" sz="1210">
-                <a:solidFill>
-                  <a:srgbClr val="9840A6"/>
-                </a:solidFill>
-              </a:rPr>
-              <a:t>Name: name of the person who tasted and reviewed the wine</a:t>
-            </a:r>
-            <a:endParaRPr sz="1210">
-              <a:solidFill>
-                <a:srgbClr val="9840A6"/>
-              </a:solidFill>
-            </a:endParaRPr>
-          </a:p>
-          <a:p>
-            <a:pPr indent="-305435" lvl="0" marL="457200" rtl="0" algn="l">
-              <a:lnSpc>
-                <a:spcPct val="95000"/>
-              </a:lnSpc>
-              <a:spcBef>
-                <a:spcPts val="0"/>
-              </a:spcBef>
-              <a:spcAft>
-                <a:spcPts val="0"/>
-              </a:spcAft>
-              <a:buClr>
-                <a:srgbClr val="9840A6"/>
-              </a:buClr>
-              <a:buSzPts val="1210"/>
-              <a:buChar char="●"/>
-            </a:pPr>
-            <a:r>
-              <a:rPr lang="en" sz="1210">
-                <a:solidFill>
-                  <a:schemeClr val="lt1"/>
-                </a:solidFill>
-              </a:rPr>
-              <a:t>Taster T</a:t>
-            </a:r>
-            <a:r>
-              <a:rPr lang="en" sz="1210">
-                <a:solidFill>
-                  <a:srgbClr val="9840A6"/>
-                </a:solidFill>
-              </a:rPr>
-              <a:t>witter Handle: Twitter handle for the person who tasted and reviewed the wine</a:t>
-            </a:r>
-            <a:endParaRPr sz="1210">
-              <a:solidFill>
-                <a:srgbClr val="9840A6"/>
-              </a:solidFill>
-            </a:endParaRPr>
-          </a:p>
-          <a:p>
-            <a:pPr indent="0" lvl="0" marL="0" rtl="0" algn="l">
-              <a:lnSpc>
-                <a:spcPct val="80000"/>
-              </a:lnSpc>
-              <a:spcBef>
-                <a:spcPts val="1200"/>
-              </a:spcBef>
-              <a:spcAft>
-                <a:spcPts val="0"/>
-              </a:spcAft>
-              <a:buSzPts val="1018"/>
-              <a:buNone/>
-            </a:pPr>
-            <a:r>
-              <a:t/>
-            </a:r>
-            <a:endParaRPr sz="1110">
-              <a:solidFill>
-                <a:srgbClr val="9840A6"/>
-              </a:solidFill>
-            </a:endParaRPr>
-          </a:p>
-        </p:txBody>
-      </p:sp>
-      <p:sp>
-        <p:nvSpPr>
-          <p:cNvPr id="69" name="Google Shape;69;p15"/>
-          <p:cNvSpPr txBox="1"/>
           <p:nvPr/>
         </p:nvSpPr>
         <p:spPr>
@@ -11766,7 +10466,7 @@
       </p:sp>
       <p:sp>
         <p:nvSpPr>
-          <p:cNvPr id="70" name="Google Shape;70;p15"/>
+          <p:cNvPr id="69" name="Google Shape;69;p15"/>
           <p:cNvSpPr txBox="1"/>
           <p:nvPr/>
         </p:nvSpPr>
@@ -11805,6 +10505,34 @@
           </a:p>
         </p:txBody>
       </p:sp>
+      <p:pic>
+        <p:nvPicPr>
+          <p:cNvPr id="70" name="Google Shape;70;p15"/>
+          <p:cNvPicPr preferRelativeResize="0"/>
+          <p:nvPr/>
+        </p:nvPicPr>
+        <p:blipFill>
+          <a:blip r:embed="rId4">
+            <a:alphaModFix/>
+          </a:blip>
+          <a:stretch>
+            <a:fillRect/>
+          </a:stretch>
+        </p:blipFill>
+        <p:spPr>
+          <a:xfrm>
+            <a:off x="3101000" y="1283500"/>
+            <a:ext cx="2809399" cy="3600976"/>
+          </a:xfrm>
+          <a:prstGeom prst="rect">
+            <a:avLst/>
+          </a:prstGeom>
+          <a:noFill/>
+          <a:ln>
+            <a:noFill/>
+          </a:ln>
+        </p:spPr>
+      </p:pic>
     </p:spTree>
   </p:cSld>
   <p:clrMapOvr>
@@ -11852,8 +10580,8 @@
         </p:nvSpPr>
         <p:spPr>
           <a:xfrm>
-            <a:off x="262525" y="241600"/>
-            <a:ext cx="5309700" cy="1041900"/>
+            <a:off x="376900" y="465550"/>
+            <a:ext cx="5672100" cy="995100"/>
           </a:xfrm>
           <a:prstGeom prst="rect">
             <a:avLst/>
@@ -11876,7 +10604,7 @@
               <a:buNone/>
             </a:pPr>
             <a:r>
-              <a:rPr lang="en" sz="5480">
+              <a:rPr lang="en" sz="5080">
                 <a:solidFill>
                   <a:srgbClr val="9840A6"/>
                 </a:solidFill>
@@ -11885,9 +10613,9 @@
                 <a:cs typeface="Impact"/>
                 <a:sym typeface="Impact"/>
               </a:rPr>
-              <a:t>Data Mappings</a:t>
+              <a:t>Wine by Description</a:t>
             </a:r>
-            <a:endParaRPr sz="5480">
+            <a:endParaRPr sz="5080">
               <a:solidFill>
                 <a:srgbClr val="9840A6"/>
               </a:solidFill>
@@ -11997,8 +10725,8 @@
         </p:blipFill>
         <p:spPr>
           <a:xfrm>
-            <a:off x="3101000" y="1283500"/>
-            <a:ext cx="2809399" cy="3600976"/>
+            <a:off x="869050" y="1791075"/>
+            <a:ext cx="7405909" cy="1898350"/>
           </a:xfrm>
           <a:prstGeom prst="rect">
             <a:avLst/>
@@ -12009,6 +10737,94 @@
           </a:ln>
         </p:spPr>
       </p:pic>
+      <p:sp>
+        <p:nvSpPr>
+          <p:cNvPr id="79" name="Google Shape;79;p16"/>
+          <p:cNvSpPr txBox="1"/>
+          <p:nvPr/>
+        </p:nvSpPr>
+        <p:spPr>
+          <a:xfrm>
+            <a:off x="4153075" y="4019850"/>
+            <a:ext cx="4704600" cy="929700"/>
+          </a:xfrm>
+          <a:prstGeom prst="rect">
+            <a:avLst/>
+          </a:prstGeom>
+          <a:noFill/>
+          <a:ln>
+            <a:noFill/>
+          </a:ln>
+        </p:spPr>
+        <p:txBody>
+          <a:bodyPr anchorCtr="0" anchor="t" bIns="91425" lIns="91425" spcFirstLastPara="1" rIns="91425" wrap="square" tIns="91425">
+            <a:spAutoFit/>
+          </a:bodyPr>
+          <a:lstStyle/>
+          <a:p>
+            <a:pPr indent="-305435" lvl="0" marL="457200" rtl="0" algn="l">
+              <a:lnSpc>
+                <a:spcPct val="95000"/>
+              </a:lnSpc>
+              <a:spcBef>
+                <a:spcPts val="300"/>
+              </a:spcBef>
+              <a:spcAft>
+                <a:spcPts val="0"/>
+              </a:spcAft>
+              <a:buClr>
+                <a:srgbClr val="9840A6"/>
+              </a:buClr>
+              <a:buSzPts val="1210"/>
+              <a:buChar char="●"/>
+            </a:pPr>
+            <a:r>
+              <a:rPr lang="en" sz="1210">
+                <a:solidFill>
+                  <a:srgbClr val="9840A6"/>
+                </a:solidFill>
+              </a:rPr>
+              <a:t>Title: the title of the wine review, which often contains the vintage if you're interested in extracting that feature</a:t>
+            </a:r>
+            <a:endParaRPr sz="1210">
+              <a:solidFill>
+                <a:srgbClr val="9840A6"/>
+              </a:solidFill>
+            </a:endParaRPr>
+          </a:p>
+          <a:p>
+            <a:pPr indent="-305435" lvl="0" marL="457200" rtl="0" algn="l">
+              <a:lnSpc>
+                <a:spcPct val="95000"/>
+              </a:lnSpc>
+              <a:spcBef>
+                <a:spcPts val="0"/>
+              </a:spcBef>
+              <a:spcAft>
+                <a:spcPts val="0"/>
+              </a:spcAft>
+              <a:buClr>
+                <a:srgbClr val="9840A6"/>
+              </a:buClr>
+              <a:buSzPts val="1210"/>
+              <a:buChar char="●"/>
+            </a:pPr>
+            <a:r>
+              <a:rPr lang="en" sz="1210">
+                <a:solidFill>
+                  <a:srgbClr val="9840A6"/>
+                </a:solidFill>
+              </a:rPr>
+              <a:t>Description: a few sentences from a sommelier describing the wine's taste, smell, look, feel, etc.</a:t>
+            </a:r>
+            <a:endParaRPr sz="1210">
+              <a:solidFill>
+                <a:srgbClr val="9840A6"/>
+              </a:solidFill>
+            </a:endParaRPr>
+          </a:p>
+        </p:txBody>
+      </p:sp>
     </p:spTree>
   </p:cSld>
   <p:clrMapOvr>
@@ -12034,7 +10850,7 @@
     </p:bg>
     <p:spTree>
       <p:nvGrpSpPr>
-        <p:cNvPr id="82" name="Shape 82"/>
+        <p:cNvPr id="83" name="Shape 83"/>
         <p:cNvGrpSpPr/>
         <p:nvPr/>
       </p:nvGrpSpPr>
@@ -12048,7 +10864,7 @@
       </p:grpSpPr>
       <p:sp>
         <p:nvSpPr>
-          <p:cNvPr id="83" name="Google Shape;83;p17"/>
+          <p:cNvPr id="84" name="Google Shape;84;p17"/>
           <p:cNvSpPr txBox="1"/>
           <p:nvPr>
             <p:ph type="ctrTitle"/>
@@ -12056,8 +10872,8 @@
         </p:nvSpPr>
         <p:spPr>
           <a:xfrm>
-            <a:off x="376900" y="465550"/>
-            <a:ext cx="5672100" cy="995100"/>
+            <a:off x="434125" y="631825"/>
+            <a:ext cx="5417100" cy="1061400"/>
           </a:xfrm>
           <a:prstGeom prst="rect">
             <a:avLst/>
@@ -12080,7 +10896,7 @@
               <a:buNone/>
             </a:pPr>
             <a:r>
-              <a:rPr lang="en" sz="5080">
+              <a:rPr lang="en" sz="5480">
                 <a:solidFill>
                   <a:srgbClr val="9840A6"/>
                 </a:solidFill>
@@ -12089,9 +10905,9 @@
                 <a:cs typeface="Impact"/>
                 <a:sym typeface="Impact"/>
               </a:rPr>
-              <a:t>Wine by Description</a:t>
+              <a:t>Wine by Location</a:t>
             </a:r>
-            <a:endParaRPr sz="5080">
+            <a:endParaRPr sz="5480">
               <a:solidFill>
                 <a:srgbClr val="9840A6"/>
               </a:solidFill>
@@ -12105,7 +10921,7 @@
       </p:sp>
       <p:sp>
         <p:nvSpPr>
-          <p:cNvPr id="84" name="Google Shape;84;p17"/>
+          <p:cNvPr id="85" name="Google Shape;85;p17"/>
           <p:cNvSpPr txBox="1"/>
           <p:nvPr/>
         </p:nvSpPr>
@@ -12146,7 +10962,7 @@
       </p:sp>
       <p:sp>
         <p:nvSpPr>
-          <p:cNvPr id="85" name="Google Shape;85;p17"/>
+          <p:cNvPr id="86" name="Google Shape;86;p17"/>
           <p:cNvSpPr txBox="1"/>
           <p:nvPr/>
         </p:nvSpPr>
@@ -12187,7 +11003,7 @@
       </p:sp>
       <p:pic>
         <p:nvPicPr>
-          <p:cNvPr id="86" name="Google Shape;86;p17"/>
+          <p:cNvPr id="87" name="Google Shape;87;p17"/>
           <p:cNvPicPr preferRelativeResize="0"/>
           <p:nvPr/>
         </p:nvPicPr>
@@ -12201,8 +11017,8 @@
         </p:blipFill>
         <p:spPr>
           <a:xfrm>
-            <a:off x="869050" y="1791075"/>
-            <a:ext cx="7405909" cy="1898350"/>
+            <a:off x="152400" y="2056163"/>
+            <a:ext cx="8839204" cy="1368178"/>
           </a:xfrm>
           <a:prstGeom prst="rect">
             <a:avLst/>
@@ -12213,6 +11029,257 @@
           </a:ln>
         </p:spPr>
       </p:pic>
+      <p:sp>
+        <p:nvSpPr>
+          <p:cNvPr id="88" name="Google Shape;88;p17"/>
+          <p:cNvSpPr txBox="1"/>
+          <p:nvPr/>
+        </p:nvSpPr>
+        <p:spPr>
+          <a:xfrm>
+            <a:off x="3016300" y="3586500"/>
+            <a:ext cx="6021300" cy="1491600"/>
+          </a:xfrm>
+          <a:prstGeom prst="rect">
+            <a:avLst/>
+          </a:prstGeom>
+          <a:noFill/>
+          <a:ln>
+            <a:noFill/>
+          </a:ln>
+        </p:spPr>
+        <p:txBody>
+          <a:bodyPr anchorCtr="0" anchor="t" bIns="91425" lIns="91425" spcFirstLastPara="1" rIns="91425" wrap="square" tIns="91425">
+            <a:spAutoFit/>
+          </a:bodyPr>
+          <a:lstStyle/>
+          <a:p>
+            <a:pPr indent="-286385" lvl="0" marL="457200" rtl="0" algn="l">
+              <a:lnSpc>
+                <a:spcPct val="95000"/>
+              </a:lnSpc>
+              <a:spcBef>
+                <a:spcPts val="300"/>
+              </a:spcBef>
+              <a:spcAft>
+                <a:spcPts val="0"/>
+              </a:spcAft>
+              <a:buClr>
+                <a:srgbClr val="9840A6"/>
+              </a:buClr>
+              <a:buSzPts val="910"/>
+              <a:buChar char="●"/>
+            </a:pPr>
+            <a:r>
+              <a:rPr lang="en" sz="910">
+                <a:solidFill>
+                  <a:srgbClr val="9840A6"/>
+                </a:solidFill>
+              </a:rPr>
+              <a:t>Title: the title of the wine review, which often contains the vintage if you're interested in extracting that feature</a:t>
+            </a:r>
+            <a:endParaRPr sz="910">
+              <a:solidFill>
+                <a:srgbClr val="9840A6"/>
+              </a:solidFill>
+            </a:endParaRPr>
+          </a:p>
+          <a:p>
+            <a:pPr indent="-286385" lvl="0" marL="457200" rtl="0" algn="l">
+              <a:lnSpc>
+                <a:spcPct val="95000"/>
+              </a:lnSpc>
+              <a:spcBef>
+                <a:spcPts val="0"/>
+              </a:spcBef>
+              <a:spcAft>
+                <a:spcPts val="0"/>
+              </a:spcAft>
+              <a:buClr>
+                <a:srgbClr val="9840A6"/>
+              </a:buClr>
+              <a:buSzPts val="910"/>
+              <a:buChar char="●"/>
+            </a:pPr>
+            <a:r>
+              <a:rPr lang="en" sz="910">
+                <a:solidFill>
+                  <a:srgbClr val="9840A6"/>
+                </a:solidFill>
+              </a:rPr>
+              <a:t>Country: the country that the wine is from</a:t>
+            </a:r>
+            <a:endParaRPr sz="910">
+              <a:solidFill>
+                <a:srgbClr val="9840A6"/>
+              </a:solidFill>
+            </a:endParaRPr>
+          </a:p>
+          <a:p>
+            <a:pPr indent="-286385" lvl="0" marL="457200" rtl="0" algn="l">
+              <a:lnSpc>
+                <a:spcPct val="95000"/>
+              </a:lnSpc>
+              <a:spcBef>
+                <a:spcPts val="0"/>
+              </a:spcBef>
+              <a:spcAft>
+                <a:spcPts val="0"/>
+              </a:spcAft>
+              <a:buClr>
+                <a:srgbClr val="9840A6"/>
+              </a:buClr>
+              <a:buSzPts val="910"/>
+              <a:buChar char="●"/>
+            </a:pPr>
+            <a:r>
+              <a:rPr lang="en" sz="910">
+                <a:solidFill>
+                  <a:srgbClr val="9840A6"/>
+                </a:solidFill>
+              </a:rPr>
+              <a:t>Province: the province or state that the wine is from</a:t>
+            </a:r>
+            <a:endParaRPr sz="910">
+              <a:solidFill>
+                <a:srgbClr val="9840A6"/>
+              </a:solidFill>
+            </a:endParaRPr>
+          </a:p>
+          <a:p>
+            <a:pPr indent="-286385" lvl="0" marL="457200" rtl="0" algn="l">
+              <a:lnSpc>
+                <a:spcPct val="95000"/>
+              </a:lnSpc>
+              <a:spcBef>
+                <a:spcPts val="0"/>
+              </a:spcBef>
+              <a:spcAft>
+                <a:spcPts val="0"/>
+              </a:spcAft>
+              <a:buClr>
+                <a:srgbClr val="9840A6"/>
+              </a:buClr>
+              <a:buSzPts val="910"/>
+              <a:buChar char="●"/>
+            </a:pPr>
+            <a:r>
+              <a:rPr lang="en" sz="910">
+                <a:solidFill>
+                  <a:srgbClr val="9840A6"/>
+                </a:solidFill>
+              </a:rPr>
+              <a:t>Region 1: the wine growing area in a province or state (ie Napa)</a:t>
+            </a:r>
+            <a:endParaRPr sz="910">
+              <a:solidFill>
+                <a:srgbClr val="9840A6"/>
+              </a:solidFill>
+            </a:endParaRPr>
+          </a:p>
+          <a:p>
+            <a:pPr indent="-286385" lvl="0" marL="457200" rtl="0" algn="l">
+              <a:lnSpc>
+                <a:spcPct val="95000"/>
+              </a:lnSpc>
+              <a:spcBef>
+                <a:spcPts val="0"/>
+              </a:spcBef>
+              <a:spcAft>
+                <a:spcPts val="0"/>
+              </a:spcAft>
+              <a:buClr>
+                <a:srgbClr val="9840A6"/>
+              </a:buClr>
+              <a:buSzPts val="910"/>
+              <a:buChar char="●"/>
+            </a:pPr>
+            <a:r>
+              <a:rPr lang="en" sz="910">
+                <a:solidFill>
+                  <a:srgbClr val="9840A6"/>
+                </a:solidFill>
+              </a:rPr>
+              <a:t>Region 2: sometimes there are more specific regions specified within a wine growing area (ie Rutherford inside the Napa Valley), but this value can sometimes be blank</a:t>
+            </a:r>
+            <a:endParaRPr sz="910">
+              <a:solidFill>
+                <a:srgbClr val="9840A6"/>
+              </a:solidFill>
+            </a:endParaRPr>
+          </a:p>
+          <a:p>
+            <a:pPr indent="-286385" lvl="0" marL="457200" rtl="0" algn="l">
+              <a:lnSpc>
+                <a:spcPct val="95000"/>
+              </a:lnSpc>
+              <a:spcBef>
+                <a:spcPts val="0"/>
+              </a:spcBef>
+              <a:spcAft>
+                <a:spcPts val="0"/>
+              </a:spcAft>
+              <a:buClr>
+                <a:srgbClr val="9840A6"/>
+              </a:buClr>
+              <a:buSzPts val="910"/>
+              <a:buChar char="●"/>
+            </a:pPr>
+            <a:r>
+              <a:rPr lang="en" sz="910">
+                <a:solidFill>
+                  <a:srgbClr val="9840A6"/>
+                </a:solidFill>
+              </a:rPr>
+              <a:t>Winery: the winery that made the wine</a:t>
+            </a:r>
+            <a:endParaRPr sz="910">
+              <a:solidFill>
+                <a:srgbClr val="9840A6"/>
+              </a:solidFill>
+            </a:endParaRPr>
+          </a:p>
+          <a:p>
+            <a:pPr indent="-305435" lvl="0" marL="457200" rtl="0" algn="l">
+              <a:lnSpc>
+                <a:spcPct val="95000"/>
+              </a:lnSpc>
+              <a:spcBef>
+                <a:spcPts val="0"/>
+              </a:spcBef>
+              <a:spcAft>
+                <a:spcPts val="0"/>
+              </a:spcAft>
+              <a:buClr>
+                <a:srgbClr val="9840A6"/>
+              </a:buClr>
+              <a:buSzPts val="1210"/>
+              <a:buChar char="●"/>
+            </a:pPr>
+            <a:r>
+              <a:rPr lang="en" sz="910">
+                <a:solidFill>
+                  <a:srgbClr val="9840A6"/>
+                </a:solidFill>
+              </a:rPr>
+              <a:t>Designation: the vineyard within the winery where the grapes that made the wine are fro</a:t>
+            </a:r>
+            <a:r>
+              <a:rPr lang="en" sz="1210">
+                <a:solidFill>
+                  <a:srgbClr val="9840A6"/>
+                </a:solidFill>
+              </a:rPr>
+              <a:t>m</a:t>
+            </a:r>
+            <a:endParaRPr sz="1210">
+              <a:solidFill>
+                <a:srgbClr val="9840A6"/>
+              </a:solidFill>
+            </a:endParaRPr>
+          </a:p>
+        </p:txBody>
+      </p:sp>
     </p:spTree>
   </p:cSld>
   <p:clrMapOvr>
@@ -12238,7 +11305,7 @@
     </p:bg>
     <p:spTree>
       <p:nvGrpSpPr>
-        <p:cNvPr id="90" name="Shape 90"/>
+        <p:cNvPr id="92" name="Shape 92"/>
         <p:cNvGrpSpPr/>
         <p:nvPr/>
       </p:nvGrpSpPr>
@@ -12252,7 +11319,7 @@
       </p:grpSpPr>
       <p:sp>
         <p:nvSpPr>
-          <p:cNvPr id="91" name="Google Shape;91;p18"/>
+          <p:cNvPr id="93" name="Google Shape;93;p18"/>
           <p:cNvSpPr txBox="1"/>
           <p:nvPr>
             <p:ph type="ctrTitle"/>
@@ -12260,8 +11327,8 @@
         </p:nvSpPr>
         <p:spPr>
           <a:xfrm>
-            <a:off x="434125" y="631825"/>
-            <a:ext cx="5417100" cy="1061400"/>
+            <a:off x="351200" y="584950"/>
+            <a:ext cx="5309700" cy="1041900"/>
           </a:xfrm>
           <a:prstGeom prst="rect">
             <a:avLst/>
@@ -12293,7 +11360,7 @@
                 <a:cs typeface="Impact"/>
                 <a:sym typeface="Impact"/>
               </a:rPr>
-              <a:t>Wine by Location</a:t>
+              <a:t>Wine by Price</a:t>
             </a:r>
             <a:endParaRPr sz="5480">
               <a:solidFill>
@@ -12309,7 +11376,7 @@
       </p:sp>
       <p:sp>
         <p:nvSpPr>
-          <p:cNvPr id="92" name="Google Shape;92;p18"/>
+          <p:cNvPr id="94" name="Google Shape;94;p18"/>
           <p:cNvSpPr txBox="1"/>
           <p:nvPr/>
         </p:nvSpPr>
@@ -12350,7 +11417,7 @@
       </p:sp>
       <p:sp>
         <p:nvSpPr>
-          <p:cNvPr id="93" name="Google Shape;93;p18"/>
+          <p:cNvPr id="95" name="Google Shape;95;p18"/>
           <p:cNvSpPr txBox="1"/>
           <p:nvPr/>
         </p:nvSpPr>
@@ -12391,7 +11458,7 @@
       </p:sp>
       <p:pic>
         <p:nvPicPr>
-          <p:cNvPr id="94" name="Google Shape;94;p18"/>
+          <p:cNvPr id="96" name="Google Shape;96;p18"/>
           <p:cNvPicPr preferRelativeResize="0"/>
           <p:nvPr/>
         </p:nvPicPr>
@@ -12405,8 +11472,8 @@
         </p:blipFill>
         <p:spPr>
           <a:xfrm>
-            <a:off x="152400" y="2056163"/>
-            <a:ext cx="8839204" cy="1368178"/>
+            <a:off x="2406225" y="1819213"/>
+            <a:ext cx="3971395" cy="1898350"/>
           </a:xfrm>
           <a:prstGeom prst="rect">
             <a:avLst/>
@@ -12417,6 +11484,114 @@
           </a:ln>
         </p:spPr>
       </p:pic>
+      <p:sp>
+        <p:nvSpPr>
+          <p:cNvPr id="97" name="Google Shape;97;p18"/>
+          <p:cNvSpPr txBox="1"/>
+          <p:nvPr/>
+        </p:nvSpPr>
+        <p:spPr>
+          <a:xfrm>
+            <a:off x="4434450" y="3909925"/>
+            <a:ext cx="3745500" cy="929700"/>
+          </a:xfrm>
+          <a:prstGeom prst="rect">
+            <a:avLst/>
+          </a:prstGeom>
+          <a:noFill/>
+          <a:ln>
+            <a:noFill/>
+          </a:ln>
+        </p:spPr>
+        <p:txBody>
+          <a:bodyPr anchorCtr="0" anchor="t" bIns="91425" lIns="91425" spcFirstLastPara="1" rIns="91425" wrap="square" tIns="91425">
+            <a:spAutoFit/>
+          </a:bodyPr>
+          <a:lstStyle/>
+          <a:p>
+            <a:pPr indent="-305435" lvl="0" marL="457200" rtl="0" algn="l">
+              <a:lnSpc>
+                <a:spcPct val="95000"/>
+              </a:lnSpc>
+              <a:spcBef>
+                <a:spcPts val="300"/>
+              </a:spcBef>
+              <a:spcAft>
+                <a:spcPts val="0"/>
+              </a:spcAft>
+              <a:buClr>
+                <a:srgbClr val="9840A6"/>
+              </a:buClr>
+              <a:buSzPts val="1210"/>
+              <a:buChar char="●"/>
+            </a:pPr>
+            <a:r>
+              <a:rPr lang="en" sz="1210">
+                <a:solidFill>
+                  <a:srgbClr val="9840A6"/>
+                </a:solidFill>
+              </a:rPr>
+              <a:t>Title: the title of the wine review, which often contains the vintage if </a:t>
+            </a:r>
+            <a:r>
+              <a:rPr lang="en" sz="1210">
+                <a:solidFill>
+                  <a:srgbClr val="9840A6"/>
+                </a:solidFill>
+                <a:highlight>
+                  <a:srgbClr val="FFFFFF"/>
+                </a:highlight>
+              </a:rPr>
+              <a:t>you're interested in extracting that feature</a:t>
+            </a:r>
+            <a:endParaRPr sz="1210">
+              <a:solidFill>
+                <a:srgbClr val="9840A6"/>
+              </a:solidFill>
+              <a:highlight>
+                <a:srgbClr val="FFFFFF"/>
+              </a:highlight>
+            </a:endParaRPr>
+          </a:p>
+          <a:p>
+            <a:pPr indent="-305435" lvl="0" marL="457200" rtl="0" algn="l">
+              <a:lnSpc>
+                <a:spcPct val="95000"/>
+              </a:lnSpc>
+              <a:spcBef>
+                <a:spcPts val="0"/>
+              </a:spcBef>
+              <a:spcAft>
+                <a:spcPts val="0"/>
+              </a:spcAft>
+              <a:buClr>
+                <a:srgbClr val="9840A6"/>
+              </a:buClr>
+              <a:buSzPts val="1210"/>
+              <a:buChar char="●"/>
+            </a:pPr>
+            <a:r>
+              <a:rPr lang="en" sz="1210">
+                <a:solidFill>
+                  <a:srgbClr val="9840A6"/>
+                </a:solidFill>
+                <a:highlight>
+                  <a:srgbClr val="FFFFFF"/>
+                </a:highlight>
+              </a:rPr>
+              <a:t>Price: the cost for a bottle of the wine</a:t>
+            </a:r>
+            <a:endParaRPr sz="1210">
+              <a:solidFill>
+                <a:srgbClr val="9840A6"/>
+              </a:solidFill>
+              <a:highlight>
+                <a:srgbClr val="FFFFFF"/>
+              </a:highlight>
+            </a:endParaRPr>
+          </a:p>
+        </p:txBody>
+      </p:sp>
     </p:spTree>
   </p:cSld>
   <p:clrMapOvr>
@@ -12442,7 +11617,7 @@
     </p:bg>
     <p:spTree>
       <p:nvGrpSpPr>
-        <p:cNvPr id="98" name="Shape 98"/>
+        <p:cNvPr id="101" name="Shape 101"/>
         <p:cNvGrpSpPr/>
         <p:nvPr/>
       </p:nvGrpSpPr>
@@ -12456,7 +11631,7 @@
       </p:grpSpPr>
       <p:sp>
         <p:nvSpPr>
-          <p:cNvPr id="99" name="Google Shape;99;p19"/>
+          <p:cNvPr id="102" name="Google Shape;102;p19"/>
           <p:cNvSpPr txBox="1"/>
           <p:nvPr>
             <p:ph type="ctrTitle"/>
@@ -12464,7 +11639,7 @@
         </p:nvSpPr>
         <p:spPr>
           <a:xfrm>
-            <a:off x="351200" y="584950"/>
+            <a:off x="473150" y="507375"/>
             <a:ext cx="5309700" cy="1041900"/>
           </a:xfrm>
           <a:prstGeom prst="rect">
@@ -12488,7 +11663,7 @@
               <a:buNone/>
             </a:pPr>
             <a:r>
-              <a:rPr lang="en" sz="5480">
+              <a:rPr lang="en" sz="4980">
                 <a:solidFill>
                   <a:srgbClr val="9840A6"/>
                 </a:solidFill>
@@ -12497,9 +11672,9 @@
                 <a:cs typeface="Impact"/>
                 <a:sym typeface="Impact"/>
               </a:rPr>
-              <a:t>Wine by Price</a:t>
+              <a:t>Wine by Taster Info</a:t>
             </a:r>
-            <a:endParaRPr sz="5480">
+            <a:endParaRPr sz="4980">
               <a:solidFill>
                 <a:srgbClr val="9840A6"/>
               </a:solidFill>
@@ -12513,7 +11688,7 @@
       </p:sp>
       <p:sp>
         <p:nvSpPr>
-          <p:cNvPr id="100" name="Google Shape;100;p19"/>
+          <p:cNvPr id="103" name="Google Shape;103;p19"/>
           <p:cNvSpPr txBox="1"/>
           <p:nvPr/>
         </p:nvSpPr>
@@ -12554,7 +11729,7 @@
       </p:sp>
       <p:sp>
         <p:nvSpPr>
-          <p:cNvPr id="101" name="Google Shape;101;p19"/>
+          <p:cNvPr id="104" name="Google Shape;104;p19"/>
           <p:cNvSpPr txBox="1"/>
           <p:nvPr/>
         </p:nvSpPr>
@@ -12595,7 +11770,7 @@
       </p:sp>
       <p:pic>
         <p:nvPicPr>
-          <p:cNvPr id="102" name="Google Shape;102;p19"/>
+          <p:cNvPr id="105" name="Google Shape;105;p19"/>
           <p:cNvPicPr preferRelativeResize="0"/>
           <p:nvPr/>
         </p:nvPicPr>
@@ -12609,8 +11784,8 @@
         </p:blipFill>
         <p:spPr>
           <a:xfrm>
-            <a:off x="2586300" y="1791075"/>
-            <a:ext cx="3971395" cy="1898350"/>
+            <a:off x="1532300" y="1791075"/>
+            <a:ext cx="6079379" cy="1898350"/>
           </a:xfrm>
           <a:prstGeom prst="rect">
             <a:avLst/>
@@ -12621,6 +11796,156 @@
           </a:ln>
         </p:spPr>
       </p:pic>
+      <p:sp>
+        <p:nvSpPr>
+          <p:cNvPr id="106" name="Google Shape;106;p19"/>
+          <p:cNvSpPr txBox="1"/>
+          <p:nvPr/>
+        </p:nvSpPr>
+        <p:spPr>
+          <a:xfrm>
+            <a:off x="3894200" y="3849175"/>
+            <a:ext cx="4632000" cy="1165200"/>
+          </a:xfrm>
+          <a:prstGeom prst="rect">
+            <a:avLst/>
+          </a:prstGeom>
+          <a:noFill/>
+          <a:ln>
+            <a:noFill/>
+          </a:ln>
+        </p:spPr>
+        <p:txBody>
+          <a:bodyPr anchorCtr="0" anchor="t" bIns="91425" lIns="91425" spcFirstLastPara="1" rIns="91425" wrap="square" tIns="91425">
+            <a:spAutoFit/>
+          </a:bodyPr>
+          <a:lstStyle/>
+          <a:p>
+            <a:pPr indent="-286385" lvl="0" marL="457200" rtl="0" algn="l">
+              <a:lnSpc>
+                <a:spcPct val="95000"/>
+              </a:lnSpc>
+              <a:spcBef>
+                <a:spcPts val="300"/>
+              </a:spcBef>
+              <a:spcAft>
+                <a:spcPts val="0"/>
+              </a:spcAft>
+              <a:buClr>
+                <a:srgbClr val="9840A6"/>
+              </a:buClr>
+              <a:buSzPts val="910"/>
+              <a:buChar char="●"/>
+            </a:pPr>
+            <a:r>
+              <a:rPr lang="en" sz="910">
+                <a:solidFill>
+                  <a:srgbClr val="9840A6"/>
+                </a:solidFill>
+              </a:rPr>
+              <a:t>Title: the title of the wine review, which often contains the vintage if you're interested in extracting that feature</a:t>
+            </a:r>
+            <a:endParaRPr sz="910">
+              <a:solidFill>
+                <a:srgbClr val="9840A6"/>
+              </a:solidFill>
+            </a:endParaRPr>
+          </a:p>
+          <a:p>
+            <a:pPr indent="-286385" lvl="0" marL="457200" rtl="0" algn="l">
+              <a:lnSpc>
+                <a:spcPct val="95000"/>
+              </a:lnSpc>
+              <a:spcBef>
+                <a:spcPts val="0"/>
+              </a:spcBef>
+              <a:spcAft>
+                <a:spcPts val="0"/>
+              </a:spcAft>
+              <a:buClr>
+                <a:srgbClr val="9840A6"/>
+              </a:buClr>
+              <a:buSzPts val="910"/>
+              <a:buChar char="●"/>
+            </a:pPr>
+            <a:r>
+              <a:rPr lang="en" sz="910">
+                <a:solidFill>
+                  <a:srgbClr val="9840A6"/>
+                </a:solidFill>
+              </a:rPr>
+              <a:t>Taster Name: name of the person who tasted and reviewed the wine</a:t>
+            </a:r>
+            <a:endParaRPr sz="910">
+              <a:solidFill>
+                <a:srgbClr val="9840A6"/>
+              </a:solidFill>
+            </a:endParaRPr>
+          </a:p>
+          <a:p>
+            <a:pPr indent="-286385" lvl="0" marL="457200" rtl="0" algn="l">
+              <a:lnSpc>
+                <a:spcPct val="95000"/>
+              </a:lnSpc>
+              <a:spcBef>
+                <a:spcPts val="0"/>
+              </a:spcBef>
+              <a:spcAft>
+                <a:spcPts val="0"/>
+              </a:spcAft>
+              <a:buClr>
+                <a:srgbClr val="9840A6"/>
+              </a:buClr>
+              <a:buSzPts val="910"/>
+              <a:buChar char="●"/>
+            </a:pPr>
+            <a:r>
+              <a:rPr lang="en" sz="910">
+                <a:solidFill>
+                  <a:srgbClr val="9840A6"/>
+                </a:solidFill>
+              </a:rPr>
+              <a:t>Taster Twitter Handle: Twitter handle for the person who tasted and reviewed the wine</a:t>
+            </a:r>
+            <a:endParaRPr sz="910">
+              <a:solidFill>
+                <a:srgbClr val="9840A6"/>
+              </a:solidFill>
+            </a:endParaRPr>
+          </a:p>
+          <a:p>
+            <a:pPr indent="-286385" lvl="0" marL="457200" rtl="0" algn="l">
+              <a:lnSpc>
+                <a:spcPct val="95000"/>
+              </a:lnSpc>
+              <a:spcBef>
+                <a:spcPts val="0"/>
+              </a:spcBef>
+              <a:spcAft>
+                <a:spcPts val="0"/>
+              </a:spcAft>
+              <a:buClr>
+                <a:srgbClr val="9840A6"/>
+              </a:buClr>
+              <a:buSzPts val="910"/>
+              <a:buChar char="●"/>
+            </a:pPr>
+            <a:r>
+              <a:rPr lang="en" sz="910">
+                <a:solidFill>
+                  <a:srgbClr val="9840A6"/>
+                </a:solidFill>
+              </a:rPr>
+              <a:t>Points: the number of points WineEnthusiast rated the wine on a scale of 1-100 (through they say they only post reviews for wines that score &gt;=80)</a:t>
+            </a:r>
+            <a:endParaRPr sz="910">
+              <a:solidFill>
+                <a:srgbClr val="9840A6"/>
+              </a:solidFill>
+            </a:endParaRPr>
+          </a:p>
+        </p:txBody>
+      </p:sp>
     </p:spTree>
   </p:cSld>
   <p:clrMapOvr>
@@ -12646,7 +11971,7 @@
     </p:bg>
     <p:spTree>
       <p:nvGrpSpPr>
-        <p:cNvPr id="106" name="Shape 106"/>
+        <p:cNvPr id="110" name="Shape 110"/>
         <p:cNvGrpSpPr/>
         <p:nvPr/>
       </p:nvGrpSpPr>
@@ -12660,7 +11985,7 @@
       </p:grpSpPr>
       <p:sp>
         <p:nvSpPr>
-          <p:cNvPr id="107" name="Google Shape;107;p20"/>
+          <p:cNvPr id="111" name="Google Shape;111;p20"/>
           <p:cNvSpPr txBox="1"/>
           <p:nvPr>
             <p:ph type="ctrTitle"/>
@@ -12668,7 +11993,7 @@
         </p:nvSpPr>
         <p:spPr>
           <a:xfrm>
-            <a:off x="428800" y="507375"/>
+            <a:off x="450950" y="584975"/>
             <a:ext cx="5309700" cy="1041900"/>
           </a:xfrm>
           <a:prstGeom prst="rect">
@@ -12701,7 +12026,7 @@
                 <a:cs typeface="Impact"/>
                 <a:sym typeface="Impact"/>
               </a:rPr>
-              <a:t>Wine by Score</a:t>
+              <a:t>Wine by Variety</a:t>
             </a:r>
             <a:endParaRPr sz="5480">
               <a:solidFill>
@@ -12717,7 +12042,7 @@
       </p:sp>
       <p:sp>
         <p:nvSpPr>
-          <p:cNvPr id="108" name="Google Shape;108;p20"/>
+          <p:cNvPr id="112" name="Google Shape;112;p20"/>
           <p:cNvSpPr txBox="1"/>
           <p:nvPr/>
         </p:nvSpPr>
@@ -12758,7 +12083,7 @@
       </p:sp>
       <p:sp>
         <p:nvSpPr>
-          <p:cNvPr id="109" name="Google Shape;109;p20"/>
+          <p:cNvPr id="113" name="Google Shape;113;p20"/>
           <p:cNvSpPr txBox="1"/>
           <p:nvPr/>
         </p:nvSpPr>
@@ -12799,7 +12124,7 @@
       </p:sp>
       <p:pic>
         <p:nvPicPr>
-          <p:cNvPr id="110" name="Google Shape;110;p20"/>
+          <p:cNvPr id="114" name="Google Shape;114;p20"/>
           <p:cNvPicPr preferRelativeResize="0"/>
           <p:nvPr/>
         </p:nvPicPr>
@@ -12813,8 +12138,8 @@
         </p:blipFill>
         <p:spPr>
           <a:xfrm>
-            <a:off x="2372975" y="1791075"/>
-            <a:ext cx="4398041" cy="1898350"/>
+            <a:off x="1982275" y="1791075"/>
+            <a:ext cx="5179449" cy="1898350"/>
           </a:xfrm>
           <a:prstGeom prst="rect">
             <a:avLst/>
@@ -12825,6 +12150,94 @@
           </a:ln>
         </p:spPr>
       </p:pic>
+      <p:sp>
+        <p:nvSpPr>
+          <p:cNvPr id="115" name="Google Shape;115;p20"/>
+          <p:cNvSpPr txBox="1"/>
+          <p:nvPr/>
+        </p:nvSpPr>
+        <p:spPr>
+          <a:xfrm>
+            <a:off x="4549525" y="3853625"/>
+            <a:ext cx="3689100" cy="1116000"/>
+          </a:xfrm>
+          <a:prstGeom prst="rect">
+            <a:avLst/>
+          </a:prstGeom>
+          <a:noFill/>
+          <a:ln>
+            <a:noFill/>
+          </a:ln>
+        </p:spPr>
+        <p:txBody>
+          <a:bodyPr anchorCtr="0" anchor="t" bIns="91425" lIns="91425" spcFirstLastPara="1" rIns="91425" wrap="square" tIns="91425">
+            <a:spAutoFit/>
+          </a:bodyPr>
+          <a:lstStyle/>
+          <a:p>
+            <a:pPr indent="-305435" lvl="0" marL="457200" rtl="0" algn="l">
+              <a:lnSpc>
+                <a:spcPct val="95000"/>
+              </a:lnSpc>
+              <a:spcBef>
+                <a:spcPts val="300"/>
+              </a:spcBef>
+              <a:spcAft>
+                <a:spcPts val="0"/>
+              </a:spcAft>
+              <a:buClr>
+                <a:srgbClr val="9840A6"/>
+              </a:buClr>
+              <a:buSzPts val="1210"/>
+              <a:buChar char="●"/>
+            </a:pPr>
+            <a:r>
+              <a:rPr lang="en" sz="1210">
+                <a:solidFill>
+                  <a:srgbClr val="9840A6"/>
+                </a:solidFill>
+              </a:rPr>
+              <a:t>Title: the title of the wine review, which often contains the vintage if you're interested in extracting that feature</a:t>
+            </a:r>
+            <a:endParaRPr sz="1210">
+              <a:solidFill>
+                <a:srgbClr val="9840A6"/>
+              </a:solidFill>
+            </a:endParaRPr>
+          </a:p>
+          <a:p>
+            <a:pPr indent="-305435" lvl="0" marL="457200" rtl="0" algn="l">
+              <a:lnSpc>
+                <a:spcPct val="95000"/>
+              </a:lnSpc>
+              <a:spcBef>
+                <a:spcPts val="0"/>
+              </a:spcBef>
+              <a:spcAft>
+                <a:spcPts val="0"/>
+              </a:spcAft>
+              <a:buClr>
+                <a:srgbClr val="9840A6"/>
+              </a:buClr>
+              <a:buSzPts val="1210"/>
+              <a:buChar char="●"/>
+            </a:pPr>
+            <a:r>
+              <a:rPr lang="en" sz="1210">
+                <a:solidFill>
+                  <a:srgbClr val="9840A6"/>
+                </a:solidFill>
+              </a:rPr>
+              <a:t>Variety: the type of grapes used to make the wine (ie Pinot Noir).</a:t>
+            </a:r>
+            <a:endParaRPr sz="1210">
+              <a:solidFill>
+                <a:srgbClr val="9840A6"/>
+              </a:solidFill>
+            </a:endParaRPr>
+          </a:p>
+        </p:txBody>
+      </p:sp>
     </p:spTree>
   </p:cSld>
   <p:clrMapOvr>
@@ -12838,19 +12251,14 @@
   <p:cSld>
     <p:bg>
       <p:bgPr>
-        <a:blipFill>
-          <a:blip r:embed="rId3">
-            <a:alphaModFix/>
-          </a:blip>
-          <a:stretch>
-            <a:fillRect/>
-          </a:stretch>
-        </a:blipFill>
+        <a:solidFill>
+          <a:srgbClr val="9841A6"/>
+        </a:solidFill>
       </p:bgPr>
     </p:bg>
     <p:spTree>
       <p:nvGrpSpPr>
-        <p:cNvPr id="114" name="Shape 114"/>
+        <p:cNvPr id="119" name="Shape 119"/>
         <p:cNvGrpSpPr/>
         <p:nvPr/>
       </p:nvGrpSpPr>
@@ -12864,28 +12272,28 @@
       </p:grpSpPr>
       <p:sp>
         <p:nvSpPr>
-          <p:cNvPr id="115" name="Google Shape;115;p21"/>
+          <p:cNvPr id="120" name="Google Shape;120;p21"/>
           <p:cNvSpPr txBox="1"/>
           <p:nvPr>
-            <p:ph type="ctrTitle"/>
+            <p:ph idx="4294967295" type="ctrTitle"/>
           </p:nvPr>
         </p:nvSpPr>
         <p:spPr>
           <a:xfrm>
-            <a:off x="473150" y="507375"/>
-            <a:ext cx="5309700" cy="1041900"/>
+            <a:off x="853600" y="1330200"/>
+            <a:ext cx="3857700" cy="875700"/>
           </a:xfrm>
           <a:prstGeom prst="rect">
             <a:avLst/>
           </a:prstGeom>
         </p:spPr>
         <p:txBody>
-          <a:bodyPr anchorCtr="0" anchor="ctr" bIns="91425" lIns="91425" spcFirstLastPara="1" rIns="91425" wrap="square" tIns="91425">
+          <a:bodyPr anchorCtr="0" anchor="t" bIns="91425" lIns="91425" spcFirstLastPara="1" rIns="91425" wrap="square" tIns="91425">
             <a:noAutofit/>
           </a:bodyPr>
           <a:lstStyle/>
           <a:p>
-            <a:pPr indent="0" lvl="0" marL="0" rtl="0" algn="ctr">
+            <a:pPr indent="0" lvl="0" marL="0" rtl="0" algn="l">
               <a:spcBef>
                 <a:spcPts val="0"/>
               </a:spcBef>
@@ -12896,20 +12304,20 @@
               <a:buNone/>
             </a:pPr>
             <a:r>
-              <a:rPr lang="en" sz="4980">
+              <a:rPr lang="en" sz="5680">
                 <a:solidFill>
-                  <a:srgbClr val="9840A6"/>
+                  <a:schemeClr val="lt1"/>
                 </a:solidFill>
                 <a:latin typeface="Impact"/>
                 <a:ea typeface="Impact"/>
                 <a:cs typeface="Impact"/>
                 <a:sym typeface="Impact"/>
               </a:rPr>
-              <a:t>Wine by Taster Info</a:t>
+              <a:t>Questions</a:t>
             </a:r>
-            <a:endParaRPr sz="4980">
+            <a:endParaRPr sz="5680">
               <a:solidFill>
-                <a:srgbClr val="9840A6"/>
+                <a:schemeClr val="lt1"/>
               </a:solidFill>
               <a:latin typeface="Impact"/>
               <a:ea typeface="Impact"/>
@@ -12921,114 +12329,121 @@
       </p:sp>
       <p:sp>
         <p:nvSpPr>
-          <p:cNvPr id="116" name="Google Shape;116;p21"/>
+          <p:cNvPr id="121" name="Google Shape;121;p21"/>
           <p:cNvSpPr txBox="1"/>
-          <p:nvPr/>
-        </p:nvSpPr>
-        <p:spPr>
-          <a:xfrm>
-            <a:off x="4549525" y="2540150"/>
-            <a:ext cx="1301700" cy="400200"/>
-          </a:xfrm>
-          <a:prstGeom prst="rect">
-            <a:avLst/>
-          </a:prstGeom>
-          <a:noFill/>
-          <a:ln>
-            <a:noFill/>
-          </a:ln>
+          <p:nvPr>
+            <p:ph idx="4294967295" type="subTitle"/>
+          </p:nvPr>
+        </p:nvSpPr>
+        <p:spPr>
+          <a:xfrm>
+            <a:off x="1298450" y="2438775"/>
+            <a:ext cx="7126200" cy="1241400"/>
+          </a:xfrm>
+          <a:prstGeom prst="rect">
+            <a:avLst/>
+          </a:prstGeom>
         </p:spPr>
         <p:txBody>
-          <a:bodyPr anchorCtr="0" anchor="t" bIns="91425" lIns="91425" spcFirstLastPara="1" rIns="91425" wrap="square" tIns="91425">
-            <a:spAutoFit/>
+          <a:bodyPr anchorCtr="0" anchor="ctr" bIns="91425" lIns="91425" spcFirstLastPara="1" rIns="91425" wrap="square" tIns="91425">
+            <a:normAutofit/>
           </a:bodyPr>
           <a:lstStyle/>
           <a:p>
-            <a:pPr indent="0" lvl="0" marL="0" rtl="0" algn="l">
-              <a:spcBef>
-                <a:spcPts val="0"/>
-              </a:spcBef>
-              <a:spcAft>
-                <a:spcPts val="0"/>
-              </a:spcAft>
-              <a:buNone/>
+            <a:pPr indent="-304800" lvl="0" marL="457200" rtl="0" algn="l">
+              <a:lnSpc>
+                <a:spcPct val="115000"/>
+              </a:lnSpc>
+              <a:spcBef>
+                <a:spcPts val="0"/>
+              </a:spcBef>
+              <a:spcAft>
+                <a:spcPts val="0"/>
+              </a:spcAft>
+              <a:buClr>
+                <a:schemeClr val="lt1"/>
+              </a:buClr>
+              <a:buSzPts val="1200"/>
+              <a:buAutoNum type="arabicPeriod"/>
             </a:pPr>
             <a:r>
-              <a:t/>
+              <a:rPr b="1" lang="en" sz="1200">
+                <a:solidFill>
+                  <a:schemeClr val="lt1"/>
+                </a:solidFill>
+              </a:rPr>
+              <a:t>Which variant of wine should we choose to produce more of based on the reviews of our consumers?</a:t>
             </a:r>
-            <a:endParaRPr/>
+            <a:endParaRPr b="1" sz="1200">
+              <a:solidFill>
+                <a:schemeClr val="lt1"/>
+              </a:solidFill>
+            </a:endParaRPr>
+          </a:p>
+          <a:p>
+            <a:pPr indent="-304800" lvl="0" marL="457200" rtl="0" algn="l">
+              <a:lnSpc>
+                <a:spcPct val="115000"/>
+              </a:lnSpc>
+              <a:spcBef>
+                <a:spcPts val="0"/>
+              </a:spcBef>
+              <a:spcAft>
+                <a:spcPts val="0"/>
+              </a:spcAft>
+              <a:buClr>
+                <a:schemeClr val="lt1"/>
+              </a:buClr>
+              <a:buSzPts val="1200"/>
+              <a:buAutoNum type="arabicPeriod"/>
+            </a:pPr>
+            <a:r>
+              <a:rPr b="1" lang="en" sz="1200">
+                <a:solidFill>
+                  <a:schemeClr val="lt1"/>
+                </a:solidFill>
+              </a:rPr>
+              <a:t>Which winery should we choose to work with based on the variety we select and the reviews provided?</a:t>
+            </a:r>
+            <a:endParaRPr b="1" sz="1200">
+              <a:solidFill>
+                <a:schemeClr val="lt1"/>
+              </a:solidFill>
+            </a:endParaRPr>
+          </a:p>
+          <a:p>
+            <a:pPr indent="-304800" lvl="0" marL="457200" rtl="0" algn="l">
+              <a:lnSpc>
+                <a:spcPct val="115000"/>
+              </a:lnSpc>
+              <a:spcBef>
+                <a:spcPts val="0"/>
+              </a:spcBef>
+              <a:spcAft>
+                <a:spcPts val="0"/>
+              </a:spcAft>
+              <a:buClr>
+                <a:schemeClr val="lt1"/>
+              </a:buClr>
+              <a:buSzPts val="1200"/>
+              <a:buAutoNum type="arabicPeriod"/>
+            </a:pPr>
+            <a:r>
+              <a:rPr b="1" lang="en" sz="1200">
+                <a:solidFill>
+                  <a:schemeClr val="lt1"/>
+                </a:solidFill>
+              </a:rPr>
+              <a:t>What is the average price of wine receiving above average reviews?</a:t>
+            </a:r>
+            <a:endParaRPr sz="1200">
+              <a:solidFill>
+                <a:schemeClr val="lt1"/>
+              </a:solidFill>
+            </a:endParaRPr>
           </a:p>
         </p:txBody>
       </p:sp>
-      <p:sp>
-        <p:nvSpPr>
-          <p:cNvPr id="117" name="Google Shape;117;p21"/>
-          <p:cNvSpPr txBox="1"/>
-          <p:nvPr/>
-        </p:nvSpPr>
-        <p:spPr>
-          <a:xfrm>
-            <a:off x="3343275" y="2107400"/>
-            <a:ext cx="4114800" cy="400200"/>
-          </a:xfrm>
-          <a:prstGeom prst="rect">
-            <a:avLst/>
-          </a:prstGeom>
-          <a:noFill/>
-          <a:ln>
-            <a:noFill/>
-          </a:ln>
-        </p:spPr>
-        <p:txBody>
-          <a:bodyPr anchorCtr="0" anchor="t" bIns="91425" lIns="91425" spcFirstLastPara="1" rIns="91425" wrap="square" tIns="91425">
-            <a:spAutoFit/>
-          </a:bodyPr>
-          <a:lstStyle/>
-          <a:p>
-            <a:pPr indent="0" lvl="0" marL="0" rtl="0" algn="l">
-              <a:spcBef>
-                <a:spcPts val="0"/>
-              </a:spcBef>
-              <a:spcAft>
-                <a:spcPts val="0"/>
-              </a:spcAft>
-              <a:buNone/>
-            </a:pPr>
-            <a:r>
-              <a:t/>
-            </a:r>
-            <a:endParaRPr/>
-          </a:p>
-        </p:txBody>
-      </p:sp>
-      <p:pic>
-        <p:nvPicPr>
-          <p:cNvPr id="118" name="Google Shape;118;p21"/>
-          <p:cNvPicPr preferRelativeResize="0"/>
-          <p:nvPr/>
-        </p:nvPicPr>
-        <p:blipFill>
-          <a:blip r:embed="rId4">
-            <a:alphaModFix/>
-          </a:blip>
-          <a:stretch>
-            <a:fillRect/>
-          </a:stretch>
-        </p:blipFill>
-        <p:spPr>
-          <a:xfrm>
-            <a:off x="1532300" y="1791075"/>
-            <a:ext cx="6079379" cy="1898350"/>
-          </a:xfrm>
-          <a:prstGeom prst="rect">
-            <a:avLst/>
-          </a:prstGeom>
-          <a:noFill/>
-          <a:ln>
-            <a:noFill/>
-          </a:ln>
-        </p:spPr>
-      </p:pic>
     </p:spTree>
   </p:cSld>
   <p:clrMapOvr>
@@ -13038,6 +12453,285 @@
 </file>
 
 <file path=ppt/theme/theme1.xml><?xml version="1.0" encoding="utf-8"?>
+<a:theme xmlns:a="http://schemas.openxmlformats.org/drawingml/2006/main" xmlns:r="http://schemas.openxmlformats.org/officeDocument/2006/relationships">
+  <a:themeElements>
+    <a:clrScheme name="Default">
+      <a:dk1>
+        <a:srgbClr val="000000"/>
+      </a:dk1>
+      <a:lt1>
+        <a:srgbClr val="FFFFFF"/>
+      </a:lt1>
+      <a:dk2>
+        <a:srgbClr val="158158"/>
+      </a:dk2>
+      <a:lt2>
+        <a:srgbClr val="F3F3F3"/>
+      </a:lt2>
+      <a:accent1>
+        <a:srgbClr val="058DC7"/>
+      </a:accent1>
+      <a:accent2>
+        <a:srgbClr val="50B432"/>
+      </a:accent2>
+      <a:accent3>
+        <a:srgbClr val="ED561B"/>
+      </a:accent3>
+      <a:accent4>
+        <a:srgbClr val="EDEF00"/>
+      </a:accent4>
+      <a:accent5>
+        <a:srgbClr val="24CBE5"/>
+      </a:accent5>
+      <a:accent6>
+        <a:srgbClr val="64E572"/>
+      </a:accent6>
+      <a:hlink>
+        <a:srgbClr val="2200CC"/>
+      </a:hlink>
+      <a:folHlink>
+        <a:srgbClr val="551A8B"/>
+      </a:folHlink>
+    </a:clrScheme>
+    <a:fontScheme name="Office">
+      <a:majorFont>
+        <a:latin typeface="Arial"/>
+        <a:ea typeface=""/>
+        <a:cs typeface=""/>
+        <a:font script="Jpan" typeface="ＭＳ Ｐゴシック"/>
+        <a:font script="Hang" typeface="맑은 고딕"/>
+        <a:font script="Hans" typeface="宋体"/>
+        <a:font script="Hant" typeface="新細明體"/>
+        <a:font script="Arab" typeface="Times New Roman"/>
+        <a:font script="Hebr" typeface="Times New Roman"/>
+        <a:font script="Thai" typeface="Angsana New"/>
+        <a:font script="Ethi" typeface="Nyala"/>
+        <a:font script="Beng" typeface="Vrinda"/>
+        <a:font script="Gujr" typeface="Shruti"/>
+        <a:font script="Khmr" typeface="MoolBoran"/>
+        <a:font script="Knda" typeface="Tunga"/>
+        <a:font script="Guru" typeface="Raavi"/>
+        <a:font script="Cans" typeface="Euphemia"/>
+        <a:font script="Cher" typeface="Plantagenet Cherokee"/>
+        <a:font script="Yiii" typeface="Microsoft Yi Baiti"/>
+        <a:font script="Tibt" typeface="Microsoft Himalaya"/>
+        <a:font script="Thaa" typeface="MV Boli"/>
+        <a:font script="Deva" typeface="Mangal"/>
+        <a:font script="Telu" typeface="Gautami"/>
+        <a:font script="Taml" typeface="Latha"/>
+        <a:font script="Syrc" typeface="Estrangelo Edessa"/>
+        <a:font script="Orya" typeface="Kalinga"/>
+        <a:font script="Mlym" typeface="Kartika"/>
+        <a:font script="Laoo" typeface="DokChampa"/>
+        <a:font script="Sinh" typeface="Iskoola Pota"/>
+        <a:font script="Mong" typeface="Mongolian Baiti"/>
+        <a:font script="Viet" typeface="Times New Roman"/>
+        <a:font script="Uigh" typeface="Microsoft Uighur"/>
+        <a:font script="Geor" typeface="Sylfaen"/>
+      </a:majorFont>
+      <a:minorFont>
+        <a:latin typeface="Arial"/>
+        <a:ea typeface=""/>
+        <a:cs typeface=""/>
+        <a:font script="Jpan" typeface="ＭＳ Ｐゴシック"/>
+        <a:font script="Hang" typeface="맑은 고딕"/>
+        <a:font script="Hans" typeface="宋体"/>
+        <a:font script="Hant" typeface="新細明體"/>
+        <a:font script="Arab" typeface="Arial"/>
+        <a:font script="Hebr" typeface="Arial"/>
+        <a:font script="Thai" typeface="Cordia New"/>
+        <a:font script="Ethi" typeface="Nyala"/>
+        <a:font script="Beng" typeface="Vrinda"/>
+        <a:font script="Gujr" typeface="Shruti"/>
+        <a:font script="Khmr" typeface="DaunPenh"/>
+        <a:font script="Knda" typeface="Tunga"/>
+        <a:font script="Guru" typeface="Raavi"/>
+        <a:font script="Cans" typeface="Euphemia"/>
+        <a:font script="Cher" typeface="Plantagenet Cherokee"/>
+        <a:font script="Yiii" typeface="Microsoft Yi Baiti"/>
+        <a:font script="Tibt" typeface="Microsoft Himalaya"/>
+        <a:font script="Thaa" typeface="MV Boli"/>
+        <a:font script="Deva" typeface="Mangal"/>
+        <a:font script="Telu" typeface="Gautami"/>
+        <a:font script="Taml" typeface="Latha"/>
+        <a:font script="Syrc" typeface="Estrangelo Edessa"/>
+        <a:font script="Orya" typeface="Kalinga"/>
+        <a:font script="Mlym" typeface="Kartika"/>
+        <a:font script="Laoo" typeface="DokChampa"/>
+        <a:font script="Sinh" typeface="Iskoola Pota"/>
+        <a:font script="Mong" typeface="Mongolian Baiti"/>
+        <a:font script="Viet" typeface="Arial"/>
+        <a:font script="Uigh" typeface="Microsoft Uighur"/>
+        <a:font script="Geor" typeface="Sylfaen"/>
+      </a:minorFont>
+    </a:fontScheme>
+    <a:fmtScheme name="Office">
+      <a:fillStyleLst>
+        <a:solidFill>
+          <a:schemeClr val="phClr"/>
+        </a:solidFill>
+        <a:gradFill rotWithShape="1">
+          <a:gsLst>
+            <a:gs pos="0">
+              <a:schemeClr val="phClr">
+                <a:tint val="50000"/>
+                <a:satMod val="300000"/>
+              </a:schemeClr>
+            </a:gs>
+            <a:gs pos="35000">
+              <a:schemeClr val="phClr">
+                <a:tint val="37000"/>
+                <a:satMod val="300000"/>
+              </a:schemeClr>
+            </a:gs>
+            <a:gs pos="100000">
+              <a:schemeClr val="phClr">
+                <a:tint val="15000"/>
+                <a:satMod val="350000"/>
+              </a:schemeClr>
+            </a:gs>
+          </a:gsLst>
+          <a:lin ang="16200000" scaled="1"/>
+        </a:gradFill>
+        <a:gradFill rotWithShape="1">
+          <a:gsLst>
+            <a:gs pos="0">
+              <a:schemeClr val="phClr">
+                <a:tint val="100000"/>
+                <a:shade val="100000"/>
+                <a:satMod val="130000"/>
+              </a:schemeClr>
+            </a:gs>
+            <a:gs pos="100000">
+              <a:schemeClr val="phClr">
+                <a:tint val="50000"/>
+                <a:shade val="100000"/>
+                <a:satMod val="350000"/>
+              </a:schemeClr>
+            </a:gs>
+          </a:gsLst>
+          <a:lin ang="16200000" scaled="0"/>
+        </a:gradFill>
+      </a:fillStyleLst>
+      <a:lnStyleLst>
+        <a:ln w="9525" cap="flat" cmpd="sng" algn="ctr">
+          <a:solidFill>
+            <a:schemeClr val="phClr">
+              <a:shade val="95000"/>
+              <a:satMod val="105000"/>
+            </a:schemeClr>
+          </a:solidFill>
+          <a:prstDash val="solid"/>
+        </a:ln>
+        <a:ln w="25400" cap="flat" cmpd="sng" algn="ctr">
+          <a:solidFill>
+            <a:schemeClr val="phClr"/>
+          </a:solidFill>
+          <a:prstDash val="solid"/>
+        </a:ln>
+        <a:ln w="38100" cap="flat" cmpd="sng" algn="ctr">
+          <a:solidFill>
+            <a:schemeClr val="phClr"/>
+          </a:solidFill>
+          <a:prstDash val="solid"/>
+        </a:ln>
+      </a:lnStyleLst>
+      <a:effectStyleLst>
+        <a:effectStyle>
+          <a:effectLst>
+            <a:outerShdw blurRad="40000" dist="20000" dir="5400000" rotWithShape="0">
+              <a:srgbClr val="000000">
+                <a:alpha val="38000"/>
+              </a:srgbClr>
+            </a:outerShdw>
+          </a:effectLst>
+        </a:effectStyle>
+        <a:effectStyle>
+          <a:effectLst>
+            <a:outerShdw blurRad="40000" dist="23000" dir="5400000" rotWithShape="0">
+              <a:srgbClr val="000000">
+                <a:alpha val="35000"/>
+              </a:srgbClr>
+            </a:outerShdw>
+          </a:effectLst>
+        </a:effectStyle>
+        <a:effectStyle>
+          <a:effectLst>
+            <a:outerShdw blurRad="40000" dist="23000" dir="5400000" rotWithShape="0">
+              <a:srgbClr val="000000">
+                <a:alpha val="35000"/>
+              </a:srgbClr>
+            </a:outerShdw>
+          </a:effectLst>
+          <a:scene3d>
+            <a:camera prst="orthographicFront">
+              <a:rot lat="0" lon="0" rev="0"/>
+            </a:camera>
+            <a:lightRig rig="threePt" dir="t">
+              <a:rot lat="0" lon="0" rev="1200000"/>
+            </a:lightRig>
+          </a:scene3d>
+          <a:sp3d>
+            <a:bevelT w="63500" h="25400"/>
+          </a:sp3d>
+        </a:effectStyle>
+      </a:effectStyleLst>
+      <a:bgFillStyleLst>
+        <a:solidFill>
+          <a:schemeClr val="phClr"/>
+        </a:solidFill>
+        <a:gradFill rotWithShape="1">
+          <a:gsLst>
+            <a:gs pos="0">
+              <a:schemeClr val="phClr">
+                <a:tint val="40000"/>
+                <a:satMod val="350000"/>
+              </a:schemeClr>
+            </a:gs>
+            <a:gs pos="40000">
+              <a:schemeClr val="phClr">
+                <a:tint val="45000"/>
+                <a:shade val="99000"/>
+                <a:satMod val="350000"/>
+              </a:schemeClr>
+            </a:gs>
+            <a:gs pos="100000">
+              <a:schemeClr val="phClr">
+                <a:shade val="20000"/>
+                <a:satMod val="255000"/>
+              </a:schemeClr>
+            </a:gs>
+          </a:gsLst>
+          <a:path path="circle">
+            <a:fillToRect l="50000" t="-80000" r="50000" b="180000"/>
+          </a:path>
+        </a:gradFill>
+        <a:gradFill rotWithShape="1">
+          <a:gsLst>
+            <a:gs pos="0">
+              <a:schemeClr val="phClr">
+                <a:tint val="80000"/>
+                <a:satMod val="300000"/>
+              </a:schemeClr>
+            </a:gs>
+            <a:gs pos="100000">
+              <a:schemeClr val="phClr">
+                <a:shade val="30000"/>
+                <a:satMod val="200000"/>
+              </a:schemeClr>
+            </a:gs>
+          </a:gsLst>
+          <a:path path="circle">
+            <a:fillToRect l="50000" t="50000" r="50000" b="50000"/>
+          </a:path>
+        </a:gradFill>
+      </a:bgFillStyleLst>
+    </a:fmtScheme>
+  </a:themeElements>
+</a:theme>
+</file>
+
+<file path=ppt/theme/theme2.xml><?xml version="1.0" encoding="utf-8"?>
 <a:theme xmlns:a="http://schemas.openxmlformats.org/drawingml/2006/main" xmlns:r="http://schemas.openxmlformats.org/officeDocument/2006/relationships" name="Simple Light">
   <a:themeElements>
     <a:clrScheme name="Simple Light">
@@ -13314,283 +13008,4 @@
     </a:fmtScheme>
   </a:themeElements>
 </a:theme>
-</file>
-
-<file path=ppt/theme/theme2.xml><?xml version="1.0" encoding="utf-8"?>
-<a:theme xmlns:a="http://schemas.openxmlformats.org/drawingml/2006/main" xmlns:r="http://schemas.openxmlformats.org/officeDocument/2006/relationships">
-  <a:themeElements>
-    <a:clrScheme name="Default">
-      <a:dk1>
-        <a:srgbClr val="000000"/>
-      </a:dk1>
-      <a:lt1>
-        <a:srgbClr val="FFFFFF"/>
-      </a:lt1>
-      <a:dk2>
-        <a:srgbClr val="158158"/>
-      </a:dk2>
-      <a:lt2>
-        <a:srgbClr val="F3F3F3"/>
-      </a:lt2>
-      <a:accent1>
-        <a:srgbClr val="058DC7"/>
-      </a:accent1>
-      <a:accent2>
-        <a:srgbClr val="50B432"/>
-      </a:accent2>
-      <a:accent3>
-        <a:srgbClr val="ED561B"/>
-      </a:accent3>
-      <a:accent4>
-        <a:srgbClr val="EDEF00"/>
-      </a:accent4>
-      <a:accent5>
-        <a:srgbClr val="24CBE5"/>
-      </a:accent5>
-      <a:accent6>
-        <a:srgbClr val="64E572"/>
-      </a:accent6>
-      <a:hlink>
-        <a:srgbClr val="2200CC"/>
-      </a:hlink>
-      <a:folHlink>
-        <a:srgbClr val="551A8B"/>
-      </a:folHlink>
-    </a:clrScheme>
-    <a:fontScheme name="Office">
-      <a:majorFont>
-        <a:latin typeface="Arial"/>
-        <a:ea typeface=""/>
-        <a:cs typeface=""/>
-        <a:font script="Jpan" typeface="ＭＳ Ｐゴシック"/>
-        <a:font script="Hang" typeface="맑은 고딕"/>
-        <a:font script="Hans" typeface="宋体"/>
-        <a:font script="Hant" typeface="新細明體"/>
-        <a:font script="Arab" typeface="Times New Roman"/>
-        <a:font script="Hebr" typeface="Times New Roman"/>
-        <a:font script="Thai" typeface="Angsana New"/>
-        <a:font script="Ethi" typeface="Nyala"/>
-        <a:font script="Beng" typeface="Vrinda"/>
-        <a:font script="Gujr" typeface="Shruti"/>
-        <a:font script="Khmr" typeface="MoolBoran"/>
-        <a:font script="Knda" typeface="Tunga"/>
-        <a:font script="Guru" typeface="Raavi"/>
-        <a:font script="Cans" typeface="Euphemia"/>
-        <a:font script="Cher" typeface="Plantagenet Cherokee"/>
-        <a:font script="Yiii" typeface="Microsoft Yi Baiti"/>
-        <a:font script="Tibt" typeface="Microsoft Himalaya"/>
-        <a:font script="Thaa" typeface="MV Boli"/>
-        <a:font script="Deva" typeface="Mangal"/>
-        <a:font script="Telu" typeface="Gautami"/>
-        <a:font script="Taml" typeface="Latha"/>
-        <a:font script="Syrc" typeface="Estrangelo Edessa"/>
-        <a:font script="Orya" typeface="Kalinga"/>
-        <a:font script="Mlym" typeface="Kartika"/>
-        <a:font script="Laoo" typeface="DokChampa"/>
-        <a:font script="Sinh" typeface="Iskoola Pota"/>
-        <a:font script="Mong" typeface="Mongolian Baiti"/>
-        <a:font script="Viet" typeface="Times New Roman"/>
-        <a:font script="Uigh" typeface="Microsoft Uighur"/>
-        <a:font script="Geor" typeface="Sylfaen"/>
-      </a:majorFont>
-      <a:minorFont>
-        <a:latin typeface="Arial"/>
-        <a:ea typeface=""/>
-        <a:cs typeface=""/>
-        <a:font script="Jpan" typeface="ＭＳ Ｐゴシック"/>
-        <a:font script="Hang" typeface="맑은 고딕"/>
-        <a:font script="Hans" typeface="宋体"/>
-        <a:font script="Hant" typeface="新細明體"/>
-        <a:font script="Arab" typeface="Arial"/>
-        <a:font script="Hebr" typeface="Arial"/>
-        <a:font script="Thai" typeface="Cordia New"/>
-        <a:font script="Ethi" typeface="Nyala"/>
-        <a:font script="Beng" typeface="Vrinda"/>
-        <a:font script="Gujr" typeface="Shruti"/>
-        <a:font script="Khmr" typeface="DaunPenh"/>
-        <a:font script="Knda" typeface="Tunga"/>
-        <a:font script="Guru" typeface="Raavi"/>
-        <a:font script="Cans" typeface="Euphemia"/>
-        <a:font script="Cher" typeface="Plantagenet Cherokee"/>
-        <a:font script="Yiii" typeface="Microsoft Yi Baiti"/>
-        <a:font script="Tibt" typeface="Microsoft Himalaya"/>
-        <a:font script="Thaa" typeface="MV Boli"/>
-        <a:font script="Deva" typeface="Mangal"/>
-        <a:font script="Telu" typeface="Gautami"/>
-        <a:font script="Taml" typeface="Latha"/>
-        <a:font script="Syrc" typeface="Estrangelo Edessa"/>
-        <a:font script="Orya" typeface="Kalinga"/>
-        <a:font script="Mlym" typeface="Kartika"/>
-        <a:font script="Laoo" typeface="DokChampa"/>
-        <a:font script="Sinh" typeface="Iskoola Pota"/>
-        <a:font script="Mong" typeface="Mongolian Baiti"/>
-        <a:font script="Viet" typeface="Arial"/>
-        <a:font script="Uigh" typeface="Microsoft Uighur"/>
-        <a:font script="Geor" typeface="Sylfaen"/>
-      </a:minorFont>
-    </a:fontScheme>
-    <a:fmtScheme name="Office">
-      <a:fillStyleLst>
-        <a:solidFill>
-          <a:schemeClr val="phClr"/>
-        </a:solidFill>
-        <a:gradFill rotWithShape="1">
-          <a:gsLst>
-            <a:gs pos="0">
-              <a:schemeClr val="phClr">
-                <a:tint val="50000"/>
-                <a:satMod val="300000"/>
-              </a:schemeClr>
-            </a:gs>
-            <a:gs pos="35000">
-              <a:schemeClr val="phClr">
-                <a:tint val="37000"/>
-                <a:satMod val="300000"/>
-              </a:schemeClr>
-            </a:gs>
-            <a:gs pos="100000">
-              <a:schemeClr val="phClr">
-                <a:tint val="15000"/>
-                <a:satMod val="350000"/>
-              </a:schemeClr>
-            </a:gs>
-          </a:gsLst>
-          <a:lin ang="16200000" scaled="1"/>
-        </a:gradFill>
-        <a:gradFill rotWithShape="1">
-          <a:gsLst>
-            <a:gs pos="0">
-              <a:schemeClr val="phClr">
-                <a:tint val="100000"/>
-                <a:shade val="100000"/>
-                <a:satMod val="130000"/>
-              </a:schemeClr>
-            </a:gs>
-            <a:gs pos="100000">
-              <a:schemeClr val="phClr">
-                <a:tint val="50000"/>
-                <a:shade val="100000"/>
-                <a:satMod val="350000"/>
-              </a:schemeClr>
-            </a:gs>
-          </a:gsLst>
-          <a:lin ang="16200000" scaled="0"/>
-        </a:gradFill>
-      </a:fillStyleLst>
-      <a:lnStyleLst>
-        <a:ln w="9525" cap="flat" cmpd="sng" algn="ctr">
-          <a:solidFill>
-            <a:schemeClr val="phClr">
-              <a:shade val="95000"/>
-              <a:satMod val="105000"/>
-            </a:schemeClr>
-          </a:solidFill>
-          <a:prstDash val="solid"/>
-        </a:ln>
-        <a:ln w="25400" cap="flat" cmpd="sng" algn="ctr">
-          <a:solidFill>
-            <a:schemeClr val="phClr"/>
-          </a:solidFill>
-          <a:prstDash val="solid"/>
-        </a:ln>
-        <a:ln w="38100" cap="flat" cmpd="sng" algn="ctr">
-          <a:solidFill>
-            <a:schemeClr val="phClr"/>
-          </a:solidFill>
-          <a:prstDash val="solid"/>
-        </a:ln>
-      </a:lnStyleLst>
-      <a:effectStyleLst>
-        <a:effectStyle>
-          <a:effectLst>
-            <a:outerShdw blurRad="40000" dist="20000" dir="5400000" rotWithShape="0">
-              <a:srgbClr val="000000">
-                <a:alpha val="38000"/>
-              </a:srgbClr>
-            </a:outerShdw>
-          </a:effectLst>
-        </a:effectStyle>
-        <a:effectStyle>
-          <a:effectLst>
-            <a:outerShdw blurRad="40000" dist="23000" dir="5400000" rotWithShape="0">
-              <a:srgbClr val="000000">
-                <a:alpha val="35000"/>
-              </a:srgbClr>
-            </a:outerShdw>
-          </a:effectLst>
-        </a:effectStyle>
-        <a:effectStyle>
-          <a:effectLst>
-            <a:outerShdw blurRad="40000" dist="23000" dir="5400000" rotWithShape="0">
-              <a:srgbClr val="000000">
-                <a:alpha val="35000"/>
-              </a:srgbClr>
-            </a:outerShdw>
-          </a:effectLst>
-          <a:scene3d>
-            <a:camera prst="orthographicFront">
-              <a:rot lat="0" lon="0" rev="0"/>
-            </a:camera>
-            <a:lightRig rig="threePt" dir="t">
-              <a:rot lat="0" lon="0" rev="1200000"/>
-            </a:lightRig>
-          </a:scene3d>
-          <a:sp3d>
-            <a:bevelT w="63500" h="25400"/>
-          </a:sp3d>
-        </a:effectStyle>
-      </a:effectStyleLst>
-      <a:bgFillStyleLst>
-        <a:solidFill>
-          <a:schemeClr val="phClr"/>
-        </a:solidFill>
-        <a:gradFill rotWithShape="1">
-          <a:gsLst>
-            <a:gs pos="0">
-              <a:schemeClr val="phClr">
-                <a:tint val="40000"/>
-                <a:satMod val="350000"/>
-              </a:schemeClr>
-            </a:gs>
-            <a:gs pos="40000">
-              <a:schemeClr val="phClr">
-                <a:tint val="45000"/>
-                <a:shade val="99000"/>
-                <a:satMod val="350000"/>
-              </a:schemeClr>
-            </a:gs>
-            <a:gs pos="100000">
-              <a:schemeClr val="phClr">
-                <a:shade val="20000"/>
-                <a:satMod val="255000"/>
-              </a:schemeClr>
-            </a:gs>
-          </a:gsLst>
-          <a:path path="circle">
-            <a:fillToRect l="50000" t="-80000" r="50000" b="180000"/>
-          </a:path>
-        </a:gradFill>
-        <a:gradFill rotWithShape="1">
-          <a:gsLst>
-            <a:gs pos="0">
-              <a:schemeClr val="phClr">
-                <a:tint val="80000"/>
-                <a:satMod val="300000"/>
-              </a:schemeClr>
-            </a:gs>
-            <a:gs pos="100000">
-              <a:schemeClr val="phClr">
-                <a:shade val="30000"/>
-                <a:satMod val="200000"/>
-              </a:schemeClr>
-            </a:gs>
-          </a:gsLst>
-          <a:path path="circle">
-            <a:fillToRect l="50000" t="50000" r="50000" b="50000"/>
-          </a:path>
-        </a:gradFill>
-      </a:bgFillStyleLst>
-    </a:fmtScheme>
-  </a:themeElements>
-</a:theme>
 </file>